--- a/General.pptx
+++ b/General.pptx
@@ -12,6 +12,27 @@
     <p:sldId id="260" r:id="rId6"/>
     <p:sldId id="257" r:id="rId7"/>
     <p:sldId id="259" r:id="rId8"/>
+    <p:sldId id="263" r:id="rId9"/>
+    <p:sldId id="264" r:id="rId10"/>
+    <p:sldId id="265" r:id="rId11"/>
+    <p:sldId id="266" r:id="rId12"/>
+    <p:sldId id="267" r:id="rId13"/>
+    <p:sldId id="270" r:id="rId14"/>
+    <p:sldId id="268" r:id="rId15"/>
+    <p:sldId id="271" r:id="rId16"/>
+    <p:sldId id="272" r:id="rId17"/>
+    <p:sldId id="273" r:id="rId18"/>
+    <p:sldId id="274" r:id="rId19"/>
+    <p:sldId id="275" r:id="rId20"/>
+    <p:sldId id="276" r:id="rId21"/>
+    <p:sldId id="277" r:id="rId22"/>
+    <p:sldId id="278" r:id="rId23"/>
+    <p:sldId id="279" r:id="rId24"/>
+    <p:sldId id="280" r:id="rId25"/>
+    <p:sldId id="281" r:id="rId26"/>
+    <p:sldId id="282" r:id="rId27"/>
+    <p:sldId id="283" r:id="rId28"/>
+    <p:sldId id="284" r:id="rId29"/>
   </p:sldIdLst>
   <p:sldSz cx="12192000" cy="6858000"/>
   <p:notesSz cx="6858000" cy="9144000"/>
@@ -267,7 +288,7 @@
           <a:p>
             <a:fld id="{4144BC5B-1C15-4ADE-8370-05354381271F}" type="datetimeFigureOut">
               <a:rPr lang="en-GB" smtClean="0"/>
-              <a:t>22/07/2021</a:t>
+              <a:t>12/08/2021</a:t>
             </a:fld>
             <a:endParaRPr lang="en-GB"/>
           </a:p>
@@ -467,7 +488,7 @@
           <a:p>
             <a:fld id="{4144BC5B-1C15-4ADE-8370-05354381271F}" type="datetimeFigureOut">
               <a:rPr lang="en-GB" smtClean="0"/>
-              <a:t>22/07/2021</a:t>
+              <a:t>12/08/2021</a:t>
             </a:fld>
             <a:endParaRPr lang="en-GB"/>
           </a:p>
@@ -677,7 +698,7 @@
           <a:p>
             <a:fld id="{4144BC5B-1C15-4ADE-8370-05354381271F}" type="datetimeFigureOut">
               <a:rPr lang="en-GB" smtClean="0"/>
-              <a:t>22/07/2021</a:t>
+              <a:t>12/08/2021</a:t>
             </a:fld>
             <a:endParaRPr lang="en-GB"/>
           </a:p>
@@ -877,7 +898,7 @@
           <a:p>
             <a:fld id="{4144BC5B-1C15-4ADE-8370-05354381271F}" type="datetimeFigureOut">
               <a:rPr lang="en-GB" smtClean="0"/>
-              <a:t>22/07/2021</a:t>
+              <a:t>12/08/2021</a:t>
             </a:fld>
             <a:endParaRPr lang="en-GB"/>
           </a:p>
@@ -1153,7 +1174,7 @@
           <a:p>
             <a:fld id="{4144BC5B-1C15-4ADE-8370-05354381271F}" type="datetimeFigureOut">
               <a:rPr lang="en-GB" smtClean="0"/>
-              <a:t>22/07/2021</a:t>
+              <a:t>12/08/2021</a:t>
             </a:fld>
             <a:endParaRPr lang="en-GB"/>
           </a:p>
@@ -1421,7 +1442,7 @@
           <a:p>
             <a:fld id="{4144BC5B-1C15-4ADE-8370-05354381271F}" type="datetimeFigureOut">
               <a:rPr lang="en-GB" smtClean="0"/>
-              <a:t>22/07/2021</a:t>
+              <a:t>12/08/2021</a:t>
             </a:fld>
             <a:endParaRPr lang="en-GB"/>
           </a:p>
@@ -1836,7 +1857,7 @@
           <a:p>
             <a:fld id="{4144BC5B-1C15-4ADE-8370-05354381271F}" type="datetimeFigureOut">
               <a:rPr lang="en-GB" smtClean="0"/>
-              <a:t>22/07/2021</a:t>
+              <a:t>12/08/2021</a:t>
             </a:fld>
             <a:endParaRPr lang="en-GB"/>
           </a:p>
@@ -1978,7 +1999,7 @@
           <a:p>
             <a:fld id="{4144BC5B-1C15-4ADE-8370-05354381271F}" type="datetimeFigureOut">
               <a:rPr lang="en-GB" smtClean="0"/>
-              <a:t>22/07/2021</a:t>
+              <a:t>12/08/2021</a:t>
             </a:fld>
             <a:endParaRPr lang="en-GB"/>
           </a:p>
@@ -2091,7 +2112,7 @@
           <a:p>
             <a:fld id="{4144BC5B-1C15-4ADE-8370-05354381271F}" type="datetimeFigureOut">
               <a:rPr lang="en-GB" smtClean="0"/>
-              <a:t>22/07/2021</a:t>
+              <a:t>12/08/2021</a:t>
             </a:fld>
             <a:endParaRPr lang="en-GB"/>
           </a:p>
@@ -2404,7 +2425,7 @@
           <a:p>
             <a:fld id="{4144BC5B-1C15-4ADE-8370-05354381271F}" type="datetimeFigureOut">
               <a:rPr lang="en-GB" smtClean="0"/>
-              <a:t>22/07/2021</a:t>
+              <a:t>12/08/2021</a:t>
             </a:fld>
             <a:endParaRPr lang="en-GB"/>
           </a:p>
@@ -2693,7 +2714,7 @@
           <a:p>
             <a:fld id="{4144BC5B-1C15-4ADE-8370-05354381271F}" type="datetimeFigureOut">
               <a:rPr lang="en-GB" smtClean="0"/>
-              <a:t>22/07/2021</a:t>
+              <a:t>12/08/2021</a:t>
             </a:fld>
             <a:endParaRPr lang="en-GB"/>
           </a:p>
@@ -2936,7 +2957,7 @@
           <a:p>
             <a:fld id="{4144BC5B-1C15-4ADE-8370-05354381271F}" type="datetimeFigureOut">
               <a:rPr lang="en-GB" smtClean="0"/>
-              <a:t>22/07/2021</a:t>
+              <a:t>12/08/2021</a:t>
             </a:fld>
             <a:endParaRPr lang="en-GB"/>
           </a:p>
@@ -4378,6 +4399,2661 @@
 </p:sld>
 </file>
 
+<file path=ppt/slides/slide10.xml><?xml version="1.0" encoding="utf-8"?>
+<p:sld xmlns:a="http://schemas.openxmlformats.org/drawingml/2006/main" xmlns:r="http://schemas.openxmlformats.org/officeDocument/2006/relationships" xmlns:p="http://schemas.openxmlformats.org/presentationml/2006/main">
+  <p:cSld>
+    <p:spTree>
+      <p:nvGrpSpPr>
+        <p:cNvPr id="1" name=""/>
+        <p:cNvGrpSpPr/>
+        <p:nvPr/>
+      </p:nvGrpSpPr>
+      <p:grpSpPr>
+        <a:xfrm>
+          <a:off x="0" y="0"/>
+          <a:ext cx="0" cy="0"/>
+          <a:chOff x="0" y="0"/>
+          <a:chExt cx="0" cy="0"/>
+        </a:xfrm>
+      </p:grpSpPr>
+      <p:pic>
+        <p:nvPicPr>
+          <p:cNvPr id="5" name="Imagem 4" descr="Gráfico, Histograma&#10;&#10;Descrição gerada automaticamente">
+            <a:extLst>
+              <a:ext uri="{FF2B5EF4-FFF2-40B4-BE49-F238E27FC236}">
+                <a16:creationId xmlns:a16="http://schemas.microsoft.com/office/drawing/2014/main" id="{CB9233B7-2CE5-47C3-A07D-4A3EA4DB6911}"/>
+              </a:ext>
+            </a:extLst>
+          </p:cNvPr>
+          <p:cNvPicPr>
+            <a:picLocks noChangeAspect="1"/>
+          </p:cNvPicPr>
+          <p:nvPr/>
+        </p:nvPicPr>
+        <p:blipFill>
+          <a:blip r:embed="rId2"/>
+          <a:stretch>
+            <a:fillRect/>
+          </a:stretch>
+        </p:blipFill>
+        <p:spPr>
+          <a:xfrm>
+            <a:off x="45720" y="189000"/>
+            <a:ext cx="9078337" cy="6480000"/>
+          </a:xfrm>
+          <a:prstGeom prst="rect">
+            <a:avLst/>
+          </a:prstGeom>
+        </p:spPr>
+      </p:pic>
+      <p:sp>
+        <p:nvSpPr>
+          <p:cNvPr id="6" name="CaixaDeTexto 5">
+            <a:extLst>
+              <a:ext uri="{FF2B5EF4-FFF2-40B4-BE49-F238E27FC236}">
+                <a16:creationId xmlns:a16="http://schemas.microsoft.com/office/drawing/2014/main" id="{ADFE9529-BD09-4C0F-97F3-C296AB12BE54}"/>
+              </a:ext>
+            </a:extLst>
+          </p:cNvPr>
+          <p:cNvSpPr txBox="1"/>
+          <p:nvPr/>
+        </p:nvSpPr>
+        <p:spPr>
+          <a:xfrm>
+            <a:off x="9261773" y="189000"/>
+            <a:ext cx="659155" cy="369332"/>
+          </a:xfrm>
+          <a:prstGeom prst="rect">
+            <a:avLst/>
+          </a:prstGeom>
+          <a:noFill/>
+        </p:spPr>
+        <p:txBody>
+          <a:bodyPr wrap="none" rtlCol="0">
+            <a:spAutoFit/>
+          </a:bodyPr>
+          <a:lstStyle/>
+          <a:p>
+            <a:r>
+              <a:rPr lang="en-GB" b="1" dirty="0"/>
+              <a:t>n: </a:t>
+            </a:r>
+            <a:r>
+              <a:rPr lang="pt-BR" b="1" dirty="0"/>
+              <a:t>14</a:t>
+            </a:r>
+          </a:p>
+        </p:txBody>
+      </p:sp>
+      <p:sp>
+        <p:nvSpPr>
+          <p:cNvPr id="7" name="CaixaDeTexto 6">
+            <a:extLst>
+              <a:ext uri="{FF2B5EF4-FFF2-40B4-BE49-F238E27FC236}">
+                <a16:creationId xmlns:a16="http://schemas.microsoft.com/office/drawing/2014/main" id="{BB78C2ED-D27F-4D6F-BA7D-56087E660021}"/>
+              </a:ext>
+            </a:extLst>
+          </p:cNvPr>
+          <p:cNvSpPr txBox="1"/>
+          <p:nvPr/>
+        </p:nvSpPr>
+        <p:spPr>
+          <a:xfrm>
+            <a:off x="9263018" y="927664"/>
+            <a:ext cx="1832040" cy="369332"/>
+          </a:xfrm>
+          <a:prstGeom prst="rect">
+            <a:avLst/>
+          </a:prstGeom>
+          <a:noFill/>
+        </p:spPr>
+        <p:txBody>
+          <a:bodyPr wrap="none" rtlCol="0">
+            <a:spAutoFit/>
+          </a:bodyPr>
+          <a:lstStyle/>
+          <a:p>
+            <a:r>
+              <a:rPr lang="en-GB" b="1" dirty="0" err="1"/>
+              <a:t>positiveTrend</a:t>
+            </a:r>
+            <a:r>
+              <a:rPr lang="en-GB" b="1" dirty="0"/>
+              <a:t>: </a:t>
+            </a:r>
+            <a:r>
+              <a:rPr lang="pt-BR" b="1" dirty="0"/>
+              <a:t>89</a:t>
+            </a:r>
+          </a:p>
+        </p:txBody>
+      </p:sp>
+      <p:sp>
+        <p:nvSpPr>
+          <p:cNvPr id="8" name="CaixaDeTexto 7">
+            <a:extLst>
+              <a:ext uri="{FF2B5EF4-FFF2-40B4-BE49-F238E27FC236}">
+                <a16:creationId xmlns:a16="http://schemas.microsoft.com/office/drawing/2014/main" id="{EE0491DF-B3A1-42D6-9742-76BACF7F0A2D}"/>
+              </a:ext>
+            </a:extLst>
+          </p:cNvPr>
+          <p:cNvSpPr txBox="1"/>
+          <p:nvPr/>
+        </p:nvSpPr>
+        <p:spPr>
+          <a:xfrm>
+            <a:off x="9261773" y="1654115"/>
+            <a:ext cx="1138453" cy="369332"/>
+          </a:xfrm>
+          <a:prstGeom prst="rect">
+            <a:avLst/>
+          </a:prstGeom>
+          <a:noFill/>
+        </p:spPr>
+        <p:txBody>
+          <a:bodyPr wrap="none" rtlCol="0">
+            <a:spAutoFit/>
+          </a:bodyPr>
+          <a:lstStyle/>
+          <a:p>
+            <a:r>
+              <a:rPr lang="en-GB" b="1" dirty="0"/>
+              <a:t>none: </a:t>
+            </a:r>
+            <a:r>
+              <a:rPr lang="pt-BR" b="1" dirty="0"/>
+              <a:t>302</a:t>
+            </a:r>
+          </a:p>
+        </p:txBody>
+      </p:sp>
+      <p:sp>
+        <p:nvSpPr>
+          <p:cNvPr id="9" name="CaixaDeTexto 8">
+            <a:extLst>
+              <a:ext uri="{FF2B5EF4-FFF2-40B4-BE49-F238E27FC236}">
+                <a16:creationId xmlns:a16="http://schemas.microsoft.com/office/drawing/2014/main" id="{09264DBD-9ED3-4599-9A7F-8DCEDBAF9E6F}"/>
+              </a:ext>
+            </a:extLst>
+          </p:cNvPr>
+          <p:cNvSpPr txBox="1"/>
+          <p:nvPr/>
+        </p:nvSpPr>
+        <p:spPr>
+          <a:xfrm>
+            <a:off x="9261773" y="1284783"/>
+            <a:ext cx="1893275" cy="369332"/>
+          </a:xfrm>
+          <a:prstGeom prst="rect">
+            <a:avLst/>
+          </a:prstGeom>
+          <a:noFill/>
+        </p:spPr>
+        <p:txBody>
+          <a:bodyPr wrap="none" rtlCol="0">
+            <a:spAutoFit/>
+          </a:bodyPr>
+          <a:lstStyle/>
+          <a:p>
+            <a:r>
+              <a:rPr lang="en-GB" b="1" dirty="0" err="1"/>
+              <a:t>negativeTrend</a:t>
+            </a:r>
+            <a:r>
+              <a:rPr lang="en-GB" b="1" dirty="0"/>
+              <a:t>: </a:t>
+            </a:r>
+            <a:r>
+              <a:rPr lang="pt-BR" b="1" dirty="0"/>
+              <a:t>17</a:t>
+            </a:r>
+          </a:p>
+        </p:txBody>
+      </p:sp>
+      <p:sp>
+        <p:nvSpPr>
+          <p:cNvPr id="10" name="CaixaDeTexto 9">
+            <a:extLst>
+              <a:ext uri="{FF2B5EF4-FFF2-40B4-BE49-F238E27FC236}">
+                <a16:creationId xmlns:a16="http://schemas.microsoft.com/office/drawing/2014/main" id="{17BF4A8F-4672-4381-8C38-98D18D1EAD1E}"/>
+              </a:ext>
+            </a:extLst>
+          </p:cNvPr>
+          <p:cNvSpPr txBox="1"/>
+          <p:nvPr/>
+        </p:nvSpPr>
+        <p:spPr>
+          <a:xfrm>
+            <a:off x="9261773" y="558332"/>
+            <a:ext cx="1244251" cy="369332"/>
+          </a:xfrm>
+          <a:prstGeom prst="rect">
+            <a:avLst/>
+          </a:prstGeom>
+          <a:noFill/>
+        </p:spPr>
+        <p:txBody>
+          <a:bodyPr wrap="none" rtlCol="0">
+            <a:spAutoFit/>
+          </a:bodyPr>
+          <a:lstStyle/>
+          <a:p>
+            <a:r>
+              <a:rPr lang="en-GB" b="1" dirty="0">
+                <a:solidFill>
+                  <a:srgbClr val="FF0000"/>
+                </a:solidFill>
+              </a:rPr>
+              <a:t>alpha: </a:t>
+            </a:r>
+            <a:r>
+              <a:rPr lang="pt-BR" b="1" dirty="0">
+                <a:solidFill>
+                  <a:srgbClr val="FF0000"/>
+                </a:solidFill>
+              </a:rPr>
+              <a:t>0.01</a:t>
+            </a:r>
+          </a:p>
+        </p:txBody>
+      </p:sp>
+    </p:spTree>
+    <p:extLst>
+      <p:ext uri="{BB962C8B-B14F-4D97-AF65-F5344CB8AC3E}">
+        <p14:creationId xmlns:p14="http://schemas.microsoft.com/office/powerpoint/2010/main" val="246930143"/>
+      </p:ext>
+    </p:extLst>
+  </p:cSld>
+  <p:clrMapOvr>
+    <a:masterClrMapping/>
+  </p:clrMapOvr>
+</p:sld>
+</file>
+
+<file path=ppt/slides/slide11.xml><?xml version="1.0" encoding="utf-8"?>
+<p:sld xmlns:a="http://schemas.openxmlformats.org/drawingml/2006/main" xmlns:r="http://schemas.openxmlformats.org/officeDocument/2006/relationships" xmlns:p="http://schemas.openxmlformats.org/presentationml/2006/main">
+  <p:cSld>
+    <p:spTree>
+      <p:nvGrpSpPr>
+        <p:cNvPr id="1" name=""/>
+        <p:cNvGrpSpPr/>
+        <p:nvPr/>
+      </p:nvGrpSpPr>
+      <p:grpSpPr>
+        <a:xfrm>
+          <a:off x="0" y="0"/>
+          <a:ext cx="0" cy="0"/>
+          <a:chOff x="0" y="0"/>
+          <a:chExt cx="0" cy="0"/>
+        </a:xfrm>
+      </p:grpSpPr>
+      <p:pic>
+        <p:nvPicPr>
+          <p:cNvPr id="5" name="Imagem 4" descr="Gráfico, Histograma&#10;&#10;Descrição gerada automaticamente">
+            <a:extLst>
+              <a:ext uri="{FF2B5EF4-FFF2-40B4-BE49-F238E27FC236}">
+                <a16:creationId xmlns:a16="http://schemas.microsoft.com/office/drawing/2014/main" id="{A423EEEA-C205-4742-95FA-A73B5E516961}"/>
+              </a:ext>
+            </a:extLst>
+          </p:cNvPr>
+          <p:cNvPicPr>
+            <a:picLocks noChangeAspect="1"/>
+          </p:cNvPicPr>
+          <p:nvPr/>
+        </p:nvPicPr>
+        <p:blipFill>
+          <a:blip r:embed="rId2"/>
+          <a:stretch>
+            <a:fillRect/>
+          </a:stretch>
+        </p:blipFill>
+        <p:spPr>
+          <a:xfrm>
+            <a:off x="0" y="189000"/>
+            <a:ext cx="9100590" cy="6480000"/>
+          </a:xfrm>
+          <a:prstGeom prst="rect">
+            <a:avLst/>
+          </a:prstGeom>
+        </p:spPr>
+      </p:pic>
+      <p:sp>
+        <p:nvSpPr>
+          <p:cNvPr id="6" name="CaixaDeTexto 5">
+            <a:extLst>
+              <a:ext uri="{FF2B5EF4-FFF2-40B4-BE49-F238E27FC236}">
+                <a16:creationId xmlns:a16="http://schemas.microsoft.com/office/drawing/2014/main" id="{08090CE0-466D-4D19-96E1-668946EF7913}"/>
+              </a:ext>
+            </a:extLst>
+          </p:cNvPr>
+          <p:cNvSpPr txBox="1"/>
+          <p:nvPr/>
+        </p:nvSpPr>
+        <p:spPr>
+          <a:xfrm>
+            <a:off x="9261773" y="189000"/>
+            <a:ext cx="659155" cy="369332"/>
+          </a:xfrm>
+          <a:prstGeom prst="rect">
+            <a:avLst/>
+          </a:prstGeom>
+          <a:noFill/>
+        </p:spPr>
+        <p:txBody>
+          <a:bodyPr wrap="none" rtlCol="0">
+            <a:spAutoFit/>
+          </a:bodyPr>
+          <a:lstStyle/>
+          <a:p>
+            <a:r>
+              <a:rPr lang="en-GB" b="1" dirty="0">
+                <a:solidFill>
+                  <a:srgbClr val="FF0000"/>
+                </a:solidFill>
+              </a:rPr>
+              <a:t>n: </a:t>
+            </a:r>
+            <a:r>
+              <a:rPr lang="pt-BR" b="1" dirty="0">
+                <a:solidFill>
+                  <a:srgbClr val="FF0000"/>
+                </a:solidFill>
+              </a:rPr>
+              <a:t>21</a:t>
+            </a:r>
+          </a:p>
+        </p:txBody>
+      </p:sp>
+      <p:sp>
+        <p:nvSpPr>
+          <p:cNvPr id="7" name="CaixaDeTexto 6">
+            <a:extLst>
+              <a:ext uri="{FF2B5EF4-FFF2-40B4-BE49-F238E27FC236}">
+                <a16:creationId xmlns:a16="http://schemas.microsoft.com/office/drawing/2014/main" id="{30669A5A-8E26-40CF-82D7-E16BB1DC3EF5}"/>
+              </a:ext>
+            </a:extLst>
+          </p:cNvPr>
+          <p:cNvSpPr txBox="1"/>
+          <p:nvPr/>
+        </p:nvSpPr>
+        <p:spPr>
+          <a:xfrm>
+            <a:off x="9263018" y="927664"/>
+            <a:ext cx="1949060" cy="369332"/>
+          </a:xfrm>
+          <a:prstGeom prst="rect">
+            <a:avLst/>
+          </a:prstGeom>
+          <a:noFill/>
+        </p:spPr>
+        <p:txBody>
+          <a:bodyPr wrap="none" rtlCol="0">
+            <a:spAutoFit/>
+          </a:bodyPr>
+          <a:lstStyle/>
+          <a:p>
+            <a:r>
+              <a:rPr lang="en-GB" b="1" dirty="0" err="1"/>
+              <a:t>positiveTrend</a:t>
+            </a:r>
+            <a:r>
+              <a:rPr lang="en-GB" b="1" dirty="0"/>
+              <a:t>: </a:t>
+            </a:r>
+            <a:r>
+              <a:rPr lang="pt-BR" b="1" dirty="0"/>
+              <a:t>155</a:t>
+            </a:r>
+          </a:p>
+        </p:txBody>
+      </p:sp>
+      <p:sp>
+        <p:nvSpPr>
+          <p:cNvPr id="8" name="CaixaDeTexto 7">
+            <a:extLst>
+              <a:ext uri="{FF2B5EF4-FFF2-40B4-BE49-F238E27FC236}">
+                <a16:creationId xmlns:a16="http://schemas.microsoft.com/office/drawing/2014/main" id="{36CB5320-8963-4898-BB17-869F76404D63}"/>
+              </a:ext>
+            </a:extLst>
+          </p:cNvPr>
+          <p:cNvSpPr txBox="1"/>
+          <p:nvPr/>
+        </p:nvSpPr>
+        <p:spPr>
+          <a:xfrm>
+            <a:off x="9261773" y="1654115"/>
+            <a:ext cx="1138453" cy="369332"/>
+          </a:xfrm>
+          <a:prstGeom prst="rect">
+            <a:avLst/>
+          </a:prstGeom>
+          <a:noFill/>
+        </p:spPr>
+        <p:txBody>
+          <a:bodyPr wrap="none" rtlCol="0">
+            <a:spAutoFit/>
+          </a:bodyPr>
+          <a:lstStyle/>
+          <a:p>
+            <a:r>
+              <a:rPr lang="en-GB" b="1" dirty="0"/>
+              <a:t>none: </a:t>
+            </a:r>
+            <a:r>
+              <a:rPr lang="pt-BR" b="1" dirty="0"/>
+              <a:t>162</a:t>
+            </a:r>
+          </a:p>
+        </p:txBody>
+      </p:sp>
+      <p:sp>
+        <p:nvSpPr>
+          <p:cNvPr id="9" name="CaixaDeTexto 8">
+            <a:extLst>
+              <a:ext uri="{FF2B5EF4-FFF2-40B4-BE49-F238E27FC236}">
+                <a16:creationId xmlns:a16="http://schemas.microsoft.com/office/drawing/2014/main" id="{1AA29809-73E7-4205-B673-B82164B60BF8}"/>
+              </a:ext>
+            </a:extLst>
+          </p:cNvPr>
+          <p:cNvSpPr txBox="1"/>
+          <p:nvPr/>
+        </p:nvSpPr>
+        <p:spPr>
+          <a:xfrm>
+            <a:off x="9261773" y="1284783"/>
+            <a:ext cx="1893275" cy="369332"/>
+          </a:xfrm>
+          <a:prstGeom prst="rect">
+            <a:avLst/>
+          </a:prstGeom>
+          <a:noFill/>
+        </p:spPr>
+        <p:txBody>
+          <a:bodyPr wrap="none" rtlCol="0">
+            <a:spAutoFit/>
+          </a:bodyPr>
+          <a:lstStyle/>
+          <a:p>
+            <a:r>
+              <a:rPr lang="en-GB" b="1" dirty="0" err="1"/>
+              <a:t>negativeTrend</a:t>
+            </a:r>
+            <a:r>
+              <a:rPr lang="en-GB" b="1" dirty="0"/>
+              <a:t>: </a:t>
+            </a:r>
+            <a:r>
+              <a:rPr lang="pt-BR" b="1" dirty="0"/>
+              <a:t>84</a:t>
+            </a:r>
+          </a:p>
+        </p:txBody>
+      </p:sp>
+      <p:sp>
+        <p:nvSpPr>
+          <p:cNvPr id="10" name="CaixaDeTexto 9">
+            <a:extLst>
+              <a:ext uri="{FF2B5EF4-FFF2-40B4-BE49-F238E27FC236}">
+                <a16:creationId xmlns:a16="http://schemas.microsoft.com/office/drawing/2014/main" id="{17E53CC5-FFC6-419B-8E3A-A3C3635EDA90}"/>
+              </a:ext>
+            </a:extLst>
+          </p:cNvPr>
+          <p:cNvSpPr txBox="1"/>
+          <p:nvPr/>
+        </p:nvSpPr>
+        <p:spPr>
+          <a:xfrm>
+            <a:off x="9261773" y="558332"/>
+            <a:ext cx="1244251" cy="369332"/>
+          </a:xfrm>
+          <a:prstGeom prst="rect">
+            <a:avLst/>
+          </a:prstGeom>
+          <a:noFill/>
+        </p:spPr>
+        <p:txBody>
+          <a:bodyPr wrap="none" rtlCol="0">
+            <a:spAutoFit/>
+          </a:bodyPr>
+          <a:lstStyle/>
+          <a:p>
+            <a:r>
+              <a:rPr lang="en-GB" b="1" dirty="0">
+                <a:solidFill>
+                  <a:srgbClr val="FF0000"/>
+                </a:solidFill>
+              </a:rPr>
+              <a:t>alpha: </a:t>
+            </a:r>
+            <a:r>
+              <a:rPr lang="pt-BR" b="1" dirty="0">
+                <a:solidFill>
+                  <a:srgbClr val="FF0000"/>
+                </a:solidFill>
+              </a:rPr>
+              <a:t>0.05</a:t>
+            </a:r>
+          </a:p>
+        </p:txBody>
+      </p:sp>
+    </p:spTree>
+    <p:extLst>
+      <p:ext uri="{BB962C8B-B14F-4D97-AF65-F5344CB8AC3E}">
+        <p14:creationId xmlns:p14="http://schemas.microsoft.com/office/powerpoint/2010/main" val="418504435"/>
+      </p:ext>
+    </p:extLst>
+  </p:cSld>
+  <p:clrMapOvr>
+    <a:masterClrMapping/>
+  </p:clrMapOvr>
+</p:sld>
+</file>
+
+<file path=ppt/slides/slide12.xml><?xml version="1.0" encoding="utf-8"?>
+<p:sld xmlns:a="http://schemas.openxmlformats.org/drawingml/2006/main" xmlns:r="http://schemas.openxmlformats.org/officeDocument/2006/relationships" xmlns:p="http://schemas.openxmlformats.org/presentationml/2006/main">
+  <p:cSld>
+    <p:spTree>
+      <p:nvGrpSpPr>
+        <p:cNvPr id="1" name=""/>
+        <p:cNvGrpSpPr/>
+        <p:nvPr/>
+      </p:nvGrpSpPr>
+      <p:grpSpPr>
+        <a:xfrm>
+          <a:off x="0" y="0"/>
+          <a:ext cx="0" cy="0"/>
+          <a:chOff x="0" y="0"/>
+          <a:chExt cx="0" cy="0"/>
+        </a:xfrm>
+      </p:grpSpPr>
+      <p:pic>
+        <p:nvPicPr>
+          <p:cNvPr id="5" name="Imagem 4" descr="Gráfico, Histograma&#10;&#10;Descrição gerada automaticamente">
+            <a:extLst>
+              <a:ext uri="{FF2B5EF4-FFF2-40B4-BE49-F238E27FC236}">
+                <a16:creationId xmlns:a16="http://schemas.microsoft.com/office/drawing/2014/main" id="{E8AC52CF-767D-4F71-BA23-13A0706E5E69}"/>
+              </a:ext>
+            </a:extLst>
+          </p:cNvPr>
+          <p:cNvPicPr>
+            <a:picLocks noChangeAspect="1"/>
+          </p:cNvPicPr>
+          <p:nvPr/>
+        </p:nvPicPr>
+        <p:blipFill>
+          <a:blip r:embed="rId2"/>
+          <a:stretch>
+            <a:fillRect/>
+          </a:stretch>
+        </p:blipFill>
+        <p:spPr>
+          <a:xfrm>
+            <a:off x="0" y="189000"/>
+            <a:ext cx="9122949" cy="6480000"/>
+          </a:xfrm>
+          <a:prstGeom prst="rect">
+            <a:avLst/>
+          </a:prstGeom>
+        </p:spPr>
+      </p:pic>
+      <p:sp>
+        <p:nvSpPr>
+          <p:cNvPr id="6" name="CaixaDeTexto 5">
+            <a:extLst>
+              <a:ext uri="{FF2B5EF4-FFF2-40B4-BE49-F238E27FC236}">
+                <a16:creationId xmlns:a16="http://schemas.microsoft.com/office/drawing/2014/main" id="{861101C7-4F59-49EC-A51E-13D35F237635}"/>
+              </a:ext>
+            </a:extLst>
+          </p:cNvPr>
+          <p:cNvSpPr txBox="1"/>
+          <p:nvPr/>
+        </p:nvSpPr>
+        <p:spPr>
+          <a:xfrm>
+            <a:off x="9261773" y="189000"/>
+            <a:ext cx="659155" cy="369332"/>
+          </a:xfrm>
+          <a:prstGeom prst="rect">
+            <a:avLst/>
+          </a:prstGeom>
+          <a:noFill/>
+        </p:spPr>
+        <p:txBody>
+          <a:bodyPr wrap="none" rtlCol="0">
+            <a:spAutoFit/>
+          </a:bodyPr>
+          <a:lstStyle/>
+          <a:p>
+            <a:r>
+              <a:rPr lang="en-GB" b="1" dirty="0"/>
+              <a:t>n: </a:t>
+            </a:r>
+            <a:r>
+              <a:rPr lang="pt-BR" b="1" dirty="0"/>
+              <a:t>21</a:t>
+            </a:r>
+          </a:p>
+        </p:txBody>
+      </p:sp>
+      <p:sp>
+        <p:nvSpPr>
+          <p:cNvPr id="7" name="CaixaDeTexto 6">
+            <a:extLst>
+              <a:ext uri="{FF2B5EF4-FFF2-40B4-BE49-F238E27FC236}">
+                <a16:creationId xmlns:a16="http://schemas.microsoft.com/office/drawing/2014/main" id="{BE66D617-AB0A-4287-AEA6-0F452F279075}"/>
+              </a:ext>
+            </a:extLst>
+          </p:cNvPr>
+          <p:cNvSpPr txBox="1"/>
+          <p:nvPr/>
+        </p:nvSpPr>
+        <p:spPr>
+          <a:xfrm>
+            <a:off x="9263018" y="927664"/>
+            <a:ext cx="1949060" cy="369332"/>
+          </a:xfrm>
+          <a:prstGeom prst="rect">
+            <a:avLst/>
+          </a:prstGeom>
+          <a:noFill/>
+        </p:spPr>
+        <p:txBody>
+          <a:bodyPr wrap="none" rtlCol="0">
+            <a:spAutoFit/>
+          </a:bodyPr>
+          <a:lstStyle/>
+          <a:p>
+            <a:r>
+              <a:rPr lang="en-GB" b="1" dirty="0" err="1"/>
+              <a:t>positiveTrend</a:t>
+            </a:r>
+            <a:r>
+              <a:rPr lang="en-GB" b="1" dirty="0"/>
+              <a:t>: </a:t>
+            </a:r>
+            <a:r>
+              <a:rPr lang="pt-BR" b="1" dirty="0"/>
+              <a:t>131</a:t>
+            </a:r>
+          </a:p>
+        </p:txBody>
+      </p:sp>
+      <p:sp>
+        <p:nvSpPr>
+          <p:cNvPr id="8" name="CaixaDeTexto 7">
+            <a:extLst>
+              <a:ext uri="{FF2B5EF4-FFF2-40B4-BE49-F238E27FC236}">
+                <a16:creationId xmlns:a16="http://schemas.microsoft.com/office/drawing/2014/main" id="{61B3F86B-1D25-4270-B16C-7E3854E164A6}"/>
+              </a:ext>
+            </a:extLst>
+          </p:cNvPr>
+          <p:cNvSpPr txBox="1"/>
+          <p:nvPr/>
+        </p:nvSpPr>
+        <p:spPr>
+          <a:xfrm>
+            <a:off x="9261773" y="1654115"/>
+            <a:ext cx="1138453" cy="369332"/>
+          </a:xfrm>
+          <a:prstGeom prst="rect">
+            <a:avLst/>
+          </a:prstGeom>
+          <a:noFill/>
+        </p:spPr>
+        <p:txBody>
+          <a:bodyPr wrap="none" rtlCol="0">
+            <a:spAutoFit/>
+          </a:bodyPr>
+          <a:lstStyle/>
+          <a:p>
+            <a:r>
+              <a:rPr lang="en-GB" b="1" dirty="0"/>
+              <a:t>none: </a:t>
+            </a:r>
+            <a:r>
+              <a:rPr lang="pt-BR" b="1" dirty="0"/>
+              <a:t>219</a:t>
+            </a:r>
+          </a:p>
+        </p:txBody>
+      </p:sp>
+      <p:sp>
+        <p:nvSpPr>
+          <p:cNvPr id="9" name="CaixaDeTexto 8">
+            <a:extLst>
+              <a:ext uri="{FF2B5EF4-FFF2-40B4-BE49-F238E27FC236}">
+                <a16:creationId xmlns:a16="http://schemas.microsoft.com/office/drawing/2014/main" id="{F5390B00-F937-4A66-B8A0-DB521814120D}"/>
+              </a:ext>
+            </a:extLst>
+          </p:cNvPr>
+          <p:cNvSpPr txBox="1"/>
+          <p:nvPr/>
+        </p:nvSpPr>
+        <p:spPr>
+          <a:xfrm>
+            <a:off x="9261773" y="1284783"/>
+            <a:ext cx="1893275" cy="369332"/>
+          </a:xfrm>
+          <a:prstGeom prst="rect">
+            <a:avLst/>
+          </a:prstGeom>
+          <a:noFill/>
+        </p:spPr>
+        <p:txBody>
+          <a:bodyPr wrap="none" rtlCol="0">
+            <a:spAutoFit/>
+          </a:bodyPr>
+          <a:lstStyle/>
+          <a:p>
+            <a:r>
+              <a:rPr lang="en-GB" b="1" dirty="0" err="1"/>
+              <a:t>negativeTrend</a:t>
+            </a:r>
+            <a:r>
+              <a:rPr lang="en-GB" b="1" dirty="0"/>
+              <a:t>: </a:t>
+            </a:r>
+            <a:r>
+              <a:rPr lang="pt-BR" b="1" dirty="0"/>
+              <a:t>51</a:t>
+            </a:r>
+          </a:p>
+        </p:txBody>
+      </p:sp>
+      <p:sp>
+        <p:nvSpPr>
+          <p:cNvPr id="10" name="CaixaDeTexto 9">
+            <a:extLst>
+              <a:ext uri="{FF2B5EF4-FFF2-40B4-BE49-F238E27FC236}">
+                <a16:creationId xmlns:a16="http://schemas.microsoft.com/office/drawing/2014/main" id="{EA44DC7D-6CD7-4E40-BB63-D61B1BCCA53C}"/>
+              </a:ext>
+            </a:extLst>
+          </p:cNvPr>
+          <p:cNvSpPr txBox="1"/>
+          <p:nvPr/>
+        </p:nvSpPr>
+        <p:spPr>
+          <a:xfrm>
+            <a:off x="9261773" y="558332"/>
+            <a:ext cx="1244251" cy="369332"/>
+          </a:xfrm>
+          <a:prstGeom prst="rect">
+            <a:avLst/>
+          </a:prstGeom>
+          <a:noFill/>
+        </p:spPr>
+        <p:txBody>
+          <a:bodyPr wrap="none" rtlCol="0">
+            <a:spAutoFit/>
+          </a:bodyPr>
+          <a:lstStyle/>
+          <a:p>
+            <a:r>
+              <a:rPr lang="en-GB" b="1" dirty="0">
+                <a:solidFill>
+                  <a:srgbClr val="FF0000"/>
+                </a:solidFill>
+              </a:rPr>
+              <a:t>alpha: </a:t>
+            </a:r>
+            <a:r>
+              <a:rPr lang="pt-BR" b="1" dirty="0">
+                <a:solidFill>
+                  <a:srgbClr val="FF0000"/>
+                </a:solidFill>
+              </a:rPr>
+              <a:t>0.05</a:t>
+            </a:r>
+          </a:p>
+        </p:txBody>
+      </p:sp>
+    </p:spTree>
+    <p:extLst>
+      <p:ext uri="{BB962C8B-B14F-4D97-AF65-F5344CB8AC3E}">
+        <p14:creationId xmlns:p14="http://schemas.microsoft.com/office/powerpoint/2010/main" val="890599063"/>
+      </p:ext>
+    </p:extLst>
+  </p:cSld>
+  <p:clrMapOvr>
+    <a:masterClrMapping/>
+  </p:clrMapOvr>
+</p:sld>
+</file>
+
+<file path=ppt/slides/slide13.xml><?xml version="1.0" encoding="utf-8"?>
+<p:sld xmlns:a="http://schemas.openxmlformats.org/drawingml/2006/main" xmlns:r="http://schemas.openxmlformats.org/officeDocument/2006/relationships" xmlns:p="http://schemas.openxmlformats.org/presentationml/2006/main">
+  <p:cSld>
+    <p:spTree>
+      <p:nvGrpSpPr>
+        <p:cNvPr id="1" name=""/>
+        <p:cNvGrpSpPr/>
+        <p:nvPr/>
+      </p:nvGrpSpPr>
+      <p:grpSpPr>
+        <a:xfrm>
+          <a:off x="0" y="0"/>
+          <a:ext cx="0" cy="0"/>
+          <a:chOff x="0" y="0"/>
+          <a:chExt cx="0" cy="0"/>
+        </a:xfrm>
+      </p:grpSpPr>
+      <p:sp>
+        <p:nvSpPr>
+          <p:cNvPr id="2" name="Título 1">
+            <a:extLst>
+              <a:ext uri="{FF2B5EF4-FFF2-40B4-BE49-F238E27FC236}">
+                <a16:creationId xmlns:a16="http://schemas.microsoft.com/office/drawing/2014/main" id="{F8D04298-3736-44A6-AD37-2CB98F7C8665}"/>
+              </a:ext>
+            </a:extLst>
+          </p:cNvPr>
+          <p:cNvSpPr>
+            <a:spLocks noGrp="1"/>
+          </p:cNvSpPr>
+          <p:nvPr>
+            <p:ph type="title"/>
+          </p:nvPr>
+        </p:nvSpPr>
+        <p:spPr/>
+        <p:txBody>
+          <a:bodyPr/>
+          <a:lstStyle/>
+          <a:p>
+            <a:r>
+              <a:rPr lang="en-GB" dirty="0" err="1"/>
+              <a:t>Experimento</a:t>
+            </a:r>
+            <a:r>
+              <a:rPr lang="en-GB" dirty="0"/>
+              <a:t> 1</a:t>
+            </a:r>
+          </a:p>
+        </p:txBody>
+      </p:sp>
+      <p:pic>
+        <p:nvPicPr>
+          <p:cNvPr id="9" name="Imagem 8" descr="Gráfico&#10;&#10;Descrição gerada automaticamente">
+            <a:extLst>
+              <a:ext uri="{FF2B5EF4-FFF2-40B4-BE49-F238E27FC236}">
+                <a16:creationId xmlns:a16="http://schemas.microsoft.com/office/drawing/2014/main" id="{BCC2DBA4-0945-41AE-8DD3-EFED1C14BBB2}"/>
+              </a:ext>
+            </a:extLst>
+          </p:cNvPr>
+          <p:cNvPicPr>
+            <a:picLocks noChangeAspect="1"/>
+          </p:cNvPicPr>
+          <p:nvPr/>
+        </p:nvPicPr>
+        <p:blipFill>
+          <a:blip r:embed="rId2"/>
+          <a:stretch>
+            <a:fillRect/>
+          </a:stretch>
+        </p:blipFill>
+        <p:spPr>
+          <a:xfrm>
+            <a:off x="287327" y="2043360"/>
+            <a:ext cx="5808673" cy="3960000"/>
+          </a:xfrm>
+          <a:prstGeom prst="rect">
+            <a:avLst/>
+          </a:prstGeom>
+        </p:spPr>
+      </p:pic>
+      <p:sp>
+        <p:nvSpPr>
+          <p:cNvPr id="10" name="CaixaDeTexto 9">
+            <a:extLst>
+              <a:ext uri="{FF2B5EF4-FFF2-40B4-BE49-F238E27FC236}">
+                <a16:creationId xmlns:a16="http://schemas.microsoft.com/office/drawing/2014/main" id="{762E5F61-4F2C-4469-A5D3-E2567EFCD744}"/>
+              </a:ext>
+            </a:extLst>
+          </p:cNvPr>
+          <p:cNvSpPr txBox="1"/>
+          <p:nvPr/>
+        </p:nvSpPr>
+        <p:spPr>
+          <a:xfrm>
+            <a:off x="6217920" y="2043360"/>
+            <a:ext cx="941604" cy="369332"/>
+          </a:xfrm>
+          <a:prstGeom prst="rect">
+            <a:avLst/>
+          </a:prstGeom>
+          <a:noFill/>
+        </p:spPr>
+        <p:txBody>
+          <a:bodyPr wrap="none" rtlCol="0">
+            <a:spAutoFit/>
+          </a:bodyPr>
+          <a:lstStyle/>
+          <a:p>
+            <a:r>
+              <a:rPr lang="en-GB" b="1" dirty="0"/>
+              <a:t>País: US</a:t>
+            </a:r>
+          </a:p>
+        </p:txBody>
+      </p:sp>
+      <p:sp>
+        <p:nvSpPr>
+          <p:cNvPr id="11" name="CaixaDeTexto 10">
+            <a:extLst>
+              <a:ext uri="{FF2B5EF4-FFF2-40B4-BE49-F238E27FC236}">
+                <a16:creationId xmlns:a16="http://schemas.microsoft.com/office/drawing/2014/main" id="{4A94F2F3-9517-4AF5-91F3-8D7FDFE4FBF4}"/>
+              </a:ext>
+            </a:extLst>
+          </p:cNvPr>
+          <p:cNvSpPr txBox="1"/>
+          <p:nvPr/>
+        </p:nvSpPr>
+        <p:spPr>
+          <a:xfrm>
+            <a:off x="6217920" y="3204220"/>
+            <a:ext cx="2010037" cy="369332"/>
+          </a:xfrm>
+          <a:prstGeom prst="rect">
+            <a:avLst/>
+          </a:prstGeom>
+          <a:noFill/>
+        </p:spPr>
+        <p:txBody>
+          <a:bodyPr wrap="none" rtlCol="0">
+            <a:spAutoFit/>
+          </a:bodyPr>
+          <a:lstStyle/>
+          <a:p>
+            <a:r>
+              <a:rPr lang="en-GB" b="1" dirty="0"/>
+              <a:t>n: 422 </a:t>
+            </a:r>
+            <a:r>
+              <a:rPr lang="pt-BR" b="1" dirty="0"/>
+              <a:t>observações</a:t>
+            </a:r>
+          </a:p>
+        </p:txBody>
+      </p:sp>
+      <p:sp>
+        <p:nvSpPr>
+          <p:cNvPr id="12" name="CaixaDeTexto 11">
+            <a:extLst>
+              <a:ext uri="{FF2B5EF4-FFF2-40B4-BE49-F238E27FC236}">
+                <a16:creationId xmlns:a16="http://schemas.microsoft.com/office/drawing/2014/main" id="{76420631-9288-4E8A-B5BC-3C99FDB56983}"/>
+              </a:ext>
+            </a:extLst>
+          </p:cNvPr>
+          <p:cNvSpPr txBox="1"/>
+          <p:nvPr/>
+        </p:nvSpPr>
+        <p:spPr>
+          <a:xfrm>
+            <a:off x="6217920" y="2811434"/>
+            <a:ext cx="4240520" cy="369332"/>
+          </a:xfrm>
+          <a:prstGeom prst="rect">
+            <a:avLst/>
+          </a:prstGeom>
+          <a:noFill/>
+        </p:spPr>
+        <p:txBody>
+          <a:bodyPr wrap="none" rtlCol="0">
+            <a:spAutoFit/>
+          </a:bodyPr>
+          <a:lstStyle/>
+          <a:p>
+            <a:r>
+              <a:rPr lang="en-GB" b="1" dirty="0" err="1"/>
+              <a:t>Período</a:t>
+            </a:r>
+            <a:r>
+              <a:rPr lang="en-GB" b="1" dirty="0"/>
+              <a:t>: US – 23/Jan/2020 – 19/mar/2021</a:t>
+            </a:r>
+          </a:p>
+        </p:txBody>
+      </p:sp>
+      <p:sp>
+        <p:nvSpPr>
+          <p:cNvPr id="13" name="CaixaDeTexto 12">
+            <a:extLst>
+              <a:ext uri="{FF2B5EF4-FFF2-40B4-BE49-F238E27FC236}">
+                <a16:creationId xmlns:a16="http://schemas.microsoft.com/office/drawing/2014/main" id="{229A128D-23FE-4659-969A-52FADE9A8401}"/>
+              </a:ext>
+            </a:extLst>
+          </p:cNvPr>
+          <p:cNvSpPr txBox="1"/>
+          <p:nvPr/>
+        </p:nvSpPr>
+        <p:spPr>
+          <a:xfrm>
+            <a:off x="6217920" y="2427397"/>
+            <a:ext cx="2759538" cy="369332"/>
+          </a:xfrm>
+          <a:prstGeom prst="rect">
+            <a:avLst/>
+          </a:prstGeom>
+          <a:noFill/>
+        </p:spPr>
+        <p:txBody>
+          <a:bodyPr wrap="none" rtlCol="0">
+            <a:spAutoFit/>
+          </a:bodyPr>
+          <a:lstStyle/>
+          <a:p>
+            <a:r>
+              <a:rPr lang="en-GB" b="1" dirty="0"/>
+              <a:t>TS: Log da </a:t>
+            </a:r>
+            <a:r>
+              <a:rPr lang="pt-BR" b="1" dirty="0"/>
+              <a:t>Incidência diária</a:t>
+            </a:r>
+          </a:p>
+        </p:txBody>
+      </p:sp>
+    </p:spTree>
+    <p:extLst>
+      <p:ext uri="{BB962C8B-B14F-4D97-AF65-F5344CB8AC3E}">
+        <p14:creationId xmlns:p14="http://schemas.microsoft.com/office/powerpoint/2010/main" val="1540013089"/>
+      </p:ext>
+    </p:extLst>
+  </p:cSld>
+  <p:clrMapOvr>
+    <a:masterClrMapping/>
+  </p:clrMapOvr>
+</p:sld>
+</file>
+
+<file path=ppt/slides/slide14.xml><?xml version="1.0" encoding="utf-8"?>
+<p:sld xmlns:a="http://schemas.openxmlformats.org/drawingml/2006/main" xmlns:r="http://schemas.openxmlformats.org/officeDocument/2006/relationships" xmlns:p="http://schemas.openxmlformats.org/presentationml/2006/main">
+  <p:cSld>
+    <p:spTree>
+      <p:nvGrpSpPr>
+        <p:cNvPr id="1" name=""/>
+        <p:cNvGrpSpPr/>
+        <p:nvPr/>
+      </p:nvGrpSpPr>
+      <p:grpSpPr>
+        <a:xfrm>
+          <a:off x="0" y="0"/>
+          <a:ext cx="0" cy="0"/>
+          <a:chOff x="0" y="0"/>
+          <a:chExt cx="0" cy="0"/>
+        </a:xfrm>
+      </p:grpSpPr>
+      <p:pic>
+        <p:nvPicPr>
+          <p:cNvPr id="5" name="Imagem 4" descr="Gráfico, Histograma&#10;&#10;Descrição gerada automaticamente">
+            <a:extLst>
+              <a:ext uri="{FF2B5EF4-FFF2-40B4-BE49-F238E27FC236}">
+                <a16:creationId xmlns:a16="http://schemas.microsoft.com/office/drawing/2014/main" id="{E917A2E1-26FE-4C54-BE24-F594846FC276}"/>
+              </a:ext>
+            </a:extLst>
+          </p:cNvPr>
+          <p:cNvPicPr>
+            <a:picLocks noChangeAspect="1"/>
+          </p:cNvPicPr>
+          <p:nvPr/>
+        </p:nvPicPr>
+        <p:blipFill>
+          <a:blip r:embed="rId2"/>
+          <a:stretch>
+            <a:fillRect/>
+          </a:stretch>
+        </p:blipFill>
+        <p:spPr>
+          <a:xfrm>
+            <a:off x="0" y="189000"/>
+            <a:ext cx="9505102" cy="6480000"/>
+          </a:xfrm>
+          <a:prstGeom prst="rect">
+            <a:avLst/>
+          </a:prstGeom>
+        </p:spPr>
+      </p:pic>
+      <p:sp>
+        <p:nvSpPr>
+          <p:cNvPr id="6" name="CaixaDeTexto 5">
+            <a:extLst>
+              <a:ext uri="{FF2B5EF4-FFF2-40B4-BE49-F238E27FC236}">
+                <a16:creationId xmlns:a16="http://schemas.microsoft.com/office/drawing/2014/main" id="{6302DF32-6CA4-4B70-A7BC-BA3786557A3D}"/>
+              </a:ext>
+            </a:extLst>
+          </p:cNvPr>
+          <p:cNvSpPr txBox="1"/>
+          <p:nvPr/>
+        </p:nvSpPr>
+        <p:spPr>
+          <a:xfrm>
+            <a:off x="9505102" y="189000"/>
+            <a:ext cx="659155" cy="369332"/>
+          </a:xfrm>
+          <a:prstGeom prst="rect">
+            <a:avLst/>
+          </a:prstGeom>
+          <a:noFill/>
+        </p:spPr>
+        <p:txBody>
+          <a:bodyPr wrap="none" rtlCol="0">
+            <a:spAutoFit/>
+          </a:bodyPr>
+          <a:lstStyle/>
+          <a:p>
+            <a:r>
+              <a:rPr lang="en-GB" b="1" dirty="0"/>
+              <a:t>n: </a:t>
+            </a:r>
+            <a:r>
+              <a:rPr lang="pt-BR" b="1" dirty="0"/>
+              <a:t>14</a:t>
+            </a:r>
+          </a:p>
+        </p:txBody>
+      </p:sp>
+      <p:sp>
+        <p:nvSpPr>
+          <p:cNvPr id="7" name="CaixaDeTexto 6">
+            <a:extLst>
+              <a:ext uri="{FF2B5EF4-FFF2-40B4-BE49-F238E27FC236}">
+                <a16:creationId xmlns:a16="http://schemas.microsoft.com/office/drawing/2014/main" id="{7869F442-7B9F-4E5E-B888-2AC3065B4757}"/>
+              </a:ext>
+            </a:extLst>
+          </p:cNvPr>
+          <p:cNvSpPr txBox="1"/>
+          <p:nvPr/>
+        </p:nvSpPr>
+        <p:spPr>
+          <a:xfrm>
+            <a:off x="9506347" y="927664"/>
+            <a:ext cx="1949060" cy="369332"/>
+          </a:xfrm>
+          <a:prstGeom prst="rect">
+            <a:avLst/>
+          </a:prstGeom>
+          <a:noFill/>
+        </p:spPr>
+        <p:txBody>
+          <a:bodyPr wrap="none" rtlCol="0">
+            <a:spAutoFit/>
+          </a:bodyPr>
+          <a:lstStyle/>
+          <a:p>
+            <a:r>
+              <a:rPr lang="en-GB" b="1" dirty="0" err="1"/>
+              <a:t>positiveTrend</a:t>
+            </a:r>
+            <a:r>
+              <a:rPr lang="en-GB" b="1" dirty="0"/>
+              <a:t>: </a:t>
+            </a:r>
+            <a:r>
+              <a:rPr lang="pt-BR" b="1" dirty="0"/>
+              <a:t>121</a:t>
+            </a:r>
+          </a:p>
+        </p:txBody>
+      </p:sp>
+      <p:sp>
+        <p:nvSpPr>
+          <p:cNvPr id="8" name="CaixaDeTexto 7">
+            <a:extLst>
+              <a:ext uri="{FF2B5EF4-FFF2-40B4-BE49-F238E27FC236}">
+                <a16:creationId xmlns:a16="http://schemas.microsoft.com/office/drawing/2014/main" id="{EC659FEC-2CE4-4E3A-B505-72851D75BAC2}"/>
+              </a:ext>
+            </a:extLst>
+          </p:cNvPr>
+          <p:cNvSpPr txBox="1"/>
+          <p:nvPr/>
+        </p:nvSpPr>
+        <p:spPr>
+          <a:xfrm>
+            <a:off x="9505102" y="1654115"/>
+            <a:ext cx="1138453" cy="369332"/>
+          </a:xfrm>
+          <a:prstGeom prst="rect">
+            <a:avLst/>
+          </a:prstGeom>
+          <a:noFill/>
+        </p:spPr>
+        <p:txBody>
+          <a:bodyPr wrap="none" rtlCol="0">
+            <a:spAutoFit/>
+          </a:bodyPr>
+          <a:lstStyle/>
+          <a:p>
+            <a:r>
+              <a:rPr lang="en-GB" b="1" dirty="0"/>
+              <a:t>none: </a:t>
+            </a:r>
+            <a:r>
+              <a:rPr lang="pt-BR" b="1" dirty="0"/>
+              <a:t>234</a:t>
+            </a:r>
+          </a:p>
+        </p:txBody>
+      </p:sp>
+      <p:sp>
+        <p:nvSpPr>
+          <p:cNvPr id="9" name="CaixaDeTexto 8">
+            <a:extLst>
+              <a:ext uri="{FF2B5EF4-FFF2-40B4-BE49-F238E27FC236}">
+                <a16:creationId xmlns:a16="http://schemas.microsoft.com/office/drawing/2014/main" id="{68828896-28E6-4627-9485-39F704B66DD5}"/>
+              </a:ext>
+            </a:extLst>
+          </p:cNvPr>
+          <p:cNvSpPr txBox="1"/>
+          <p:nvPr/>
+        </p:nvSpPr>
+        <p:spPr>
+          <a:xfrm>
+            <a:off x="9505102" y="1284783"/>
+            <a:ext cx="1893275" cy="369332"/>
+          </a:xfrm>
+          <a:prstGeom prst="rect">
+            <a:avLst/>
+          </a:prstGeom>
+          <a:noFill/>
+        </p:spPr>
+        <p:txBody>
+          <a:bodyPr wrap="none" rtlCol="0">
+            <a:spAutoFit/>
+          </a:bodyPr>
+          <a:lstStyle/>
+          <a:p>
+            <a:r>
+              <a:rPr lang="en-GB" b="1" dirty="0" err="1"/>
+              <a:t>negativeTrend</a:t>
+            </a:r>
+            <a:r>
+              <a:rPr lang="en-GB" b="1" dirty="0"/>
+              <a:t>: </a:t>
+            </a:r>
+            <a:r>
+              <a:rPr lang="pt-BR" b="1" dirty="0"/>
+              <a:t>53</a:t>
+            </a:r>
+          </a:p>
+        </p:txBody>
+      </p:sp>
+      <p:sp>
+        <p:nvSpPr>
+          <p:cNvPr id="10" name="CaixaDeTexto 9">
+            <a:extLst>
+              <a:ext uri="{FF2B5EF4-FFF2-40B4-BE49-F238E27FC236}">
+                <a16:creationId xmlns:a16="http://schemas.microsoft.com/office/drawing/2014/main" id="{44A2AC02-B570-496A-A2F9-9F20D5903903}"/>
+              </a:ext>
+            </a:extLst>
+          </p:cNvPr>
+          <p:cNvSpPr txBox="1"/>
+          <p:nvPr/>
+        </p:nvSpPr>
+        <p:spPr>
+          <a:xfrm>
+            <a:off x="9505102" y="558332"/>
+            <a:ext cx="1244251" cy="369332"/>
+          </a:xfrm>
+          <a:prstGeom prst="rect">
+            <a:avLst/>
+          </a:prstGeom>
+          <a:noFill/>
+        </p:spPr>
+        <p:txBody>
+          <a:bodyPr wrap="none" rtlCol="0">
+            <a:spAutoFit/>
+          </a:bodyPr>
+          <a:lstStyle/>
+          <a:p>
+            <a:r>
+              <a:rPr lang="en-GB" b="1" dirty="0"/>
+              <a:t>alpha: </a:t>
+            </a:r>
+            <a:r>
+              <a:rPr lang="pt-BR" b="1" dirty="0"/>
+              <a:t>0.05</a:t>
+            </a:r>
+          </a:p>
+        </p:txBody>
+      </p:sp>
+    </p:spTree>
+    <p:extLst>
+      <p:ext uri="{BB962C8B-B14F-4D97-AF65-F5344CB8AC3E}">
+        <p14:creationId xmlns:p14="http://schemas.microsoft.com/office/powerpoint/2010/main" val="3354794609"/>
+      </p:ext>
+    </p:extLst>
+  </p:cSld>
+  <p:clrMapOvr>
+    <a:masterClrMapping/>
+  </p:clrMapOvr>
+</p:sld>
+</file>
+
+<file path=ppt/slides/slide15.xml><?xml version="1.0" encoding="utf-8"?>
+<p:sld xmlns:a="http://schemas.openxmlformats.org/drawingml/2006/main" xmlns:r="http://schemas.openxmlformats.org/officeDocument/2006/relationships" xmlns:p="http://schemas.openxmlformats.org/presentationml/2006/main">
+  <p:cSld>
+    <p:spTree>
+      <p:nvGrpSpPr>
+        <p:cNvPr id="1" name=""/>
+        <p:cNvGrpSpPr/>
+        <p:nvPr/>
+      </p:nvGrpSpPr>
+      <p:grpSpPr>
+        <a:xfrm>
+          <a:off x="0" y="0"/>
+          <a:ext cx="0" cy="0"/>
+          <a:chOff x="0" y="0"/>
+          <a:chExt cx="0" cy="0"/>
+        </a:xfrm>
+      </p:grpSpPr>
+      <p:pic>
+        <p:nvPicPr>
+          <p:cNvPr id="5" name="Imagem 4" descr="Gráfico, Histograma&#10;&#10;Descrição gerada automaticamente">
+            <a:extLst>
+              <a:ext uri="{FF2B5EF4-FFF2-40B4-BE49-F238E27FC236}">
+                <a16:creationId xmlns:a16="http://schemas.microsoft.com/office/drawing/2014/main" id="{9E181414-41AA-40EB-90E2-20B5899BE252}"/>
+              </a:ext>
+            </a:extLst>
+          </p:cNvPr>
+          <p:cNvPicPr>
+            <a:picLocks noChangeAspect="1"/>
+          </p:cNvPicPr>
+          <p:nvPr/>
+        </p:nvPicPr>
+        <p:blipFill rotWithShape="1">
+          <a:blip r:embed="rId2"/>
+          <a:srcRect l="1455"/>
+          <a:stretch/>
+        </p:blipFill>
+        <p:spPr>
+          <a:xfrm>
+            <a:off x="182880" y="378000"/>
+            <a:ext cx="9424207" cy="6480000"/>
+          </a:xfrm>
+          <a:prstGeom prst="rect">
+            <a:avLst/>
+          </a:prstGeom>
+        </p:spPr>
+      </p:pic>
+      <p:sp>
+        <p:nvSpPr>
+          <p:cNvPr id="6" name="CaixaDeTexto 5">
+            <a:extLst>
+              <a:ext uri="{FF2B5EF4-FFF2-40B4-BE49-F238E27FC236}">
+                <a16:creationId xmlns:a16="http://schemas.microsoft.com/office/drawing/2014/main" id="{41586CA6-82AD-4104-ABCC-6EBFB10A4EB4}"/>
+              </a:ext>
+            </a:extLst>
+          </p:cNvPr>
+          <p:cNvSpPr txBox="1"/>
+          <p:nvPr/>
+        </p:nvSpPr>
+        <p:spPr>
+          <a:xfrm>
+            <a:off x="9748942" y="378000"/>
+            <a:ext cx="659155" cy="369332"/>
+          </a:xfrm>
+          <a:prstGeom prst="rect">
+            <a:avLst/>
+          </a:prstGeom>
+          <a:noFill/>
+        </p:spPr>
+        <p:txBody>
+          <a:bodyPr wrap="none" rtlCol="0">
+            <a:spAutoFit/>
+          </a:bodyPr>
+          <a:lstStyle/>
+          <a:p>
+            <a:r>
+              <a:rPr lang="en-GB" b="1" dirty="0"/>
+              <a:t>n: </a:t>
+            </a:r>
+            <a:r>
+              <a:rPr lang="pt-BR" b="1" dirty="0"/>
+              <a:t>14</a:t>
+            </a:r>
+          </a:p>
+        </p:txBody>
+      </p:sp>
+      <p:sp>
+        <p:nvSpPr>
+          <p:cNvPr id="7" name="CaixaDeTexto 6">
+            <a:extLst>
+              <a:ext uri="{FF2B5EF4-FFF2-40B4-BE49-F238E27FC236}">
+                <a16:creationId xmlns:a16="http://schemas.microsoft.com/office/drawing/2014/main" id="{0CFB49A4-A204-4F38-A685-A7552F21A3C4}"/>
+              </a:ext>
+            </a:extLst>
+          </p:cNvPr>
+          <p:cNvSpPr txBox="1"/>
+          <p:nvPr/>
+        </p:nvSpPr>
+        <p:spPr>
+          <a:xfrm>
+            <a:off x="9750187" y="1116664"/>
+            <a:ext cx="1832040" cy="369332"/>
+          </a:xfrm>
+          <a:prstGeom prst="rect">
+            <a:avLst/>
+          </a:prstGeom>
+          <a:noFill/>
+        </p:spPr>
+        <p:txBody>
+          <a:bodyPr wrap="none" rtlCol="0">
+            <a:spAutoFit/>
+          </a:bodyPr>
+          <a:lstStyle/>
+          <a:p>
+            <a:r>
+              <a:rPr lang="en-GB" b="1" dirty="0" err="1"/>
+              <a:t>positiveTrend</a:t>
+            </a:r>
+            <a:r>
+              <a:rPr lang="en-GB" b="1" dirty="0"/>
+              <a:t>: </a:t>
+            </a:r>
+            <a:r>
+              <a:rPr lang="pt-BR" b="1" dirty="0"/>
+              <a:t>89</a:t>
+            </a:r>
+          </a:p>
+        </p:txBody>
+      </p:sp>
+      <p:sp>
+        <p:nvSpPr>
+          <p:cNvPr id="8" name="CaixaDeTexto 7">
+            <a:extLst>
+              <a:ext uri="{FF2B5EF4-FFF2-40B4-BE49-F238E27FC236}">
+                <a16:creationId xmlns:a16="http://schemas.microsoft.com/office/drawing/2014/main" id="{A75A1F45-0BE0-4232-9025-424ABD8CC9CF}"/>
+              </a:ext>
+            </a:extLst>
+          </p:cNvPr>
+          <p:cNvSpPr txBox="1"/>
+          <p:nvPr/>
+        </p:nvSpPr>
+        <p:spPr>
+          <a:xfrm>
+            <a:off x="9748942" y="1843115"/>
+            <a:ext cx="1138453" cy="369332"/>
+          </a:xfrm>
+          <a:prstGeom prst="rect">
+            <a:avLst/>
+          </a:prstGeom>
+          <a:noFill/>
+        </p:spPr>
+        <p:txBody>
+          <a:bodyPr wrap="none" rtlCol="0">
+            <a:spAutoFit/>
+          </a:bodyPr>
+          <a:lstStyle/>
+          <a:p>
+            <a:r>
+              <a:rPr lang="en-GB" b="1" dirty="0"/>
+              <a:t>none: </a:t>
+            </a:r>
+            <a:r>
+              <a:rPr lang="pt-BR" b="1" dirty="0"/>
+              <a:t>302</a:t>
+            </a:r>
+          </a:p>
+        </p:txBody>
+      </p:sp>
+      <p:sp>
+        <p:nvSpPr>
+          <p:cNvPr id="9" name="CaixaDeTexto 8">
+            <a:extLst>
+              <a:ext uri="{FF2B5EF4-FFF2-40B4-BE49-F238E27FC236}">
+                <a16:creationId xmlns:a16="http://schemas.microsoft.com/office/drawing/2014/main" id="{EC619B7D-3EBF-47E7-8D2C-E64F652BD9CC}"/>
+              </a:ext>
+            </a:extLst>
+          </p:cNvPr>
+          <p:cNvSpPr txBox="1"/>
+          <p:nvPr/>
+        </p:nvSpPr>
+        <p:spPr>
+          <a:xfrm>
+            <a:off x="9748942" y="1473783"/>
+            <a:ext cx="1893275" cy="369332"/>
+          </a:xfrm>
+          <a:prstGeom prst="rect">
+            <a:avLst/>
+          </a:prstGeom>
+          <a:noFill/>
+        </p:spPr>
+        <p:txBody>
+          <a:bodyPr wrap="none" rtlCol="0">
+            <a:spAutoFit/>
+          </a:bodyPr>
+          <a:lstStyle/>
+          <a:p>
+            <a:r>
+              <a:rPr lang="en-GB" b="1" dirty="0" err="1"/>
+              <a:t>negativeTrend</a:t>
+            </a:r>
+            <a:r>
+              <a:rPr lang="en-GB" b="1" dirty="0"/>
+              <a:t>: </a:t>
+            </a:r>
+            <a:r>
+              <a:rPr lang="pt-BR" b="1" dirty="0"/>
+              <a:t>17</a:t>
+            </a:r>
+          </a:p>
+        </p:txBody>
+      </p:sp>
+      <p:sp>
+        <p:nvSpPr>
+          <p:cNvPr id="10" name="CaixaDeTexto 9">
+            <a:extLst>
+              <a:ext uri="{FF2B5EF4-FFF2-40B4-BE49-F238E27FC236}">
+                <a16:creationId xmlns:a16="http://schemas.microsoft.com/office/drawing/2014/main" id="{18E29A12-2ED2-4433-B721-EE2709039A40}"/>
+              </a:ext>
+            </a:extLst>
+          </p:cNvPr>
+          <p:cNvSpPr txBox="1"/>
+          <p:nvPr/>
+        </p:nvSpPr>
+        <p:spPr>
+          <a:xfrm>
+            <a:off x="9748942" y="747332"/>
+            <a:ext cx="1244251" cy="369332"/>
+          </a:xfrm>
+          <a:prstGeom prst="rect">
+            <a:avLst/>
+          </a:prstGeom>
+          <a:noFill/>
+        </p:spPr>
+        <p:txBody>
+          <a:bodyPr wrap="none" rtlCol="0">
+            <a:spAutoFit/>
+          </a:bodyPr>
+          <a:lstStyle/>
+          <a:p>
+            <a:r>
+              <a:rPr lang="en-GB" b="1" dirty="0">
+                <a:solidFill>
+                  <a:srgbClr val="FF0000"/>
+                </a:solidFill>
+              </a:rPr>
+              <a:t>alpha: </a:t>
+            </a:r>
+            <a:r>
+              <a:rPr lang="pt-BR" b="1" dirty="0">
+                <a:solidFill>
+                  <a:srgbClr val="FF0000"/>
+                </a:solidFill>
+              </a:rPr>
+              <a:t>0.01</a:t>
+            </a:r>
+          </a:p>
+        </p:txBody>
+      </p:sp>
+    </p:spTree>
+    <p:extLst>
+      <p:ext uri="{BB962C8B-B14F-4D97-AF65-F5344CB8AC3E}">
+        <p14:creationId xmlns:p14="http://schemas.microsoft.com/office/powerpoint/2010/main" val="1361034069"/>
+      </p:ext>
+    </p:extLst>
+  </p:cSld>
+  <p:clrMapOvr>
+    <a:masterClrMapping/>
+  </p:clrMapOvr>
+</p:sld>
+</file>
+
+<file path=ppt/slides/slide16.xml><?xml version="1.0" encoding="utf-8"?>
+<p:sld xmlns:a="http://schemas.openxmlformats.org/drawingml/2006/main" xmlns:r="http://schemas.openxmlformats.org/officeDocument/2006/relationships" xmlns:p="http://schemas.openxmlformats.org/presentationml/2006/main">
+  <p:cSld>
+    <p:spTree>
+      <p:nvGrpSpPr>
+        <p:cNvPr id="1" name=""/>
+        <p:cNvGrpSpPr/>
+        <p:nvPr/>
+      </p:nvGrpSpPr>
+      <p:grpSpPr>
+        <a:xfrm>
+          <a:off x="0" y="0"/>
+          <a:ext cx="0" cy="0"/>
+          <a:chOff x="0" y="0"/>
+          <a:chExt cx="0" cy="0"/>
+        </a:xfrm>
+      </p:grpSpPr>
+      <p:pic>
+        <p:nvPicPr>
+          <p:cNvPr id="5" name="Imagem 4" descr="Gráfico, Gráfico de barras, Histograma&#10;&#10;Descrição gerada automaticamente">
+            <a:extLst>
+              <a:ext uri="{FF2B5EF4-FFF2-40B4-BE49-F238E27FC236}">
+                <a16:creationId xmlns:a16="http://schemas.microsoft.com/office/drawing/2014/main" id="{41553516-E7D1-4DFC-BB52-28111F0E92E4}"/>
+              </a:ext>
+            </a:extLst>
+          </p:cNvPr>
+          <p:cNvPicPr>
+            <a:picLocks noChangeAspect="1"/>
+          </p:cNvPicPr>
+          <p:nvPr/>
+        </p:nvPicPr>
+        <p:blipFill>
+          <a:blip r:embed="rId2"/>
+          <a:stretch>
+            <a:fillRect/>
+          </a:stretch>
+        </p:blipFill>
+        <p:spPr>
+          <a:xfrm>
+            <a:off x="140590" y="189000"/>
+            <a:ext cx="9552988" cy="6480000"/>
+          </a:xfrm>
+          <a:prstGeom prst="rect">
+            <a:avLst/>
+          </a:prstGeom>
+        </p:spPr>
+      </p:pic>
+      <p:sp>
+        <p:nvSpPr>
+          <p:cNvPr id="6" name="CaixaDeTexto 5">
+            <a:extLst>
+              <a:ext uri="{FF2B5EF4-FFF2-40B4-BE49-F238E27FC236}">
+                <a16:creationId xmlns:a16="http://schemas.microsoft.com/office/drawing/2014/main" id="{174C2B8F-CB13-49E7-9A33-6A15E2348A13}"/>
+              </a:ext>
+            </a:extLst>
+          </p:cNvPr>
+          <p:cNvSpPr txBox="1"/>
+          <p:nvPr/>
+        </p:nvSpPr>
+        <p:spPr>
+          <a:xfrm>
+            <a:off x="9870862" y="189000"/>
+            <a:ext cx="659155" cy="369332"/>
+          </a:xfrm>
+          <a:prstGeom prst="rect">
+            <a:avLst/>
+          </a:prstGeom>
+          <a:noFill/>
+        </p:spPr>
+        <p:txBody>
+          <a:bodyPr wrap="none" rtlCol="0">
+            <a:spAutoFit/>
+          </a:bodyPr>
+          <a:lstStyle/>
+          <a:p>
+            <a:r>
+              <a:rPr lang="en-GB" b="1" dirty="0">
+                <a:solidFill>
+                  <a:srgbClr val="FF0000"/>
+                </a:solidFill>
+              </a:rPr>
+              <a:t>n: </a:t>
+            </a:r>
+            <a:r>
+              <a:rPr lang="pt-BR" b="1" dirty="0">
+                <a:solidFill>
+                  <a:srgbClr val="FF0000"/>
+                </a:solidFill>
+              </a:rPr>
+              <a:t>21</a:t>
+            </a:r>
+          </a:p>
+        </p:txBody>
+      </p:sp>
+      <p:sp>
+        <p:nvSpPr>
+          <p:cNvPr id="7" name="CaixaDeTexto 6">
+            <a:extLst>
+              <a:ext uri="{FF2B5EF4-FFF2-40B4-BE49-F238E27FC236}">
+                <a16:creationId xmlns:a16="http://schemas.microsoft.com/office/drawing/2014/main" id="{D78F849B-5F9B-4D73-B123-15F94F08CD8C}"/>
+              </a:ext>
+            </a:extLst>
+          </p:cNvPr>
+          <p:cNvSpPr txBox="1"/>
+          <p:nvPr/>
+        </p:nvSpPr>
+        <p:spPr>
+          <a:xfrm>
+            <a:off x="9872107" y="927664"/>
+            <a:ext cx="1949060" cy="369332"/>
+          </a:xfrm>
+          <a:prstGeom prst="rect">
+            <a:avLst/>
+          </a:prstGeom>
+          <a:noFill/>
+        </p:spPr>
+        <p:txBody>
+          <a:bodyPr wrap="none" rtlCol="0">
+            <a:spAutoFit/>
+          </a:bodyPr>
+          <a:lstStyle/>
+          <a:p>
+            <a:r>
+              <a:rPr lang="en-GB" b="1" dirty="0" err="1"/>
+              <a:t>positiveTrend</a:t>
+            </a:r>
+            <a:r>
+              <a:rPr lang="en-GB" b="1" dirty="0"/>
+              <a:t>: </a:t>
+            </a:r>
+            <a:r>
+              <a:rPr lang="pt-BR" b="1" dirty="0"/>
+              <a:t>155</a:t>
+            </a:r>
+          </a:p>
+        </p:txBody>
+      </p:sp>
+      <p:sp>
+        <p:nvSpPr>
+          <p:cNvPr id="8" name="CaixaDeTexto 7">
+            <a:extLst>
+              <a:ext uri="{FF2B5EF4-FFF2-40B4-BE49-F238E27FC236}">
+                <a16:creationId xmlns:a16="http://schemas.microsoft.com/office/drawing/2014/main" id="{653A0592-EEBD-4AC7-B17A-E804A5F68ACC}"/>
+              </a:ext>
+            </a:extLst>
+          </p:cNvPr>
+          <p:cNvSpPr txBox="1"/>
+          <p:nvPr/>
+        </p:nvSpPr>
+        <p:spPr>
+          <a:xfrm>
+            <a:off x="9870862" y="1654115"/>
+            <a:ext cx="1138453" cy="369332"/>
+          </a:xfrm>
+          <a:prstGeom prst="rect">
+            <a:avLst/>
+          </a:prstGeom>
+          <a:noFill/>
+        </p:spPr>
+        <p:txBody>
+          <a:bodyPr wrap="none" rtlCol="0">
+            <a:spAutoFit/>
+          </a:bodyPr>
+          <a:lstStyle/>
+          <a:p>
+            <a:r>
+              <a:rPr lang="en-GB" b="1" dirty="0"/>
+              <a:t>none: </a:t>
+            </a:r>
+            <a:r>
+              <a:rPr lang="pt-BR" b="1" dirty="0"/>
+              <a:t>162</a:t>
+            </a:r>
+          </a:p>
+        </p:txBody>
+      </p:sp>
+      <p:sp>
+        <p:nvSpPr>
+          <p:cNvPr id="9" name="CaixaDeTexto 8">
+            <a:extLst>
+              <a:ext uri="{FF2B5EF4-FFF2-40B4-BE49-F238E27FC236}">
+                <a16:creationId xmlns:a16="http://schemas.microsoft.com/office/drawing/2014/main" id="{EA8FEDAC-A2CE-4E6C-81A0-E31C4A68420C}"/>
+              </a:ext>
+            </a:extLst>
+          </p:cNvPr>
+          <p:cNvSpPr txBox="1"/>
+          <p:nvPr/>
+        </p:nvSpPr>
+        <p:spPr>
+          <a:xfrm>
+            <a:off x="9870862" y="1284783"/>
+            <a:ext cx="1893275" cy="369332"/>
+          </a:xfrm>
+          <a:prstGeom prst="rect">
+            <a:avLst/>
+          </a:prstGeom>
+          <a:noFill/>
+        </p:spPr>
+        <p:txBody>
+          <a:bodyPr wrap="none" rtlCol="0">
+            <a:spAutoFit/>
+          </a:bodyPr>
+          <a:lstStyle/>
+          <a:p>
+            <a:r>
+              <a:rPr lang="en-GB" b="1" dirty="0" err="1"/>
+              <a:t>negativeTrend</a:t>
+            </a:r>
+            <a:r>
+              <a:rPr lang="en-GB" b="1" dirty="0"/>
+              <a:t>: </a:t>
+            </a:r>
+            <a:r>
+              <a:rPr lang="pt-BR" b="1" dirty="0"/>
+              <a:t>84</a:t>
+            </a:r>
+          </a:p>
+        </p:txBody>
+      </p:sp>
+      <p:sp>
+        <p:nvSpPr>
+          <p:cNvPr id="10" name="CaixaDeTexto 9">
+            <a:extLst>
+              <a:ext uri="{FF2B5EF4-FFF2-40B4-BE49-F238E27FC236}">
+                <a16:creationId xmlns:a16="http://schemas.microsoft.com/office/drawing/2014/main" id="{19B21A98-D6EF-47E0-A245-852A96F1A70D}"/>
+              </a:ext>
+            </a:extLst>
+          </p:cNvPr>
+          <p:cNvSpPr txBox="1"/>
+          <p:nvPr/>
+        </p:nvSpPr>
+        <p:spPr>
+          <a:xfrm>
+            <a:off x="9870862" y="558332"/>
+            <a:ext cx="1244251" cy="369332"/>
+          </a:xfrm>
+          <a:prstGeom prst="rect">
+            <a:avLst/>
+          </a:prstGeom>
+          <a:noFill/>
+        </p:spPr>
+        <p:txBody>
+          <a:bodyPr wrap="none" rtlCol="0">
+            <a:spAutoFit/>
+          </a:bodyPr>
+          <a:lstStyle/>
+          <a:p>
+            <a:r>
+              <a:rPr lang="en-GB" b="1" dirty="0">
+                <a:solidFill>
+                  <a:srgbClr val="FF0000"/>
+                </a:solidFill>
+              </a:rPr>
+              <a:t>alpha: </a:t>
+            </a:r>
+            <a:r>
+              <a:rPr lang="pt-BR" b="1" dirty="0">
+                <a:solidFill>
+                  <a:srgbClr val="FF0000"/>
+                </a:solidFill>
+              </a:rPr>
+              <a:t>0.05</a:t>
+            </a:r>
+          </a:p>
+        </p:txBody>
+      </p:sp>
+    </p:spTree>
+    <p:extLst>
+      <p:ext uri="{BB962C8B-B14F-4D97-AF65-F5344CB8AC3E}">
+        <p14:creationId xmlns:p14="http://schemas.microsoft.com/office/powerpoint/2010/main" val="3213068927"/>
+      </p:ext>
+    </p:extLst>
+  </p:cSld>
+  <p:clrMapOvr>
+    <a:masterClrMapping/>
+  </p:clrMapOvr>
+</p:sld>
+</file>
+
+<file path=ppt/slides/slide17.xml><?xml version="1.0" encoding="utf-8"?>
+<p:sld xmlns:a="http://schemas.openxmlformats.org/drawingml/2006/main" xmlns:r="http://schemas.openxmlformats.org/officeDocument/2006/relationships" xmlns:p="http://schemas.openxmlformats.org/presentationml/2006/main">
+  <p:cSld>
+    <p:spTree>
+      <p:nvGrpSpPr>
+        <p:cNvPr id="1" name=""/>
+        <p:cNvGrpSpPr/>
+        <p:nvPr/>
+      </p:nvGrpSpPr>
+      <p:grpSpPr>
+        <a:xfrm>
+          <a:off x="0" y="0"/>
+          <a:ext cx="0" cy="0"/>
+          <a:chOff x="0" y="0"/>
+          <a:chExt cx="0" cy="0"/>
+        </a:xfrm>
+      </p:grpSpPr>
+      <p:pic>
+        <p:nvPicPr>
+          <p:cNvPr id="5" name="Imagem 4" descr="Gráfico, Gráfico de barras, Histograma&#10;&#10;Descrição gerada automaticamente">
+            <a:extLst>
+              <a:ext uri="{FF2B5EF4-FFF2-40B4-BE49-F238E27FC236}">
+                <a16:creationId xmlns:a16="http://schemas.microsoft.com/office/drawing/2014/main" id="{5AC2B94E-8751-43C7-BDA7-DC7FCE1D9449}"/>
+              </a:ext>
+            </a:extLst>
+          </p:cNvPr>
+          <p:cNvPicPr>
+            <a:picLocks noChangeAspect="1"/>
+          </p:cNvPicPr>
+          <p:nvPr/>
+        </p:nvPicPr>
+        <p:blipFill>
+          <a:blip r:embed="rId2"/>
+          <a:stretch>
+            <a:fillRect/>
+          </a:stretch>
+        </p:blipFill>
+        <p:spPr>
+          <a:xfrm>
+            <a:off x="123657" y="724619"/>
+            <a:ext cx="9932922" cy="5853022"/>
+          </a:xfrm>
+          <a:prstGeom prst="rect">
+            <a:avLst/>
+          </a:prstGeom>
+        </p:spPr>
+      </p:pic>
+      <p:sp>
+        <p:nvSpPr>
+          <p:cNvPr id="6" name="CaixaDeTexto 5">
+            <a:extLst>
+              <a:ext uri="{FF2B5EF4-FFF2-40B4-BE49-F238E27FC236}">
+                <a16:creationId xmlns:a16="http://schemas.microsoft.com/office/drawing/2014/main" id="{6AF6A66C-71F5-43FE-8C8F-4B224EE58CDE}"/>
+              </a:ext>
+            </a:extLst>
+          </p:cNvPr>
+          <p:cNvSpPr txBox="1"/>
+          <p:nvPr/>
+        </p:nvSpPr>
+        <p:spPr>
+          <a:xfrm>
+            <a:off x="10056579" y="724619"/>
+            <a:ext cx="659155" cy="369332"/>
+          </a:xfrm>
+          <a:prstGeom prst="rect">
+            <a:avLst/>
+          </a:prstGeom>
+          <a:noFill/>
+        </p:spPr>
+        <p:txBody>
+          <a:bodyPr wrap="none" rtlCol="0">
+            <a:spAutoFit/>
+          </a:bodyPr>
+          <a:lstStyle/>
+          <a:p>
+            <a:r>
+              <a:rPr lang="en-GB" b="1" dirty="0"/>
+              <a:t>n: </a:t>
+            </a:r>
+            <a:r>
+              <a:rPr lang="pt-BR" b="1" dirty="0"/>
+              <a:t>21</a:t>
+            </a:r>
+          </a:p>
+        </p:txBody>
+      </p:sp>
+      <p:sp>
+        <p:nvSpPr>
+          <p:cNvPr id="7" name="CaixaDeTexto 6">
+            <a:extLst>
+              <a:ext uri="{FF2B5EF4-FFF2-40B4-BE49-F238E27FC236}">
+                <a16:creationId xmlns:a16="http://schemas.microsoft.com/office/drawing/2014/main" id="{6CA2CB2F-5CBD-4AF0-B69A-53B4ADACA1BE}"/>
+              </a:ext>
+            </a:extLst>
+          </p:cNvPr>
+          <p:cNvSpPr txBox="1"/>
+          <p:nvPr/>
+        </p:nvSpPr>
+        <p:spPr>
+          <a:xfrm>
+            <a:off x="10057824" y="1463283"/>
+            <a:ext cx="1949060" cy="369332"/>
+          </a:xfrm>
+          <a:prstGeom prst="rect">
+            <a:avLst/>
+          </a:prstGeom>
+          <a:noFill/>
+        </p:spPr>
+        <p:txBody>
+          <a:bodyPr wrap="none" rtlCol="0">
+            <a:spAutoFit/>
+          </a:bodyPr>
+          <a:lstStyle/>
+          <a:p>
+            <a:r>
+              <a:rPr lang="en-GB" b="1" dirty="0" err="1"/>
+              <a:t>positiveTrend</a:t>
+            </a:r>
+            <a:r>
+              <a:rPr lang="en-GB" b="1" dirty="0"/>
+              <a:t>: </a:t>
+            </a:r>
+            <a:r>
+              <a:rPr lang="pt-BR" b="1" dirty="0"/>
+              <a:t>131</a:t>
+            </a:r>
+          </a:p>
+        </p:txBody>
+      </p:sp>
+      <p:sp>
+        <p:nvSpPr>
+          <p:cNvPr id="8" name="CaixaDeTexto 7">
+            <a:extLst>
+              <a:ext uri="{FF2B5EF4-FFF2-40B4-BE49-F238E27FC236}">
+                <a16:creationId xmlns:a16="http://schemas.microsoft.com/office/drawing/2014/main" id="{8507F471-1D7A-42A1-96AE-DA7753FD779E}"/>
+              </a:ext>
+            </a:extLst>
+          </p:cNvPr>
+          <p:cNvSpPr txBox="1"/>
+          <p:nvPr/>
+        </p:nvSpPr>
+        <p:spPr>
+          <a:xfrm>
+            <a:off x="10056579" y="2189734"/>
+            <a:ext cx="1138453" cy="369332"/>
+          </a:xfrm>
+          <a:prstGeom prst="rect">
+            <a:avLst/>
+          </a:prstGeom>
+          <a:noFill/>
+        </p:spPr>
+        <p:txBody>
+          <a:bodyPr wrap="none" rtlCol="0">
+            <a:spAutoFit/>
+          </a:bodyPr>
+          <a:lstStyle/>
+          <a:p>
+            <a:r>
+              <a:rPr lang="en-GB" b="1" dirty="0"/>
+              <a:t>none: </a:t>
+            </a:r>
+            <a:r>
+              <a:rPr lang="pt-BR" b="1" dirty="0"/>
+              <a:t>219</a:t>
+            </a:r>
+          </a:p>
+        </p:txBody>
+      </p:sp>
+      <p:sp>
+        <p:nvSpPr>
+          <p:cNvPr id="9" name="CaixaDeTexto 8">
+            <a:extLst>
+              <a:ext uri="{FF2B5EF4-FFF2-40B4-BE49-F238E27FC236}">
+                <a16:creationId xmlns:a16="http://schemas.microsoft.com/office/drawing/2014/main" id="{897B3C6E-090A-4370-8100-0C31A42756BC}"/>
+              </a:ext>
+            </a:extLst>
+          </p:cNvPr>
+          <p:cNvSpPr txBox="1"/>
+          <p:nvPr/>
+        </p:nvSpPr>
+        <p:spPr>
+          <a:xfrm>
+            <a:off x="10056579" y="1820402"/>
+            <a:ext cx="1893275" cy="369332"/>
+          </a:xfrm>
+          <a:prstGeom prst="rect">
+            <a:avLst/>
+          </a:prstGeom>
+          <a:noFill/>
+        </p:spPr>
+        <p:txBody>
+          <a:bodyPr wrap="none" rtlCol="0">
+            <a:spAutoFit/>
+          </a:bodyPr>
+          <a:lstStyle/>
+          <a:p>
+            <a:r>
+              <a:rPr lang="en-GB" b="1" dirty="0" err="1"/>
+              <a:t>negativeTrend</a:t>
+            </a:r>
+            <a:r>
+              <a:rPr lang="en-GB" b="1" dirty="0"/>
+              <a:t>: </a:t>
+            </a:r>
+            <a:r>
+              <a:rPr lang="pt-BR" b="1" dirty="0"/>
+              <a:t>51</a:t>
+            </a:r>
+          </a:p>
+        </p:txBody>
+      </p:sp>
+      <p:sp>
+        <p:nvSpPr>
+          <p:cNvPr id="10" name="CaixaDeTexto 9">
+            <a:extLst>
+              <a:ext uri="{FF2B5EF4-FFF2-40B4-BE49-F238E27FC236}">
+                <a16:creationId xmlns:a16="http://schemas.microsoft.com/office/drawing/2014/main" id="{44CE5C63-3BB6-44B1-A243-AC47B2316AE9}"/>
+              </a:ext>
+            </a:extLst>
+          </p:cNvPr>
+          <p:cNvSpPr txBox="1"/>
+          <p:nvPr/>
+        </p:nvSpPr>
+        <p:spPr>
+          <a:xfrm>
+            <a:off x="10056579" y="1093951"/>
+            <a:ext cx="1244251" cy="369332"/>
+          </a:xfrm>
+          <a:prstGeom prst="rect">
+            <a:avLst/>
+          </a:prstGeom>
+          <a:noFill/>
+        </p:spPr>
+        <p:txBody>
+          <a:bodyPr wrap="none" rtlCol="0">
+            <a:spAutoFit/>
+          </a:bodyPr>
+          <a:lstStyle/>
+          <a:p>
+            <a:r>
+              <a:rPr lang="en-GB" b="1" dirty="0">
+                <a:solidFill>
+                  <a:srgbClr val="FF0000"/>
+                </a:solidFill>
+              </a:rPr>
+              <a:t>alpha: </a:t>
+            </a:r>
+            <a:r>
+              <a:rPr lang="pt-BR" b="1" dirty="0">
+                <a:solidFill>
+                  <a:srgbClr val="FF0000"/>
+                </a:solidFill>
+              </a:rPr>
+              <a:t>0.01</a:t>
+            </a:r>
+          </a:p>
+        </p:txBody>
+      </p:sp>
+    </p:spTree>
+    <p:extLst>
+      <p:ext uri="{BB962C8B-B14F-4D97-AF65-F5344CB8AC3E}">
+        <p14:creationId xmlns:p14="http://schemas.microsoft.com/office/powerpoint/2010/main" val="4162338401"/>
+      </p:ext>
+    </p:extLst>
+  </p:cSld>
+  <p:clrMapOvr>
+    <a:masterClrMapping/>
+  </p:clrMapOvr>
+</p:sld>
+</file>
+
+<file path=ppt/slides/slide18.xml><?xml version="1.0" encoding="utf-8"?>
+<p:sld xmlns:a="http://schemas.openxmlformats.org/drawingml/2006/main" xmlns:r="http://schemas.openxmlformats.org/officeDocument/2006/relationships" xmlns:p="http://schemas.openxmlformats.org/presentationml/2006/main">
+  <p:cSld>
+    <p:spTree>
+      <p:nvGrpSpPr>
+        <p:cNvPr id="1" name=""/>
+        <p:cNvGrpSpPr/>
+        <p:nvPr/>
+      </p:nvGrpSpPr>
+      <p:grpSpPr>
+        <a:xfrm>
+          <a:off x="0" y="0"/>
+          <a:ext cx="0" cy="0"/>
+          <a:chOff x="0" y="0"/>
+          <a:chExt cx="0" cy="0"/>
+        </a:xfrm>
+      </p:grpSpPr>
+      <p:sp>
+        <p:nvSpPr>
+          <p:cNvPr id="2" name="Título 1">
+            <a:extLst>
+              <a:ext uri="{FF2B5EF4-FFF2-40B4-BE49-F238E27FC236}">
+                <a16:creationId xmlns:a16="http://schemas.microsoft.com/office/drawing/2014/main" id="{F8D04298-3736-44A6-AD37-2CB98F7C8665}"/>
+              </a:ext>
+            </a:extLst>
+          </p:cNvPr>
+          <p:cNvSpPr>
+            <a:spLocks noGrp="1"/>
+          </p:cNvSpPr>
+          <p:nvPr>
+            <p:ph type="title"/>
+          </p:nvPr>
+        </p:nvSpPr>
+        <p:spPr/>
+        <p:txBody>
+          <a:bodyPr/>
+          <a:lstStyle/>
+          <a:p>
+            <a:r>
+              <a:rPr lang="en-GB" dirty="0" err="1"/>
+              <a:t>Experimento</a:t>
+            </a:r>
+            <a:r>
+              <a:rPr lang="en-GB" dirty="0"/>
+              <a:t> 3</a:t>
+            </a:r>
+          </a:p>
+        </p:txBody>
+      </p:sp>
+      <p:sp>
+        <p:nvSpPr>
+          <p:cNvPr id="10" name="CaixaDeTexto 9">
+            <a:extLst>
+              <a:ext uri="{FF2B5EF4-FFF2-40B4-BE49-F238E27FC236}">
+                <a16:creationId xmlns:a16="http://schemas.microsoft.com/office/drawing/2014/main" id="{762E5F61-4F2C-4469-A5D3-E2567EFCD744}"/>
+              </a:ext>
+            </a:extLst>
+          </p:cNvPr>
+          <p:cNvSpPr txBox="1"/>
+          <p:nvPr/>
+        </p:nvSpPr>
+        <p:spPr>
+          <a:xfrm>
+            <a:off x="6553200" y="1898808"/>
+            <a:ext cx="941604" cy="369332"/>
+          </a:xfrm>
+          <a:prstGeom prst="rect">
+            <a:avLst/>
+          </a:prstGeom>
+          <a:noFill/>
+        </p:spPr>
+        <p:txBody>
+          <a:bodyPr wrap="none" rtlCol="0">
+            <a:spAutoFit/>
+          </a:bodyPr>
+          <a:lstStyle/>
+          <a:p>
+            <a:r>
+              <a:rPr lang="en-GB" b="1" dirty="0"/>
+              <a:t>País: US</a:t>
+            </a:r>
+          </a:p>
+        </p:txBody>
+      </p:sp>
+      <p:sp>
+        <p:nvSpPr>
+          <p:cNvPr id="11" name="CaixaDeTexto 10">
+            <a:extLst>
+              <a:ext uri="{FF2B5EF4-FFF2-40B4-BE49-F238E27FC236}">
+                <a16:creationId xmlns:a16="http://schemas.microsoft.com/office/drawing/2014/main" id="{4A94F2F3-9517-4AF5-91F3-8D7FDFE4FBF4}"/>
+              </a:ext>
+            </a:extLst>
+          </p:cNvPr>
+          <p:cNvSpPr txBox="1"/>
+          <p:nvPr/>
+        </p:nvSpPr>
+        <p:spPr>
+          <a:xfrm>
+            <a:off x="6553200" y="3059668"/>
+            <a:ext cx="2010037" cy="369332"/>
+          </a:xfrm>
+          <a:prstGeom prst="rect">
+            <a:avLst/>
+          </a:prstGeom>
+          <a:noFill/>
+        </p:spPr>
+        <p:txBody>
+          <a:bodyPr wrap="none" rtlCol="0">
+            <a:spAutoFit/>
+          </a:bodyPr>
+          <a:lstStyle/>
+          <a:p>
+            <a:r>
+              <a:rPr lang="en-GB" b="1" dirty="0"/>
+              <a:t>n: 408 </a:t>
+            </a:r>
+            <a:r>
+              <a:rPr lang="pt-BR" b="1" dirty="0"/>
+              <a:t>observações</a:t>
+            </a:r>
+          </a:p>
+        </p:txBody>
+      </p:sp>
+      <p:sp>
+        <p:nvSpPr>
+          <p:cNvPr id="12" name="CaixaDeTexto 11">
+            <a:extLst>
+              <a:ext uri="{FF2B5EF4-FFF2-40B4-BE49-F238E27FC236}">
+                <a16:creationId xmlns:a16="http://schemas.microsoft.com/office/drawing/2014/main" id="{76420631-9288-4E8A-B5BC-3C99FDB56983}"/>
+              </a:ext>
+            </a:extLst>
+          </p:cNvPr>
+          <p:cNvSpPr txBox="1"/>
+          <p:nvPr/>
+        </p:nvSpPr>
+        <p:spPr>
+          <a:xfrm>
+            <a:off x="6553200" y="2666882"/>
+            <a:ext cx="4240520" cy="369332"/>
+          </a:xfrm>
+          <a:prstGeom prst="rect">
+            <a:avLst/>
+          </a:prstGeom>
+          <a:noFill/>
+        </p:spPr>
+        <p:txBody>
+          <a:bodyPr wrap="none" rtlCol="0">
+            <a:spAutoFit/>
+          </a:bodyPr>
+          <a:lstStyle/>
+          <a:p>
+            <a:r>
+              <a:rPr lang="en-GB" b="1" dirty="0" err="1"/>
+              <a:t>Período</a:t>
+            </a:r>
+            <a:r>
+              <a:rPr lang="en-GB" b="1" dirty="0"/>
+              <a:t>: US – 23/Jan/2020 – 19/mar/2021</a:t>
+            </a:r>
+          </a:p>
+        </p:txBody>
+      </p:sp>
+      <p:sp>
+        <p:nvSpPr>
+          <p:cNvPr id="13" name="CaixaDeTexto 12">
+            <a:extLst>
+              <a:ext uri="{FF2B5EF4-FFF2-40B4-BE49-F238E27FC236}">
+                <a16:creationId xmlns:a16="http://schemas.microsoft.com/office/drawing/2014/main" id="{229A128D-23FE-4659-969A-52FADE9A8401}"/>
+              </a:ext>
+            </a:extLst>
+          </p:cNvPr>
+          <p:cNvSpPr txBox="1"/>
+          <p:nvPr/>
+        </p:nvSpPr>
+        <p:spPr>
+          <a:xfrm>
+            <a:off x="6553200" y="2282845"/>
+            <a:ext cx="3067315" cy="369332"/>
+          </a:xfrm>
+          <a:prstGeom prst="rect">
+            <a:avLst/>
+          </a:prstGeom>
+          <a:noFill/>
+        </p:spPr>
+        <p:txBody>
+          <a:bodyPr wrap="none" rtlCol="0">
+            <a:spAutoFit/>
+          </a:bodyPr>
+          <a:lstStyle/>
+          <a:p>
+            <a:r>
+              <a:rPr lang="en-GB" b="1" dirty="0"/>
+              <a:t>TS: MM14 da </a:t>
+            </a:r>
+            <a:r>
+              <a:rPr lang="pt-BR" b="1" dirty="0"/>
+              <a:t>Incidência diária</a:t>
+            </a:r>
+          </a:p>
+        </p:txBody>
+      </p:sp>
+      <p:pic>
+        <p:nvPicPr>
+          <p:cNvPr id="4" name="Imagem 3" descr="Gráfico, Gráfico de linhas, Histograma&#10;&#10;Descrição gerada automaticamente">
+            <a:extLst>
+              <a:ext uri="{FF2B5EF4-FFF2-40B4-BE49-F238E27FC236}">
+                <a16:creationId xmlns:a16="http://schemas.microsoft.com/office/drawing/2014/main" id="{51CF9093-E84C-49D8-B51F-2FE9808BEB1F}"/>
+              </a:ext>
+            </a:extLst>
+          </p:cNvPr>
+          <p:cNvPicPr>
+            <a:picLocks noChangeAspect="1"/>
+          </p:cNvPicPr>
+          <p:nvPr/>
+        </p:nvPicPr>
+        <p:blipFill>
+          <a:blip r:embed="rId2"/>
+          <a:stretch>
+            <a:fillRect/>
+          </a:stretch>
+        </p:blipFill>
+        <p:spPr>
+          <a:xfrm>
+            <a:off x="272985" y="1697235"/>
+            <a:ext cx="6149268" cy="3960000"/>
+          </a:xfrm>
+          <a:prstGeom prst="rect">
+            <a:avLst/>
+          </a:prstGeom>
+        </p:spPr>
+      </p:pic>
+    </p:spTree>
+    <p:extLst>
+      <p:ext uri="{BB962C8B-B14F-4D97-AF65-F5344CB8AC3E}">
+        <p14:creationId xmlns:p14="http://schemas.microsoft.com/office/powerpoint/2010/main" val="1668796432"/>
+      </p:ext>
+    </p:extLst>
+  </p:cSld>
+  <p:clrMapOvr>
+    <a:masterClrMapping/>
+  </p:clrMapOvr>
+</p:sld>
+</file>
+
+<file path=ppt/slides/slide19.xml><?xml version="1.0" encoding="utf-8"?>
+<p:sld xmlns:a="http://schemas.openxmlformats.org/drawingml/2006/main" xmlns:r="http://schemas.openxmlformats.org/officeDocument/2006/relationships" xmlns:p="http://schemas.openxmlformats.org/presentationml/2006/main">
+  <p:cSld>
+    <p:spTree>
+      <p:nvGrpSpPr>
+        <p:cNvPr id="1" name=""/>
+        <p:cNvGrpSpPr/>
+        <p:nvPr/>
+      </p:nvGrpSpPr>
+      <p:grpSpPr>
+        <a:xfrm>
+          <a:off x="0" y="0"/>
+          <a:ext cx="0" cy="0"/>
+          <a:chOff x="0" y="0"/>
+          <a:chExt cx="0" cy="0"/>
+        </a:xfrm>
+      </p:grpSpPr>
+      <p:pic>
+        <p:nvPicPr>
+          <p:cNvPr id="5" name="Imagem 4" descr="Gráfico, Histograma&#10;&#10;Descrição gerada automaticamente">
+            <a:extLst>
+              <a:ext uri="{FF2B5EF4-FFF2-40B4-BE49-F238E27FC236}">
+                <a16:creationId xmlns:a16="http://schemas.microsoft.com/office/drawing/2014/main" id="{797A91D6-E96A-4B46-A18D-70A30D1662CA}"/>
+              </a:ext>
+            </a:extLst>
+          </p:cNvPr>
+          <p:cNvPicPr>
+            <a:picLocks noChangeAspect="1"/>
+          </p:cNvPicPr>
+          <p:nvPr/>
+        </p:nvPicPr>
+        <p:blipFill>
+          <a:blip r:embed="rId2"/>
+          <a:stretch>
+            <a:fillRect/>
+          </a:stretch>
+        </p:blipFill>
+        <p:spPr>
+          <a:xfrm>
+            <a:off x="208952" y="369000"/>
+            <a:ext cx="9476128" cy="6120000"/>
+          </a:xfrm>
+          <a:prstGeom prst="rect">
+            <a:avLst/>
+          </a:prstGeom>
+        </p:spPr>
+      </p:pic>
+      <p:sp>
+        <p:nvSpPr>
+          <p:cNvPr id="6" name="CaixaDeTexto 5">
+            <a:extLst>
+              <a:ext uri="{FF2B5EF4-FFF2-40B4-BE49-F238E27FC236}">
+                <a16:creationId xmlns:a16="http://schemas.microsoft.com/office/drawing/2014/main" id="{834CCF7D-B24C-40BC-9298-C562AE963366}"/>
+              </a:ext>
+            </a:extLst>
+          </p:cNvPr>
+          <p:cNvSpPr txBox="1"/>
+          <p:nvPr/>
+        </p:nvSpPr>
+        <p:spPr>
+          <a:xfrm>
+            <a:off x="9685080" y="369000"/>
+            <a:ext cx="659155" cy="369332"/>
+          </a:xfrm>
+          <a:prstGeom prst="rect">
+            <a:avLst/>
+          </a:prstGeom>
+          <a:noFill/>
+        </p:spPr>
+        <p:txBody>
+          <a:bodyPr wrap="none" rtlCol="0">
+            <a:spAutoFit/>
+          </a:bodyPr>
+          <a:lstStyle/>
+          <a:p>
+            <a:r>
+              <a:rPr lang="en-GB" b="1" dirty="0"/>
+              <a:t>n: </a:t>
+            </a:r>
+            <a:r>
+              <a:rPr lang="pt-BR" b="1" dirty="0"/>
+              <a:t>14</a:t>
+            </a:r>
+          </a:p>
+        </p:txBody>
+      </p:sp>
+      <p:sp>
+        <p:nvSpPr>
+          <p:cNvPr id="7" name="CaixaDeTexto 6">
+            <a:extLst>
+              <a:ext uri="{FF2B5EF4-FFF2-40B4-BE49-F238E27FC236}">
+                <a16:creationId xmlns:a16="http://schemas.microsoft.com/office/drawing/2014/main" id="{62C92C88-91F1-4F73-876F-480F8EBFF996}"/>
+              </a:ext>
+            </a:extLst>
+          </p:cNvPr>
+          <p:cNvSpPr txBox="1"/>
+          <p:nvPr/>
+        </p:nvSpPr>
+        <p:spPr>
+          <a:xfrm>
+            <a:off x="9686325" y="1107664"/>
+            <a:ext cx="1949060" cy="369332"/>
+          </a:xfrm>
+          <a:prstGeom prst="rect">
+            <a:avLst/>
+          </a:prstGeom>
+          <a:noFill/>
+        </p:spPr>
+        <p:txBody>
+          <a:bodyPr wrap="none" rtlCol="0">
+            <a:spAutoFit/>
+          </a:bodyPr>
+          <a:lstStyle/>
+          <a:p>
+            <a:r>
+              <a:rPr lang="en-GB" b="1" dirty="0" err="1"/>
+              <a:t>positiveTrend</a:t>
+            </a:r>
+            <a:r>
+              <a:rPr lang="en-GB" b="1" dirty="0"/>
+              <a:t>: </a:t>
+            </a:r>
+            <a:r>
+              <a:rPr lang="pt-BR" b="1" dirty="0"/>
+              <a:t>194</a:t>
+            </a:r>
+          </a:p>
+        </p:txBody>
+      </p:sp>
+      <p:sp>
+        <p:nvSpPr>
+          <p:cNvPr id="8" name="CaixaDeTexto 7">
+            <a:extLst>
+              <a:ext uri="{FF2B5EF4-FFF2-40B4-BE49-F238E27FC236}">
+                <a16:creationId xmlns:a16="http://schemas.microsoft.com/office/drawing/2014/main" id="{5B9191B5-5A8F-4B64-9EB2-ACBC0D44DCF7}"/>
+              </a:ext>
+            </a:extLst>
+          </p:cNvPr>
+          <p:cNvSpPr txBox="1"/>
+          <p:nvPr/>
+        </p:nvSpPr>
+        <p:spPr>
+          <a:xfrm>
+            <a:off x="9685080" y="1834115"/>
+            <a:ext cx="1021433" cy="369332"/>
+          </a:xfrm>
+          <a:prstGeom prst="rect">
+            <a:avLst/>
+          </a:prstGeom>
+          <a:noFill/>
+        </p:spPr>
+        <p:txBody>
+          <a:bodyPr wrap="none" rtlCol="0">
+            <a:spAutoFit/>
+          </a:bodyPr>
+          <a:lstStyle/>
+          <a:p>
+            <a:r>
+              <a:rPr lang="en-GB" b="1" dirty="0"/>
+              <a:t>none: </a:t>
+            </a:r>
+            <a:r>
+              <a:rPr lang="pt-BR" b="1" dirty="0"/>
+              <a:t>26</a:t>
+            </a:r>
+          </a:p>
+        </p:txBody>
+      </p:sp>
+      <p:sp>
+        <p:nvSpPr>
+          <p:cNvPr id="9" name="CaixaDeTexto 8">
+            <a:extLst>
+              <a:ext uri="{FF2B5EF4-FFF2-40B4-BE49-F238E27FC236}">
+                <a16:creationId xmlns:a16="http://schemas.microsoft.com/office/drawing/2014/main" id="{9651BF7C-949D-434F-B0CF-F096B961EF3B}"/>
+              </a:ext>
+            </a:extLst>
+          </p:cNvPr>
+          <p:cNvSpPr txBox="1"/>
+          <p:nvPr/>
+        </p:nvSpPr>
+        <p:spPr>
+          <a:xfrm>
+            <a:off x="9685080" y="1464783"/>
+            <a:ext cx="2010294" cy="369332"/>
+          </a:xfrm>
+          <a:prstGeom prst="rect">
+            <a:avLst/>
+          </a:prstGeom>
+          <a:noFill/>
+        </p:spPr>
+        <p:txBody>
+          <a:bodyPr wrap="none" rtlCol="0">
+            <a:spAutoFit/>
+          </a:bodyPr>
+          <a:lstStyle/>
+          <a:p>
+            <a:r>
+              <a:rPr lang="en-GB" b="1" dirty="0" err="1"/>
+              <a:t>negativeTrend</a:t>
+            </a:r>
+            <a:r>
+              <a:rPr lang="en-GB" b="1" dirty="0"/>
+              <a:t>: </a:t>
+            </a:r>
+            <a:r>
+              <a:rPr lang="pt-BR" b="1" dirty="0"/>
+              <a:t>174</a:t>
+            </a:r>
+          </a:p>
+        </p:txBody>
+      </p:sp>
+      <p:sp>
+        <p:nvSpPr>
+          <p:cNvPr id="10" name="CaixaDeTexto 9">
+            <a:extLst>
+              <a:ext uri="{FF2B5EF4-FFF2-40B4-BE49-F238E27FC236}">
+                <a16:creationId xmlns:a16="http://schemas.microsoft.com/office/drawing/2014/main" id="{E1414625-2592-4CE0-82F6-B18C087FD337}"/>
+              </a:ext>
+            </a:extLst>
+          </p:cNvPr>
+          <p:cNvSpPr txBox="1"/>
+          <p:nvPr/>
+        </p:nvSpPr>
+        <p:spPr>
+          <a:xfrm>
+            <a:off x="9685080" y="738332"/>
+            <a:ext cx="1244251" cy="369332"/>
+          </a:xfrm>
+          <a:prstGeom prst="rect">
+            <a:avLst/>
+          </a:prstGeom>
+          <a:noFill/>
+        </p:spPr>
+        <p:txBody>
+          <a:bodyPr wrap="none" rtlCol="0">
+            <a:spAutoFit/>
+          </a:bodyPr>
+          <a:lstStyle/>
+          <a:p>
+            <a:r>
+              <a:rPr lang="en-GB" b="1" dirty="0"/>
+              <a:t>alpha: </a:t>
+            </a:r>
+            <a:r>
+              <a:rPr lang="pt-BR" b="1" dirty="0"/>
+              <a:t>0.05</a:t>
+            </a:r>
+          </a:p>
+        </p:txBody>
+      </p:sp>
+    </p:spTree>
+    <p:extLst>
+      <p:ext uri="{BB962C8B-B14F-4D97-AF65-F5344CB8AC3E}">
+        <p14:creationId xmlns:p14="http://schemas.microsoft.com/office/powerpoint/2010/main" val="1154992228"/>
+      </p:ext>
+    </p:extLst>
+  </p:cSld>
+  <p:clrMapOvr>
+    <a:masterClrMapping/>
+  </p:clrMapOvr>
+</p:sld>
+</file>
+
 <file path=ppt/slides/slide2.xml><?xml version="1.0" encoding="utf-8"?>
 <p:sld xmlns:a="http://schemas.openxmlformats.org/drawingml/2006/main" xmlns:r="http://schemas.openxmlformats.org/officeDocument/2006/relationships" xmlns:p="http://schemas.openxmlformats.org/presentationml/2006/main">
   <p:cSld>
@@ -4423,8 +7099,8 @@
           </a:p>
         </p:txBody>
       </p:sp>
-      <mc:AlternateContent xmlns:mc="http://schemas.openxmlformats.org/markup-compatibility/2006">
-        <mc:Choice xmlns:a14="http://schemas.microsoft.com/office/drawing/2010/main" Requires="a14">
+      <mc:AlternateContent xmlns:mc="http://schemas.openxmlformats.org/markup-compatibility/2006" xmlns:a14="http://schemas.microsoft.com/office/drawing/2010/main">
+        <mc:Choice Requires="a14">
           <p:sp>
             <p:nvSpPr>
               <p:cNvPr id="3" name="Espaço Reservado para Conteúdo 2">
@@ -4632,7 +7308,7 @@
             </p:txBody>
           </p:sp>
         </mc:Choice>
-        <mc:Fallback>
+        <mc:Fallback xmlns="">
           <p:sp>
             <p:nvSpPr>
               <p:cNvPr id="3" name="Espaço Reservado para Conteúdo 2">
@@ -4676,6 +7352,4974 @@
     <p:extLst>
       <p:ext uri="{BB962C8B-B14F-4D97-AF65-F5344CB8AC3E}">
         <p14:creationId xmlns:p14="http://schemas.microsoft.com/office/powerpoint/2010/main" val="3235636707"/>
+      </p:ext>
+    </p:extLst>
+  </p:cSld>
+  <p:clrMapOvr>
+    <a:masterClrMapping/>
+  </p:clrMapOvr>
+</p:sld>
+</file>
+
+<file path=ppt/slides/slide20.xml><?xml version="1.0" encoding="utf-8"?>
+<p:sld xmlns:a="http://schemas.openxmlformats.org/drawingml/2006/main" xmlns:r="http://schemas.openxmlformats.org/officeDocument/2006/relationships" xmlns:p="http://schemas.openxmlformats.org/presentationml/2006/main">
+  <p:cSld>
+    <p:spTree>
+      <p:nvGrpSpPr>
+        <p:cNvPr id="1" name=""/>
+        <p:cNvGrpSpPr/>
+        <p:nvPr/>
+      </p:nvGrpSpPr>
+      <p:grpSpPr>
+        <a:xfrm>
+          <a:off x="0" y="0"/>
+          <a:ext cx="0" cy="0"/>
+          <a:chOff x="0" y="0"/>
+          <a:chExt cx="0" cy="0"/>
+        </a:xfrm>
+      </p:grpSpPr>
+      <p:pic>
+        <p:nvPicPr>
+          <p:cNvPr id="5" name="Imagem 4" descr="Gráfico, Histograma&#10;&#10;Descrição gerada automaticamente">
+            <a:extLst>
+              <a:ext uri="{FF2B5EF4-FFF2-40B4-BE49-F238E27FC236}">
+                <a16:creationId xmlns:a16="http://schemas.microsoft.com/office/drawing/2014/main" id="{A21ACFAB-D505-48D8-B81B-A7448F4FA766}"/>
+              </a:ext>
+            </a:extLst>
+          </p:cNvPr>
+          <p:cNvPicPr>
+            <a:picLocks noChangeAspect="1"/>
+          </p:cNvPicPr>
+          <p:nvPr/>
+        </p:nvPicPr>
+        <p:blipFill>
+          <a:blip r:embed="rId2"/>
+          <a:stretch>
+            <a:fillRect/>
+          </a:stretch>
+        </p:blipFill>
+        <p:spPr>
+          <a:xfrm>
+            <a:off x="243567" y="369000"/>
+            <a:ext cx="9044628" cy="5760000"/>
+          </a:xfrm>
+          <a:prstGeom prst="rect">
+            <a:avLst/>
+          </a:prstGeom>
+        </p:spPr>
+      </p:pic>
+      <p:sp>
+        <p:nvSpPr>
+          <p:cNvPr id="6" name="CaixaDeTexto 5">
+            <a:extLst>
+              <a:ext uri="{FF2B5EF4-FFF2-40B4-BE49-F238E27FC236}">
+                <a16:creationId xmlns:a16="http://schemas.microsoft.com/office/drawing/2014/main" id="{81A39E35-DEF6-4476-AD4C-C0810EBC6993}"/>
+              </a:ext>
+            </a:extLst>
+          </p:cNvPr>
+          <p:cNvSpPr txBox="1"/>
+          <p:nvPr/>
+        </p:nvSpPr>
+        <p:spPr>
+          <a:xfrm>
+            <a:off x="9622873" y="369000"/>
+            <a:ext cx="659155" cy="369332"/>
+          </a:xfrm>
+          <a:prstGeom prst="rect">
+            <a:avLst/>
+          </a:prstGeom>
+          <a:noFill/>
+        </p:spPr>
+        <p:txBody>
+          <a:bodyPr wrap="none" rtlCol="0">
+            <a:spAutoFit/>
+          </a:bodyPr>
+          <a:lstStyle/>
+          <a:p>
+            <a:r>
+              <a:rPr lang="en-GB" b="1" dirty="0"/>
+              <a:t>n: </a:t>
+            </a:r>
+            <a:r>
+              <a:rPr lang="pt-BR" b="1" dirty="0"/>
+              <a:t>14</a:t>
+            </a:r>
+          </a:p>
+        </p:txBody>
+      </p:sp>
+      <p:sp>
+        <p:nvSpPr>
+          <p:cNvPr id="7" name="CaixaDeTexto 6">
+            <a:extLst>
+              <a:ext uri="{FF2B5EF4-FFF2-40B4-BE49-F238E27FC236}">
+                <a16:creationId xmlns:a16="http://schemas.microsoft.com/office/drawing/2014/main" id="{0231AE31-8312-43D6-9428-CB7D0B9B0010}"/>
+              </a:ext>
+            </a:extLst>
+          </p:cNvPr>
+          <p:cNvSpPr txBox="1"/>
+          <p:nvPr/>
+        </p:nvSpPr>
+        <p:spPr>
+          <a:xfrm>
+            <a:off x="9624118" y="1107664"/>
+            <a:ext cx="1949060" cy="369332"/>
+          </a:xfrm>
+          <a:prstGeom prst="rect">
+            <a:avLst/>
+          </a:prstGeom>
+          <a:noFill/>
+        </p:spPr>
+        <p:txBody>
+          <a:bodyPr wrap="none" rtlCol="0">
+            <a:spAutoFit/>
+          </a:bodyPr>
+          <a:lstStyle/>
+          <a:p>
+            <a:r>
+              <a:rPr lang="en-GB" b="1" dirty="0" err="1"/>
+              <a:t>positiveTrend</a:t>
+            </a:r>
+            <a:r>
+              <a:rPr lang="en-GB" b="1" dirty="0"/>
+              <a:t>: </a:t>
+            </a:r>
+            <a:r>
+              <a:rPr lang="pt-BR" b="1" dirty="0"/>
+              <a:t>188</a:t>
+            </a:r>
+          </a:p>
+        </p:txBody>
+      </p:sp>
+      <p:sp>
+        <p:nvSpPr>
+          <p:cNvPr id="8" name="CaixaDeTexto 7">
+            <a:extLst>
+              <a:ext uri="{FF2B5EF4-FFF2-40B4-BE49-F238E27FC236}">
+                <a16:creationId xmlns:a16="http://schemas.microsoft.com/office/drawing/2014/main" id="{2CAA792D-FD3E-4F1C-A324-ECE459936AB9}"/>
+              </a:ext>
+            </a:extLst>
+          </p:cNvPr>
+          <p:cNvSpPr txBox="1"/>
+          <p:nvPr/>
+        </p:nvSpPr>
+        <p:spPr>
+          <a:xfrm>
+            <a:off x="9622873" y="1834115"/>
+            <a:ext cx="1021433" cy="369332"/>
+          </a:xfrm>
+          <a:prstGeom prst="rect">
+            <a:avLst/>
+          </a:prstGeom>
+          <a:noFill/>
+        </p:spPr>
+        <p:txBody>
+          <a:bodyPr wrap="none" rtlCol="0">
+            <a:spAutoFit/>
+          </a:bodyPr>
+          <a:lstStyle/>
+          <a:p>
+            <a:r>
+              <a:rPr lang="en-GB" b="1" dirty="0"/>
+              <a:t>none: </a:t>
+            </a:r>
+            <a:r>
+              <a:rPr lang="pt-BR" b="1" dirty="0"/>
+              <a:t>41</a:t>
+            </a:r>
+          </a:p>
+        </p:txBody>
+      </p:sp>
+      <p:sp>
+        <p:nvSpPr>
+          <p:cNvPr id="9" name="CaixaDeTexto 8">
+            <a:extLst>
+              <a:ext uri="{FF2B5EF4-FFF2-40B4-BE49-F238E27FC236}">
+                <a16:creationId xmlns:a16="http://schemas.microsoft.com/office/drawing/2014/main" id="{B0B850B6-0355-4D05-9620-352DF272DABE}"/>
+              </a:ext>
+            </a:extLst>
+          </p:cNvPr>
+          <p:cNvSpPr txBox="1"/>
+          <p:nvPr/>
+        </p:nvSpPr>
+        <p:spPr>
+          <a:xfrm>
+            <a:off x="9622873" y="1464783"/>
+            <a:ext cx="2010294" cy="369332"/>
+          </a:xfrm>
+          <a:prstGeom prst="rect">
+            <a:avLst/>
+          </a:prstGeom>
+          <a:noFill/>
+        </p:spPr>
+        <p:txBody>
+          <a:bodyPr wrap="none" rtlCol="0">
+            <a:spAutoFit/>
+          </a:bodyPr>
+          <a:lstStyle/>
+          <a:p>
+            <a:r>
+              <a:rPr lang="en-GB" b="1" dirty="0" err="1"/>
+              <a:t>negativeTrend</a:t>
+            </a:r>
+            <a:r>
+              <a:rPr lang="en-GB" b="1" dirty="0"/>
+              <a:t>: </a:t>
+            </a:r>
+            <a:r>
+              <a:rPr lang="pt-BR" b="1" dirty="0"/>
+              <a:t>165</a:t>
+            </a:r>
+          </a:p>
+        </p:txBody>
+      </p:sp>
+      <p:sp>
+        <p:nvSpPr>
+          <p:cNvPr id="10" name="CaixaDeTexto 9">
+            <a:extLst>
+              <a:ext uri="{FF2B5EF4-FFF2-40B4-BE49-F238E27FC236}">
+                <a16:creationId xmlns:a16="http://schemas.microsoft.com/office/drawing/2014/main" id="{C6CA4398-B66B-4462-A5A3-60DDDED72A83}"/>
+              </a:ext>
+            </a:extLst>
+          </p:cNvPr>
+          <p:cNvSpPr txBox="1"/>
+          <p:nvPr/>
+        </p:nvSpPr>
+        <p:spPr>
+          <a:xfrm>
+            <a:off x="9622873" y="738332"/>
+            <a:ext cx="1244251" cy="369332"/>
+          </a:xfrm>
+          <a:prstGeom prst="rect">
+            <a:avLst/>
+          </a:prstGeom>
+          <a:noFill/>
+        </p:spPr>
+        <p:txBody>
+          <a:bodyPr wrap="none" rtlCol="0">
+            <a:spAutoFit/>
+          </a:bodyPr>
+          <a:lstStyle/>
+          <a:p>
+            <a:r>
+              <a:rPr lang="en-GB" b="1" dirty="0">
+                <a:solidFill>
+                  <a:srgbClr val="FF0000"/>
+                </a:solidFill>
+              </a:rPr>
+              <a:t>alpha: </a:t>
+            </a:r>
+            <a:r>
+              <a:rPr lang="pt-BR" b="1" dirty="0">
+                <a:solidFill>
+                  <a:srgbClr val="FF0000"/>
+                </a:solidFill>
+              </a:rPr>
+              <a:t>0.01</a:t>
+            </a:r>
+          </a:p>
+        </p:txBody>
+      </p:sp>
+    </p:spTree>
+    <p:extLst>
+      <p:ext uri="{BB962C8B-B14F-4D97-AF65-F5344CB8AC3E}">
+        <p14:creationId xmlns:p14="http://schemas.microsoft.com/office/powerpoint/2010/main" val="2966997870"/>
+      </p:ext>
+    </p:extLst>
+  </p:cSld>
+  <p:clrMapOvr>
+    <a:masterClrMapping/>
+  </p:clrMapOvr>
+</p:sld>
+</file>
+
+<file path=ppt/slides/slide21.xml><?xml version="1.0" encoding="utf-8"?>
+<p:sld xmlns:a="http://schemas.openxmlformats.org/drawingml/2006/main" xmlns:r="http://schemas.openxmlformats.org/officeDocument/2006/relationships" xmlns:p="http://schemas.openxmlformats.org/presentationml/2006/main">
+  <p:cSld>
+    <p:spTree>
+      <p:nvGrpSpPr>
+        <p:cNvPr id="1" name=""/>
+        <p:cNvGrpSpPr/>
+        <p:nvPr/>
+      </p:nvGrpSpPr>
+      <p:grpSpPr>
+        <a:xfrm>
+          <a:off x="0" y="0"/>
+          <a:ext cx="0" cy="0"/>
+          <a:chOff x="0" y="0"/>
+          <a:chExt cx="0" cy="0"/>
+        </a:xfrm>
+      </p:grpSpPr>
+      <p:pic>
+        <p:nvPicPr>
+          <p:cNvPr id="5" name="Imagem 4" descr="Gráfico, Histograma&#10;&#10;Descrição gerada automaticamente">
+            <a:extLst>
+              <a:ext uri="{FF2B5EF4-FFF2-40B4-BE49-F238E27FC236}">
+                <a16:creationId xmlns:a16="http://schemas.microsoft.com/office/drawing/2014/main" id="{600BAEC4-27A1-4555-9F8C-A90BB883BD90}"/>
+              </a:ext>
+            </a:extLst>
+          </p:cNvPr>
+          <p:cNvPicPr>
+            <a:picLocks noChangeAspect="1"/>
+          </p:cNvPicPr>
+          <p:nvPr/>
+        </p:nvPicPr>
+        <p:blipFill>
+          <a:blip r:embed="rId2"/>
+          <a:stretch>
+            <a:fillRect/>
+          </a:stretch>
+        </p:blipFill>
+        <p:spPr>
+          <a:xfrm>
+            <a:off x="292740" y="247134"/>
+            <a:ext cx="9402696" cy="6120000"/>
+          </a:xfrm>
+          <a:prstGeom prst="rect">
+            <a:avLst/>
+          </a:prstGeom>
+        </p:spPr>
+      </p:pic>
+      <p:sp>
+        <p:nvSpPr>
+          <p:cNvPr id="6" name="CaixaDeTexto 5">
+            <a:extLst>
+              <a:ext uri="{FF2B5EF4-FFF2-40B4-BE49-F238E27FC236}">
+                <a16:creationId xmlns:a16="http://schemas.microsoft.com/office/drawing/2014/main" id="{404BE8CB-89CD-4743-8AB9-56FFAE05C095}"/>
+              </a:ext>
+            </a:extLst>
+          </p:cNvPr>
+          <p:cNvSpPr txBox="1"/>
+          <p:nvPr/>
+        </p:nvSpPr>
+        <p:spPr>
+          <a:xfrm>
+            <a:off x="9888966" y="247134"/>
+            <a:ext cx="659155" cy="369332"/>
+          </a:xfrm>
+          <a:prstGeom prst="rect">
+            <a:avLst/>
+          </a:prstGeom>
+          <a:noFill/>
+        </p:spPr>
+        <p:txBody>
+          <a:bodyPr wrap="none" rtlCol="0">
+            <a:spAutoFit/>
+          </a:bodyPr>
+          <a:lstStyle/>
+          <a:p>
+            <a:r>
+              <a:rPr lang="en-GB" b="1" dirty="0">
+                <a:solidFill>
+                  <a:srgbClr val="FF0000"/>
+                </a:solidFill>
+              </a:rPr>
+              <a:t>n: </a:t>
+            </a:r>
+            <a:r>
+              <a:rPr lang="pt-BR" b="1" dirty="0">
+                <a:solidFill>
+                  <a:srgbClr val="FF0000"/>
+                </a:solidFill>
+              </a:rPr>
+              <a:t>21</a:t>
+            </a:r>
+          </a:p>
+        </p:txBody>
+      </p:sp>
+      <p:sp>
+        <p:nvSpPr>
+          <p:cNvPr id="7" name="CaixaDeTexto 6">
+            <a:extLst>
+              <a:ext uri="{FF2B5EF4-FFF2-40B4-BE49-F238E27FC236}">
+                <a16:creationId xmlns:a16="http://schemas.microsoft.com/office/drawing/2014/main" id="{F7F56943-06D3-4B59-A861-FE7B5B2392CA}"/>
+              </a:ext>
+            </a:extLst>
+          </p:cNvPr>
+          <p:cNvSpPr txBox="1"/>
+          <p:nvPr/>
+        </p:nvSpPr>
+        <p:spPr>
+          <a:xfrm>
+            <a:off x="9890211" y="985798"/>
+            <a:ext cx="1949060" cy="369332"/>
+          </a:xfrm>
+          <a:prstGeom prst="rect">
+            <a:avLst/>
+          </a:prstGeom>
+          <a:noFill/>
+        </p:spPr>
+        <p:txBody>
+          <a:bodyPr wrap="none" rtlCol="0">
+            <a:spAutoFit/>
+          </a:bodyPr>
+          <a:lstStyle/>
+          <a:p>
+            <a:r>
+              <a:rPr lang="en-GB" b="1" dirty="0" err="1"/>
+              <a:t>positiveTrend</a:t>
+            </a:r>
+            <a:r>
+              <a:rPr lang="en-GB" b="1" dirty="0"/>
+              <a:t>: </a:t>
+            </a:r>
+            <a:r>
+              <a:rPr lang="pt-BR" b="1" dirty="0"/>
+              <a:t>196</a:t>
+            </a:r>
+          </a:p>
+        </p:txBody>
+      </p:sp>
+      <p:sp>
+        <p:nvSpPr>
+          <p:cNvPr id="8" name="CaixaDeTexto 7">
+            <a:extLst>
+              <a:ext uri="{FF2B5EF4-FFF2-40B4-BE49-F238E27FC236}">
+                <a16:creationId xmlns:a16="http://schemas.microsoft.com/office/drawing/2014/main" id="{1FDBEF65-CFD7-474D-8AF7-1F5830C2566A}"/>
+              </a:ext>
+            </a:extLst>
+          </p:cNvPr>
+          <p:cNvSpPr txBox="1"/>
+          <p:nvPr/>
+        </p:nvSpPr>
+        <p:spPr>
+          <a:xfrm>
+            <a:off x="9888966" y="1712249"/>
+            <a:ext cx="1021433" cy="369332"/>
+          </a:xfrm>
+          <a:prstGeom prst="rect">
+            <a:avLst/>
+          </a:prstGeom>
+          <a:noFill/>
+        </p:spPr>
+        <p:txBody>
+          <a:bodyPr wrap="none" rtlCol="0">
+            <a:spAutoFit/>
+          </a:bodyPr>
+          <a:lstStyle/>
+          <a:p>
+            <a:r>
+              <a:rPr lang="en-GB" b="1" dirty="0"/>
+              <a:t>none: </a:t>
+            </a:r>
+            <a:r>
+              <a:rPr lang="pt-BR" b="1" dirty="0"/>
+              <a:t>29</a:t>
+            </a:r>
+          </a:p>
+        </p:txBody>
+      </p:sp>
+      <p:sp>
+        <p:nvSpPr>
+          <p:cNvPr id="9" name="CaixaDeTexto 8">
+            <a:extLst>
+              <a:ext uri="{FF2B5EF4-FFF2-40B4-BE49-F238E27FC236}">
+                <a16:creationId xmlns:a16="http://schemas.microsoft.com/office/drawing/2014/main" id="{95625B48-09EC-4BE3-B25C-A0D2981B9D97}"/>
+              </a:ext>
+            </a:extLst>
+          </p:cNvPr>
+          <p:cNvSpPr txBox="1"/>
+          <p:nvPr/>
+        </p:nvSpPr>
+        <p:spPr>
+          <a:xfrm>
+            <a:off x="9888966" y="1342917"/>
+            <a:ext cx="2010294" cy="369332"/>
+          </a:xfrm>
+          <a:prstGeom prst="rect">
+            <a:avLst/>
+          </a:prstGeom>
+          <a:noFill/>
+        </p:spPr>
+        <p:txBody>
+          <a:bodyPr wrap="none" rtlCol="0">
+            <a:spAutoFit/>
+          </a:bodyPr>
+          <a:lstStyle/>
+          <a:p>
+            <a:r>
+              <a:rPr lang="en-GB" b="1" dirty="0" err="1"/>
+              <a:t>negativeTrend</a:t>
+            </a:r>
+            <a:r>
+              <a:rPr lang="en-GB" b="1" dirty="0"/>
+              <a:t>: </a:t>
+            </a:r>
+            <a:r>
+              <a:rPr lang="pt-BR" b="1" dirty="0"/>
+              <a:t>162</a:t>
+            </a:r>
+          </a:p>
+        </p:txBody>
+      </p:sp>
+      <p:sp>
+        <p:nvSpPr>
+          <p:cNvPr id="10" name="CaixaDeTexto 9">
+            <a:extLst>
+              <a:ext uri="{FF2B5EF4-FFF2-40B4-BE49-F238E27FC236}">
+                <a16:creationId xmlns:a16="http://schemas.microsoft.com/office/drawing/2014/main" id="{0FF6BB79-960A-4456-9CEA-7891CAB1F8EA}"/>
+              </a:ext>
+            </a:extLst>
+          </p:cNvPr>
+          <p:cNvSpPr txBox="1"/>
+          <p:nvPr/>
+        </p:nvSpPr>
+        <p:spPr>
+          <a:xfrm>
+            <a:off x="9888966" y="616466"/>
+            <a:ext cx="1244251" cy="369332"/>
+          </a:xfrm>
+          <a:prstGeom prst="rect">
+            <a:avLst/>
+          </a:prstGeom>
+          <a:noFill/>
+        </p:spPr>
+        <p:txBody>
+          <a:bodyPr wrap="none" rtlCol="0">
+            <a:spAutoFit/>
+          </a:bodyPr>
+          <a:lstStyle/>
+          <a:p>
+            <a:r>
+              <a:rPr lang="en-GB" b="1" dirty="0">
+                <a:solidFill>
+                  <a:srgbClr val="FF0000"/>
+                </a:solidFill>
+              </a:rPr>
+              <a:t>alpha: </a:t>
+            </a:r>
+            <a:r>
+              <a:rPr lang="pt-BR" b="1" dirty="0">
+                <a:solidFill>
+                  <a:srgbClr val="FF0000"/>
+                </a:solidFill>
+              </a:rPr>
+              <a:t>0.05</a:t>
+            </a:r>
+          </a:p>
+        </p:txBody>
+      </p:sp>
+    </p:spTree>
+    <p:extLst>
+      <p:ext uri="{BB962C8B-B14F-4D97-AF65-F5344CB8AC3E}">
+        <p14:creationId xmlns:p14="http://schemas.microsoft.com/office/powerpoint/2010/main" val="401797124"/>
+      </p:ext>
+    </p:extLst>
+  </p:cSld>
+  <p:clrMapOvr>
+    <a:masterClrMapping/>
+  </p:clrMapOvr>
+</p:sld>
+</file>
+
+<file path=ppt/slides/slide22.xml><?xml version="1.0" encoding="utf-8"?>
+<p:sld xmlns:a="http://schemas.openxmlformats.org/drawingml/2006/main" xmlns:r="http://schemas.openxmlformats.org/officeDocument/2006/relationships" xmlns:p="http://schemas.openxmlformats.org/presentationml/2006/main">
+  <p:cSld>
+    <p:spTree>
+      <p:nvGrpSpPr>
+        <p:cNvPr id="1" name=""/>
+        <p:cNvGrpSpPr/>
+        <p:nvPr/>
+      </p:nvGrpSpPr>
+      <p:grpSpPr>
+        <a:xfrm>
+          <a:off x="0" y="0"/>
+          <a:ext cx="0" cy="0"/>
+          <a:chOff x="0" y="0"/>
+          <a:chExt cx="0" cy="0"/>
+        </a:xfrm>
+      </p:grpSpPr>
+      <p:pic>
+        <p:nvPicPr>
+          <p:cNvPr id="5" name="Imagem 4" descr="Gráfico, Histograma&#10;&#10;Descrição gerada automaticamente">
+            <a:extLst>
+              <a:ext uri="{FF2B5EF4-FFF2-40B4-BE49-F238E27FC236}">
+                <a16:creationId xmlns:a16="http://schemas.microsoft.com/office/drawing/2014/main" id="{2B10AC45-CF6B-4288-9D55-E93D20F0D09C}"/>
+              </a:ext>
+            </a:extLst>
+          </p:cNvPr>
+          <p:cNvPicPr>
+            <a:picLocks noChangeAspect="1"/>
+          </p:cNvPicPr>
+          <p:nvPr/>
+        </p:nvPicPr>
+        <p:blipFill>
+          <a:blip r:embed="rId2"/>
+          <a:stretch>
+            <a:fillRect/>
+          </a:stretch>
+        </p:blipFill>
+        <p:spPr>
+          <a:xfrm>
+            <a:off x="292740" y="247134"/>
+            <a:ext cx="9239508" cy="5666040"/>
+          </a:xfrm>
+          <a:prstGeom prst="rect">
+            <a:avLst/>
+          </a:prstGeom>
+        </p:spPr>
+      </p:pic>
+      <p:sp>
+        <p:nvSpPr>
+          <p:cNvPr id="6" name="CaixaDeTexto 5">
+            <a:extLst>
+              <a:ext uri="{FF2B5EF4-FFF2-40B4-BE49-F238E27FC236}">
+                <a16:creationId xmlns:a16="http://schemas.microsoft.com/office/drawing/2014/main" id="{672755B4-FC95-439B-B912-0AD6499E53FA}"/>
+              </a:ext>
+            </a:extLst>
+          </p:cNvPr>
+          <p:cNvSpPr txBox="1"/>
+          <p:nvPr/>
+        </p:nvSpPr>
+        <p:spPr>
+          <a:xfrm>
+            <a:off x="9532248" y="628134"/>
+            <a:ext cx="659155" cy="369332"/>
+          </a:xfrm>
+          <a:prstGeom prst="rect">
+            <a:avLst/>
+          </a:prstGeom>
+          <a:noFill/>
+        </p:spPr>
+        <p:txBody>
+          <a:bodyPr wrap="none" rtlCol="0">
+            <a:spAutoFit/>
+          </a:bodyPr>
+          <a:lstStyle/>
+          <a:p>
+            <a:r>
+              <a:rPr lang="en-GB" b="1" dirty="0">
+                <a:solidFill>
+                  <a:srgbClr val="FF0000"/>
+                </a:solidFill>
+              </a:rPr>
+              <a:t>n: </a:t>
+            </a:r>
+            <a:r>
+              <a:rPr lang="pt-BR" b="1" dirty="0">
+                <a:solidFill>
+                  <a:srgbClr val="FF0000"/>
+                </a:solidFill>
+              </a:rPr>
+              <a:t>21</a:t>
+            </a:r>
+          </a:p>
+        </p:txBody>
+      </p:sp>
+      <p:sp>
+        <p:nvSpPr>
+          <p:cNvPr id="7" name="CaixaDeTexto 6">
+            <a:extLst>
+              <a:ext uri="{FF2B5EF4-FFF2-40B4-BE49-F238E27FC236}">
+                <a16:creationId xmlns:a16="http://schemas.microsoft.com/office/drawing/2014/main" id="{BF7EBB8F-6E7D-4E22-AED3-C5DF5699C6FF}"/>
+              </a:ext>
+            </a:extLst>
+          </p:cNvPr>
+          <p:cNvSpPr txBox="1"/>
+          <p:nvPr/>
+        </p:nvSpPr>
+        <p:spPr>
+          <a:xfrm>
+            <a:off x="9533493" y="1366798"/>
+            <a:ext cx="1949060" cy="369332"/>
+          </a:xfrm>
+          <a:prstGeom prst="rect">
+            <a:avLst/>
+          </a:prstGeom>
+          <a:noFill/>
+        </p:spPr>
+        <p:txBody>
+          <a:bodyPr wrap="none" rtlCol="0">
+            <a:spAutoFit/>
+          </a:bodyPr>
+          <a:lstStyle/>
+          <a:p>
+            <a:r>
+              <a:rPr lang="en-GB" b="1" dirty="0" err="1"/>
+              <a:t>positiveTrend</a:t>
+            </a:r>
+            <a:r>
+              <a:rPr lang="en-GB" b="1" dirty="0"/>
+              <a:t>: </a:t>
+            </a:r>
+            <a:r>
+              <a:rPr lang="pt-BR" b="1" dirty="0"/>
+              <a:t>189</a:t>
+            </a:r>
+          </a:p>
+        </p:txBody>
+      </p:sp>
+      <p:sp>
+        <p:nvSpPr>
+          <p:cNvPr id="8" name="CaixaDeTexto 7">
+            <a:extLst>
+              <a:ext uri="{FF2B5EF4-FFF2-40B4-BE49-F238E27FC236}">
+                <a16:creationId xmlns:a16="http://schemas.microsoft.com/office/drawing/2014/main" id="{C53EB9A2-40BA-4A3B-9A2A-2F0B2B5CB556}"/>
+              </a:ext>
+            </a:extLst>
+          </p:cNvPr>
+          <p:cNvSpPr txBox="1"/>
+          <p:nvPr/>
+        </p:nvSpPr>
+        <p:spPr>
+          <a:xfrm>
+            <a:off x="9532248" y="2093249"/>
+            <a:ext cx="1021433" cy="369332"/>
+          </a:xfrm>
+          <a:prstGeom prst="rect">
+            <a:avLst/>
+          </a:prstGeom>
+          <a:noFill/>
+        </p:spPr>
+        <p:txBody>
+          <a:bodyPr wrap="none" rtlCol="0">
+            <a:spAutoFit/>
+          </a:bodyPr>
+          <a:lstStyle/>
+          <a:p>
+            <a:r>
+              <a:rPr lang="en-GB" b="1" dirty="0"/>
+              <a:t>none: </a:t>
+            </a:r>
+            <a:r>
+              <a:rPr lang="pt-BR" b="1" dirty="0"/>
+              <a:t>41</a:t>
+            </a:r>
+          </a:p>
+        </p:txBody>
+      </p:sp>
+      <p:sp>
+        <p:nvSpPr>
+          <p:cNvPr id="9" name="CaixaDeTexto 8">
+            <a:extLst>
+              <a:ext uri="{FF2B5EF4-FFF2-40B4-BE49-F238E27FC236}">
+                <a16:creationId xmlns:a16="http://schemas.microsoft.com/office/drawing/2014/main" id="{B52C033E-10AC-4067-ABCE-21DEBEDD71ED}"/>
+              </a:ext>
+            </a:extLst>
+          </p:cNvPr>
+          <p:cNvSpPr txBox="1"/>
+          <p:nvPr/>
+        </p:nvSpPr>
+        <p:spPr>
+          <a:xfrm>
+            <a:off x="9532248" y="1723917"/>
+            <a:ext cx="2010294" cy="369332"/>
+          </a:xfrm>
+          <a:prstGeom prst="rect">
+            <a:avLst/>
+          </a:prstGeom>
+          <a:noFill/>
+        </p:spPr>
+        <p:txBody>
+          <a:bodyPr wrap="none" rtlCol="0">
+            <a:spAutoFit/>
+          </a:bodyPr>
+          <a:lstStyle/>
+          <a:p>
+            <a:r>
+              <a:rPr lang="en-GB" b="1" dirty="0" err="1"/>
+              <a:t>negativeTrend</a:t>
+            </a:r>
+            <a:r>
+              <a:rPr lang="en-GB" b="1" dirty="0"/>
+              <a:t>: </a:t>
+            </a:r>
+            <a:r>
+              <a:rPr lang="pt-BR" b="1" dirty="0"/>
+              <a:t>157</a:t>
+            </a:r>
+          </a:p>
+        </p:txBody>
+      </p:sp>
+      <p:sp>
+        <p:nvSpPr>
+          <p:cNvPr id="10" name="CaixaDeTexto 9">
+            <a:extLst>
+              <a:ext uri="{FF2B5EF4-FFF2-40B4-BE49-F238E27FC236}">
+                <a16:creationId xmlns:a16="http://schemas.microsoft.com/office/drawing/2014/main" id="{7E606547-3C0B-4AF4-A4FD-A8D701EDAA67}"/>
+              </a:ext>
+            </a:extLst>
+          </p:cNvPr>
+          <p:cNvSpPr txBox="1"/>
+          <p:nvPr/>
+        </p:nvSpPr>
+        <p:spPr>
+          <a:xfrm>
+            <a:off x="9532248" y="997466"/>
+            <a:ext cx="1244251" cy="369332"/>
+          </a:xfrm>
+          <a:prstGeom prst="rect">
+            <a:avLst/>
+          </a:prstGeom>
+          <a:noFill/>
+        </p:spPr>
+        <p:txBody>
+          <a:bodyPr wrap="none" rtlCol="0">
+            <a:spAutoFit/>
+          </a:bodyPr>
+          <a:lstStyle/>
+          <a:p>
+            <a:r>
+              <a:rPr lang="en-GB" b="1" dirty="0">
+                <a:solidFill>
+                  <a:srgbClr val="FF0000"/>
+                </a:solidFill>
+              </a:rPr>
+              <a:t>alpha: </a:t>
+            </a:r>
+            <a:r>
+              <a:rPr lang="pt-BR" b="1" dirty="0">
+                <a:solidFill>
+                  <a:srgbClr val="FF0000"/>
+                </a:solidFill>
+              </a:rPr>
+              <a:t>0.01</a:t>
+            </a:r>
+          </a:p>
+        </p:txBody>
+      </p:sp>
+    </p:spTree>
+    <p:extLst>
+      <p:ext uri="{BB962C8B-B14F-4D97-AF65-F5344CB8AC3E}">
+        <p14:creationId xmlns:p14="http://schemas.microsoft.com/office/powerpoint/2010/main" val="578589143"/>
+      </p:ext>
+    </p:extLst>
+  </p:cSld>
+  <p:clrMapOvr>
+    <a:masterClrMapping/>
+  </p:clrMapOvr>
+</p:sld>
+</file>
+
+<file path=ppt/slides/slide23.xml><?xml version="1.0" encoding="utf-8"?>
+<p:sld xmlns:a="http://schemas.openxmlformats.org/drawingml/2006/main" xmlns:r="http://schemas.openxmlformats.org/officeDocument/2006/relationships" xmlns:p="http://schemas.openxmlformats.org/presentationml/2006/main">
+  <p:cSld>
+    <p:spTree>
+      <p:nvGrpSpPr>
+        <p:cNvPr id="1" name=""/>
+        <p:cNvGrpSpPr/>
+        <p:nvPr/>
+      </p:nvGrpSpPr>
+      <p:grpSpPr>
+        <a:xfrm>
+          <a:off x="0" y="0"/>
+          <a:ext cx="0" cy="0"/>
+          <a:chOff x="0" y="0"/>
+          <a:chExt cx="0" cy="0"/>
+        </a:xfrm>
+      </p:grpSpPr>
+      <p:sp>
+        <p:nvSpPr>
+          <p:cNvPr id="2" name="Título 1">
+            <a:extLst>
+              <a:ext uri="{FF2B5EF4-FFF2-40B4-BE49-F238E27FC236}">
+                <a16:creationId xmlns:a16="http://schemas.microsoft.com/office/drawing/2014/main" id="{F8D04298-3736-44A6-AD37-2CB98F7C8665}"/>
+              </a:ext>
+            </a:extLst>
+          </p:cNvPr>
+          <p:cNvSpPr>
+            <a:spLocks noGrp="1"/>
+          </p:cNvSpPr>
+          <p:nvPr>
+            <p:ph type="title"/>
+          </p:nvPr>
+        </p:nvSpPr>
+        <p:spPr/>
+        <p:txBody>
+          <a:bodyPr/>
+          <a:lstStyle/>
+          <a:p>
+            <a:r>
+              <a:rPr lang="en-GB" dirty="0" err="1"/>
+              <a:t>Experimento</a:t>
+            </a:r>
+            <a:r>
+              <a:rPr lang="en-GB" dirty="0"/>
+              <a:t> 4</a:t>
+            </a:r>
+          </a:p>
+        </p:txBody>
+      </p:sp>
+      <p:sp>
+        <p:nvSpPr>
+          <p:cNvPr id="10" name="CaixaDeTexto 9">
+            <a:extLst>
+              <a:ext uri="{FF2B5EF4-FFF2-40B4-BE49-F238E27FC236}">
+                <a16:creationId xmlns:a16="http://schemas.microsoft.com/office/drawing/2014/main" id="{762E5F61-4F2C-4469-A5D3-E2567EFCD744}"/>
+              </a:ext>
+            </a:extLst>
+          </p:cNvPr>
+          <p:cNvSpPr txBox="1"/>
+          <p:nvPr/>
+        </p:nvSpPr>
+        <p:spPr>
+          <a:xfrm>
+            <a:off x="6553200" y="1898808"/>
+            <a:ext cx="941604" cy="369332"/>
+          </a:xfrm>
+          <a:prstGeom prst="rect">
+            <a:avLst/>
+          </a:prstGeom>
+          <a:noFill/>
+        </p:spPr>
+        <p:txBody>
+          <a:bodyPr wrap="none" rtlCol="0">
+            <a:spAutoFit/>
+          </a:bodyPr>
+          <a:lstStyle/>
+          <a:p>
+            <a:r>
+              <a:rPr lang="en-GB" b="1" dirty="0"/>
+              <a:t>País: US</a:t>
+            </a:r>
+          </a:p>
+        </p:txBody>
+      </p:sp>
+      <p:sp>
+        <p:nvSpPr>
+          <p:cNvPr id="11" name="CaixaDeTexto 10">
+            <a:extLst>
+              <a:ext uri="{FF2B5EF4-FFF2-40B4-BE49-F238E27FC236}">
+                <a16:creationId xmlns:a16="http://schemas.microsoft.com/office/drawing/2014/main" id="{4A94F2F3-9517-4AF5-91F3-8D7FDFE4FBF4}"/>
+              </a:ext>
+            </a:extLst>
+          </p:cNvPr>
+          <p:cNvSpPr txBox="1"/>
+          <p:nvPr/>
+        </p:nvSpPr>
+        <p:spPr>
+          <a:xfrm>
+            <a:off x="6553200" y="3059668"/>
+            <a:ext cx="2010037" cy="369332"/>
+          </a:xfrm>
+          <a:prstGeom prst="rect">
+            <a:avLst/>
+          </a:prstGeom>
+          <a:noFill/>
+        </p:spPr>
+        <p:txBody>
+          <a:bodyPr wrap="none" rtlCol="0">
+            <a:spAutoFit/>
+          </a:bodyPr>
+          <a:lstStyle/>
+          <a:p>
+            <a:r>
+              <a:rPr lang="en-GB" b="1" dirty="0"/>
+              <a:t>n: 408 </a:t>
+            </a:r>
+            <a:r>
+              <a:rPr lang="pt-BR" b="1" dirty="0"/>
+              <a:t>observações</a:t>
+            </a:r>
+          </a:p>
+        </p:txBody>
+      </p:sp>
+      <p:sp>
+        <p:nvSpPr>
+          <p:cNvPr id="12" name="CaixaDeTexto 11">
+            <a:extLst>
+              <a:ext uri="{FF2B5EF4-FFF2-40B4-BE49-F238E27FC236}">
+                <a16:creationId xmlns:a16="http://schemas.microsoft.com/office/drawing/2014/main" id="{76420631-9288-4E8A-B5BC-3C99FDB56983}"/>
+              </a:ext>
+            </a:extLst>
+          </p:cNvPr>
+          <p:cNvSpPr txBox="1"/>
+          <p:nvPr/>
+        </p:nvSpPr>
+        <p:spPr>
+          <a:xfrm>
+            <a:off x="6553200" y="2666882"/>
+            <a:ext cx="4240520" cy="369332"/>
+          </a:xfrm>
+          <a:prstGeom prst="rect">
+            <a:avLst/>
+          </a:prstGeom>
+          <a:noFill/>
+        </p:spPr>
+        <p:txBody>
+          <a:bodyPr wrap="none" rtlCol="0">
+            <a:spAutoFit/>
+          </a:bodyPr>
+          <a:lstStyle/>
+          <a:p>
+            <a:r>
+              <a:rPr lang="en-GB" b="1" dirty="0" err="1"/>
+              <a:t>Período</a:t>
+            </a:r>
+            <a:r>
+              <a:rPr lang="en-GB" b="1" dirty="0"/>
+              <a:t>: US – 23/Jan/2020 – 19/mar/2021</a:t>
+            </a:r>
+          </a:p>
+        </p:txBody>
+      </p:sp>
+      <p:sp>
+        <p:nvSpPr>
+          <p:cNvPr id="13" name="CaixaDeTexto 12">
+            <a:extLst>
+              <a:ext uri="{FF2B5EF4-FFF2-40B4-BE49-F238E27FC236}">
+                <a16:creationId xmlns:a16="http://schemas.microsoft.com/office/drawing/2014/main" id="{229A128D-23FE-4659-969A-52FADE9A8401}"/>
+              </a:ext>
+            </a:extLst>
+          </p:cNvPr>
+          <p:cNvSpPr txBox="1"/>
+          <p:nvPr/>
+        </p:nvSpPr>
+        <p:spPr>
+          <a:xfrm>
+            <a:off x="6553200" y="2282845"/>
+            <a:ext cx="3740576" cy="369332"/>
+          </a:xfrm>
+          <a:prstGeom prst="rect">
+            <a:avLst/>
+          </a:prstGeom>
+          <a:noFill/>
+        </p:spPr>
+        <p:txBody>
+          <a:bodyPr wrap="none" rtlCol="0">
+            <a:spAutoFit/>
+          </a:bodyPr>
+          <a:lstStyle/>
+          <a:p>
+            <a:r>
+              <a:rPr lang="en-GB" b="1" dirty="0"/>
+              <a:t>TS: Log da MM14 da </a:t>
+            </a:r>
+            <a:r>
+              <a:rPr lang="pt-BR" b="1" dirty="0"/>
+              <a:t>Incidência diária</a:t>
+            </a:r>
+          </a:p>
+        </p:txBody>
+      </p:sp>
+      <p:pic>
+        <p:nvPicPr>
+          <p:cNvPr id="4" name="Imagem 3" descr="Gráfico, Gráfico de linhas, Histograma&#10;&#10;Descrição gerada automaticamente">
+            <a:extLst>
+              <a:ext uri="{FF2B5EF4-FFF2-40B4-BE49-F238E27FC236}">
+                <a16:creationId xmlns:a16="http://schemas.microsoft.com/office/drawing/2014/main" id="{51CF9093-E84C-49D8-B51F-2FE9808BEB1F}"/>
+              </a:ext>
+            </a:extLst>
+          </p:cNvPr>
+          <p:cNvPicPr>
+            <a:picLocks noChangeAspect="1"/>
+          </p:cNvPicPr>
+          <p:nvPr/>
+        </p:nvPicPr>
+        <p:blipFill>
+          <a:blip r:embed="rId2"/>
+          <a:stretch>
+            <a:fillRect/>
+          </a:stretch>
+        </p:blipFill>
+        <p:spPr>
+          <a:xfrm>
+            <a:off x="272985" y="1697235"/>
+            <a:ext cx="6149268" cy="3960000"/>
+          </a:xfrm>
+          <a:prstGeom prst="rect">
+            <a:avLst/>
+          </a:prstGeom>
+        </p:spPr>
+      </p:pic>
+    </p:spTree>
+    <p:extLst>
+      <p:ext uri="{BB962C8B-B14F-4D97-AF65-F5344CB8AC3E}">
+        <p14:creationId xmlns:p14="http://schemas.microsoft.com/office/powerpoint/2010/main" val="1656746077"/>
+      </p:ext>
+    </p:extLst>
+  </p:cSld>
+  <p:clrMapOvr>
+    <a:masterClrMapping/>
+  </p:clrMapOvr>
+</p:sld>
+</file>
+
+<file path=ppt/slides/slide24.xml><?xml version="1.0" encoding="utf-8"?>
+<p:sld xmlns:a="http://schemas.openxmlformats.org/drawingml/2006/main" xmlns:r="http://schemas.openxmlformats.org/officeDocument/2006/relationships" xmlns:p="http://schemas.openxmlformats.org/presentationml/2006/main">
+  <p:cSld>
+    <p:spTree>
+      <p:nvGrpSpPr>
+        <p:cNvPr id="1" name=""/>
+        <p:cNvGrpSpPr/>
+        <p:nvPr/>
+      </p:nvGrpSpPr>
+      <p:grpSpPr>
+        <a:xfrm>
+          <a:off x="0" y="0"/>
+          <a:ext cx="0" cy="0"/>
+          <a:chOff x="0" y="0"/>
+          <a:chExt cx="0" cy="0"/>
+        </a:xfrm>
+      </p:grpSpPr>
+      <p:pic>
+        <p:nvPicPr>
+          <p:cNvPr id="5" name="Imagem 4" descr="Gráfico, Histograma&#10;&#10;Descrição gerada automaticamente">
+            <a:extLst>
+              <a:ext uri="{FF2B5EF4-FFF2-40B4-BE49-F238E27FC236}">
+                <a16:creationId xmlns:a16="http://schemas.microsoft.com/office/drawing/2014/main" id="{233353CA-45C9-4AD9-8EDD-0A99D8BE7D3B}"/>
+              </a:ext>
+            </a:extLst>
+          </p:cNvPr>
+          <p:cNvPicPr>
+            <a:picLocks noChangeAspect="1"/>
+          </p:cNvPicPr>
+          <p:nvPr/>
+        </p:nvPicPr>
+        <p:blipFill>
+          <a:blip r:embed="rId2"/>
+          <a:stretch>
+            <a:fillRect/>
+          </a:stretch>
+        </p:blipFill>
+        <p:spPr>
+          <a:xfrm>
+            <a:off x="110146" y="293936"/>
+            <a:ext cx="10214864" cy="5760000"/>
+          </a:xfrm>
+          <a:prstGeom prst="rect">
+            <a:avLst/>
+          </a:prstGeom>
+        </p:spPr>
+      </p:pic>
+      <p:sp>
+        <p:nvSpPr>
+          <p:cNvPr id="6" name="CaixaDeTexto 5">
+            <a:extLst>
+              <a:ext uri="{FF2B5EF4-FFF2-40B4-BE49-F238E27FC236}">
+                <a16:creationId xmlns:a16="http://schemas.microsoft.com/office/drawing/2014/main" id="{2ACF16B3-101E-4AD3-9E58-F074D65A98E1}"/>
+              </a:ext>
+            </a:extLst>
+          </p:cNvPr>
+          <p:cNvSpPr txBox="1"/>
+          <p:nvPr/>
+        </p:nvSpPr>
+        <p:spPr>
+          <a:xfrm>
+            <a:off x="10071560" y="293936"/>
+            <a:ext cx="659155" cy="369332"/>
+          </a:xfrm>
+          <a:prstGeom prst="rect">
+            <a:avLst/>
+          </a:prstGeom>
+          <a:noFill/>
+        </p:spPr>
+        <p:txBody>
+          <a:bodyPr wrap="none" rtlCol="0">
+            <a:spAutoFit/>
+          </a:bodyPr>
+          <a:lstStyle/>
+          <a:p>
+            <a:r>
+              <a:rPr lang="en-GB" b="1" dirty="0"/>
+              <a:t>n: </a:t>
+            </a:r>
+            <a:r>
+              <a:rPr lang="pt-BR" b="1" dirty="0"/>
+              <a:t>14</a:t>
+            </a:r>
+          </a:p>
+        </p:txBody>
+      </p:sp>
+      <p:sp>
+        <p:nvSpPr>
+          <p:cNvPr id="7" name="CaixaDeTexto 6">
+            <a:extLst>
+              <a:ext uri="{FF2B5EF4-FFF2-40B4-BE49-F238E27FC236}">
+                <a16:creationId xmlns:a16="http://schemas.microsoft.com/office/drawing/2014/main" id="{70EF098E-5D80-48C1-9D81-446111C00B2E}"/>
+              </a:ext>
+            </a:extLst>
+          </p:cNvPr>
+          <p:cNvSpPr txBox="1"/>
+          <p:nvPr/>
+        </p:nvSpPr>
+        <p:spPr>
+          <a:xfrm>
+            <a:off x="10072805" y="1032600"/>
+            <a:ext cx="1949060" cy="369332"/>
+          </a:xfrm>
+          <a:prstGeom prst="rect">
+            <a:avLst/>
+          </a:prstGeom>
+          <a:noFill/>
+        </p:spPr>
+        <p:txBody>
+          <a:bodyPr wrap="none" rtlCol="0">
+            <a:spAutoFit/>
+          </a:bodyPr>
+          <a:lstStyle/>
+          <a:p>
+            <a:r>
+              <a:rPr lang="en-GB" b="1" dirty="0" err="1"/>
+              <a:t>positiveTrend</a:t>
+            </a:r>
+            <a:r>
+              <a:rPr lang="en-GB" b="1" dirty="0"/>
+              <a:t>: </a:t>
+            </a:r>
+            <a:r>
+              <a:rPr lang="pt-BR" b="1" dirty="0"/>
+              <a:t>197</a:t>
+            </a:r>
+          </a:p>
+        </p:txBody>
+      </p:sp>
+      <p:sp>
+        <p:nvSpPr>
+          <p:cNvPr id="8" name="CaixaDeTexto 7">
+            <a:extLst>
+              <a:ext uri="{FF2B5EF4-FFF2-40B4-BE49-F238E27FC236}">
+                <a16:creationId xmlns:a16="http://schemas.microsoft.com/office/drawing/2014/main" id="{962C411E-959F-4296-A932-C98E363FDF18}"/>
+              </a:ext>
+            </a:extLst>
+          </p:cNvPr>
+          <p:cNvSpPr txBox="1"/>
+          <p:nvPr/>
+        </p:nvSpPr>
+        <p:spPr>
+          <a:xfrm>
+            <a:off x="10071560" y="1759051"/>
+            <a:ext cx="1021433" cy="369332"/>
+          </a:xfrm>
+          <a:prstGeom prst="rect">
+            <a:avLst/>
+          </a:prstGeom>
+          <a:noFill/>
+        </p:spPr>
+        <p:txBody>
+          <a:bodyPr wrap="none" rtlCol="0">
+            <a:spAutoFit/>
+          </a:bodyPr>
+          <a:lstStyle/>
+          <a:p>
+            <a:r>
+              <a:rPr lang="en-GB" b="1" dirty="0"/>
+              <a:t>none: </a:t>
+            </a:r>
+            <a:r>
+              <a:rPr lang="pt-BR" b="1" dirty="0"/>
+              <a:t>26</a:t>
+            </a:r>
+          </a:p>
+        </p:txBody>
+      </p:sp>
+      <p:sp>
+        <p:nvSpPr>
+          <p:cNvPr id="9" name="CaixaDeTexto 8">
+            <a:extLst>
+              <a:ext uri="{FF2B5EF4-FFF2-40B4-BE49-F238E27FC236}">
+                <a16:creationId xmlns:a16="http://schemas.microsoft.com/office/drawing/2014/main" id="{EB21D7DC-6B03-4A20-B7D6-15A535A7BE01}"/>
+              </a:ext>
+            </a:extLst>
+          </p:cNvPr>
+          <p:cNvSpPr txBox="1"/>
+          <p:nvPr/>
+        </p:nvSpPr>
+        <p:spPr>
+          <a:xfrm>
+            <a:off x="10071560" y="1389719"/>
+            <a:ext cx="2010294" cy="369332"/>
+          </a:xfrm>
+          <a:prstGeom prst="rect">
+            <a:avLst/>
+          </a:prstGeom>
+          <a:noFill/>
+        </p:spPr>
+        <p:txBody>
+          <a:bodyPr wrap="none" rtlCol="0">
+            <a:spAutoFit/>
+          </a:bodyPr>
+          <a:lstStyle/>
+          <a:p>
+            <a:r>
+              <a:rPr lang="en-GB" b="1" dirty="0" err="1"/>
+              <a:t>negativeTrend</a:t>
+            </a:r>
+            <a:r>
+              <a:rPr lang="en-GB" b="1" dirty="0"/>
+              <a:t>: </a:t>
+            </a:r>
+            <a:r>
+              <a:rPr lang="pt-BR" b="1" dirty="0"/>
+              <a:t>171</a:t>
+            </a:r>
+          </a:p>
+        </p:txBody>
+      </p:sp>
+      <p:sp>
+        <p:nvSpPr>
+          <p:cNvPr id="10" name="CaixaDeTexto 9">
+            <a:extLst>
+              <a:ext uri="{FF2B5EF4-FFF2-40B4-BE49-F238E27FC236}">
+                <a16:creationId xmlns:a16="http://schemas.microsoft.com/office/drawing/2014/main" id="{AFEC15D4-F9EF-4D2C-AA2B-2D7BB1EF2F30}"/>
+              </a:ext>
+            </a:extLst>
+          </p:cNvPr>
+          <p:cNvSpPr txBox="1"/>
+          <p:nvPr/>
+        </p:nvSpPr>
+        <p:spPr>
+          <a:xfrm>
+            <a:off x="10071560" y="663268"/>
+            <a:ext cx="1244251" cy="369332"/>
+          </a:xfrm>
+          <a:prstGeom prst="rect">
+            <a:avLst/>
+          </a:prstGeom>
+          <a:noFill/>
+        </p:spPr>
+        <p:txBody>
+          <a:bodyPr wrap="none" rtlCol="0">
+            <a:spAutoFit/>
+          </a:bodyPr>
+          <a:lstStyle/>
+          <a:p>
+            <a:r>
+              <a:rPr lang="en-GB" b="1" dirty="0"/>
+              <a:t>alpha: </a:t>
+            </a:r>
+            <a:r>
+              <a:rPr lang="pt-BR" b="1" dirty="0"/>
+              <a:t>0.05</a:t>
+            </a:r>
+          </a:p>
+        </p:txBody>
+      </p:sp>
+    </p:spTree>
+    <p:extLst>
+      <p:ext uri="{BB962C8B-B14F-4D97-AF65-F5344CB8AC3E}">
+        <p14:creationId xmlns:p14="http://schemas.microsoft.com/office/powerpoint/2010/main" val="1427971226"/>
+      </p:ext>
+    </p:extLst>
+  </p:cSld>
+  <p:clrMapOvr>
+    <a:masterClrMapping/>
+  </p:clrMapOvr>
+</p:sld>
+</file>
+
+<file path=ppt/slides/slide25.xml><?xml version="1.0" encoding="utf-8"?>
+<p:sld xmlns:a="http://schemas.openxmlformats.org/drawingml/2006/main" xmlns:r="http://schemas.openxmlformats.org/officeDocument/2006/relationships" xmlns:p="http://schemas.openxmlformats.org/presentationml/2006/main">
+  <p:cSld>
+    <p:spTree>
+      <p:nvGrpSpPr>
+        <p:cNvPr id="1" name=""/>
+        <p:cNvGrpSpPr/>
+        <p:nvPr/>
+      </p:nvGrpSpPr>
+      <p:grpSpPr>
+        <a:xfrm>
+          <a:off x="0" y="0"/>
+          <a:ext cx="0" cy="0"/>
+          <a:chOff x="0" y="0"/>
+          <a:chExt cx="0" cy="0"/>
+        </a:xfrm>
+      </p:grpSpPr>
+      <p:pic>
+        <p:nvPicPr>
+          <p:cNvPr id="5" name="Imagem 4" descr="Gráfico, Histograma&#10;&#10;Descrição gerada automaticamente">
+            <a:extLst>
+              <a:ext uri="{FF2B5EF4-FFF2-40B4-BE49-F238E27FC236}">
+                <a16:creationId xmlns:a16="http://schemas.microsoft.com/office/drawing/2014/main" id="{7F57DA56-CB29-4FC6-8C77-A540D83BD8B6}"/>
+              </a:ext>
+            </a:extLst>
+          </p:cNvPr>
+          <p:cNvPicPr>
+            <a:picLocks noChangeAspect="1"/>
+          </p:cNvPicPr>
+          <p:nvPr/>
+        </p:nvPicPr>
+        <p:blipFill>
+          <a:blip r:embed="rId2"/>
+          <a:stretch>
+            <a:fillRect/>
+          </a:stretch>
+        </p:blipFill>
+        <p:spPr>
+          <a:xfrm>
+            <a:off x="120586" y="369000"/>
+            <a:ext cx="9941207" cy="5760000"/>
+          </a:xfrm>
+          <a:prstGeom prst="rect">
+            <a:avLst/>
+          </a:prstGeom>
+        </p:spPr>
+      </p:pic>
+      <p:sp>
+        <p:nvSpPr>
+          <p:cNvPr id="6" name="CaixaDeTexto 5">
+            <a:extLst>
+              <a:ext uri="{FF2B5EF4-FFF2-40B4-BE49-F238E27FC236}">
+                <a16:creationId xmlns:a16="http://schemas.microsoft.com/office/drawing/2014/main" id="{7B98031A-8872-4111-B909-0095EF0F4AAD}"/>
+              </a:ext>
+            </a:extLst>
+          </p:cNvPr>
+          <p:cNvSpPr txBox="1"/>
+          <p:nvPr/>
+        </p:nvSpPr>
+        <p:spPr>
+          <a:xfrm>
+            <a:off x="10061120" y="369000"/>
+            <a:ext cx="659155" cy="369332"/>
+          </a:xfrm>
+          <a:prstGeom prst="rect">
+            <a:avLst/>
+          </a:prstGeom>
+          <a:noFill/>
+        </p:spPr>
+        <p:txBody>
+          <a:bodyPr wrap="none" rtlCol="0">
+            <a:spAutoFit/>
+          </a:bodyPr>
+          <a:lstStyle/>
+          <a:p>
+            <a:r>
+              <a:rPr lang="en-GB" b="1" dirty="0"/>
+              <a:t>n: </a:t>
+            </a:r>
+            <a:r>
+              <a:rPr lang="pt-BR" b="1" dirty="0"/>
+              <a:t>14</a:t>
+            </a:r>
+          </a:p>
+        </p:txBody>
+      </p:sp>
+      <p:sp>
+        <p:nvSpPr>
+          <p:cNvPr id="7" name="CaixaDeTexto 6">
+            <a:extLst>
+              <a:ext uri="{FF2B5EF4-FFF2-40B4-BE49-F238E27FC236}">
+                <a16:creationId xmlns:a16="http://schemas.microsoft.com/office/drawing/2014/main" id="{F605D4B2-1DDE-467C-A84E-897EF4899725}"/>
+              </a:ext>
+            </a:extLst>
+          </p:cNvPr>
+          <p:cNvSpPr txBox="1"/>
+          <p:nvPr/>
+        </p:nvSpPr>
+        <p:spPr>
+          <a:xfrm>
+            <a:off x="10062365" y="1107664"/>
+            <a:ext cx="1949060" cy="369332"/>
+          </a:xfrm>
+          <a:prstGeom prst="rect">
+            <a:avLst/>
+          </a:prstGeom>
+          <a:noFill/>
+        </p:spPr>
+        <p:txBody>
+          <a:bodyPr wrap="none" rtlCol="0">
+            <a:spAutoFit/>
+          </a:bodyPr>
+          <a:lstStyle/>
+          <a:p>
+            <a:r>
+              <a:rPr lang="en-GB" b="1" dirty="0" err="1"/>
+              <a:t>positiveTrend</a:t>
+            </a:r>
+            <a:r>
+              <a:rPr lang="en-GB" b="1" dirty="0"/>
+              <a:t>: </a:t>
+            </a:r>
+            <a:r>
+              <a:rPr lang="pt-BR" b="1" dirty="0"/>
+              <a:t>191</a:t>
+            </a:r>
+          </a:p>
+        </p:txBody>
+      </p:sp>
+      <p:sp>
+        <p:nvSpPr>
+          <p:cNvPr id="8" name="CaixaDeTexto 7">
+            <a:extLst>
+              <a:ext uri="{FF2B5EF4-FFF2-40B4-BE49-F238E27FC236}">
+                <a16:creationId xmlns:a16="http://schemas.microsoft.com/office/drawing/2014/main" id="{8200BE85-E94C-4889-9A7A-66C5836513A9}"/>
+              </a:ext>
+            </a:extLst>
+          </p:cNvPr>
+          <p:cNvSpPr txBox="1"/>
+          <p:nvPr/>
+        </p:nvSpPr>
+        <p:spPr>
+          <a:xfrm>
+            <a:off x="10061120" y="1834115"/>
+            <a:ext cx="1021433" cy="369332"/>
+          </a:xfrm>
+          <a:prstGeom prst="rect">
+            <a:avLst/>
+          </a:prstGeom>
+          <a:noFill/>
+        </p:spPr>
+        <p:txBody>
+          <a:bodyPr wrap="none" rtlCol="0">
+            <a:spAutoFit/>
+          </a:bodyPr>
+          <a:lstStyle/>
+          <a:p>
+            <a:r>
+              <a:rPr lang="en-GB" b="1" dirty="0"/>
+              <a:t>none: </a:t>
+            </a:r>
+            <a:r>
+              <a:rPr lang="pt-BR" b="1" dirty="0"/>
+              <a:t>36</a:t>
+            </a:r>
+          </a:p>
+        </p:txBody>
+      </p:sp>
+      <p:sp>
+        <p:nvSpPr>
+          <p:cNvPr id="9" name="CaixaDeTexto 8">
+            <a:extLst>
+              <a:ext uri="{FF2B5EF4-FFF2-40B4-BE49-F238E27FC236}">
+                <a16:creationId xmlns:a16="http://schemas.microsoft.com/office/drawing/2014/main" id="{231DE9FF-95DE-4F44-B35F-E3C5863F71A3}"/>
+              </a:ext>
+            </a:extLst>
+          </p:cNvPr>
+          <p:cNvSpPr txBox="1"/>
+          <p:nvPr/>
+        </p:nvSpPr>
+        <p:spPr>
+          <a:xfrm>
+            <a:off x="10061120" y="1464783"/>
+            <a:ext cx="2010294" cy="369332"/>
+          </a:xfrm>
+          <a:prstGeom prst="rect">
+            <a:avLst/>
+          </a:prstGeom>
+          <a:noFill/>
+        </p:spPr>
+        <p:txBody>
+          <a:bodyPr wrap="none" rtlCol="0">
+            <a:spAutoFit/>
+          </a:bodyPr>
+          <a:lstStyle/>
+          <a:p>
+            <a:r>
+              <a:rPr lang="en-GB" b="1" dirty="0" err="1"/>
+              <a:t>negativeTrend</a:t>
+            </a:r>
+            <a:r>
+              <a:rPr lang="en-GB" b="1" dirty="0"/>
+              <a:t>: </a:t>
+            </a:r>
+            <a:r>
+              <a:rPr lang="pt-BR" b="1" dirty="0"/>
+              <a:t>167</a:t>
+            </a:r>
+          </a:p>
+        </p:txBody>
+      </p:sp>
+      <p:sp>
+        <p:nvSpPr>
+          <p:cNvPr id="10" name="CaixaDeTexto 9">
+            <a:extLst>
+              <a:ext uri="{FF2B5EF4-FFF2-40B4-BE49-F238E27FC236}">
+                <a16:creationId xmlns:a16="http://schemas.microsoft.com/office/drawing/2014/main" id="{548F1142-C3E6-40A8-974A-C547BD117790}"/>
+              </a:ext>
+            </a:extLst>
+          </p:cNvPr>
+          <p:cNvSpPr txBox="1"/>
+          <p:nvPr/>
+        </p:nvSpPr>
+        <p:spPr>
+          <a:xfrm>
+            <a:off x="10061120" y="738332"/>
+            <a:ext cx="1244251" cy="369332"/>
+          </a:xfrm>
+          <a:prstGeom prst="rect">
+            <a:avLst/>
+          </a:prstGeom>
+          <a:noFill/>
+        </p:spPr>
+        <p:txBody>
+          <a:bodyPr wrap="none" rtlCol="0">
+            <a:spAutoFit/>
+          </a:bodyPr>
+          <a:lstStyle/>
+          <a:p>
+            <a:r>
+              <a:rPr lang="en-GB" b="1" dirty="0">
+                <a:solidFill>
+                  <a:srgbClr val="FF0000"/>
+                </a:solidFill>
+              </a:rPr>
+              <a:t>alpha: </a:t>
+            </a:r>
+            <a:r>
+              <a:rPr lang="pt-BR" b="1" dirty="0">
+                <a:solidFill>
+                  <a:srgbClr val="FF0000"/>
+                </a:solidFill>
+              </a:rPr>
+              <a:t>0.01</a:t>
+            </a:r>
+          </a:p>
+        </p:txBody>
+      </p:sp>
+    </p:spTree>
+    <p:extLst>
+      <p:ext uri="{BB962C8B-B14F-4D97-AF65-F5344CB8AC3E}">
+        <p14:creationId xmlns:p14="http://schemas.microsoft.com/office/powerpoint/2010/main" val="2972071660"/>
+      </p:ext>
+    </p:extLst>
+  </p:cSld>
+  <p:clrMapOvr>
+    <a:masterClrMapping/>
+  </p:clrMapOvr>
+</p:sld>
+</file>
+
+<file path=ppt/slides/slide26.xml><?xml version="1.0" encoding="utf-8"?>
+<p:sld xmlns:a="http://schemas.openxmlformats.org/drawingml/2006/main" xmlns:r="http://schemas.openxmlformats.org/officeDocument/2006/relationships" xmlns:p="http://schemas.openxmlformats.org/presentationml/2006/main">
+  <p:cSld>
+    <p:spTree>
+      <p:nvGrpSpPr>
+        <p:cNvPr id="1" name=""/>
+        <p:cNvGrpSpPr/>
+        <p:nvPr/>
+      </p:nvGrpSpPr>
+      <p:grpSpPr>
+        <a:xfrm>
+          <a:off x="0" y="0"/>
+          <a:ext cx="0" cy="0"/>
+          <a:chOff x="0" y="0"/>
+          <a:chExt cx="0" cy="0"/>
+        </a:xfrm>
+      </p:grpSpPr>
+      <p:pic>
+        <p:nvPicPr>
+          <p:cNvPr id="5" name="Imagem 4" descr="Gráfico, Histograma&#10;&#10;Descrição gerada automaticamente">
+            <a:extLst>
+              <a:ext uri="{FF2B5EF4-FFF2-40B4-BE49-F238E27FC236}">
+                <a16:creationId xmlns:a16="http://schemas.microsoft.com/office/drawing/2014/main" id="{6C79D83F-D6B7-49B5-982D-A64E254E6160}"/>
+              </a:ext>
+            </a:extLst>
+          </p:cNvPr>
+          <p:cNvPicPr>
+            <a:picLocks noChangeAspect="1"/>
+          </p:cNvPicPr>
+          <p:nvPr/>
+        </p:nvPicPr>
+        <p:blipFill>
+          <a:blip r:embed="rId2"/>
+          <a:stretch>
+            <a:fillRect/>
+          </a:stretch>
+        </p:blipFill>
+        <p:spPr>
+          <a:xfrm>
+            <a:off x="195277" y="733666"/>
+            <a:ext cx="9764735" cy="5760000"/>
+          </a:xfrm>
+          <a:prstGeom prst="rect">
+            <a:avLst/>
+          </a:prstGeom>
+        </p:spPr>
+      </p:pic>
+      <p:sp>
+        <p:nvSpPr>
+          <p:cNvPr id="6" name="CaixaDeTexto 5">
+            <a:extLst>
+              <a:ext uri="{FF2B5EF4-FFF2-40B4-BE49-F238E27FC236}">
+                <a16:creationId xmlns:a16="http://schemas.microsoft.com/office/drawing/2014/main" id="{740038AE-146D-4A59-9C6F-71A8DEC11E97}"/>
+              </a:ext>
+            </a:extLst>
+          </p:cNvPr>
+          <p:cNvSpPr txBox="1"/>
+          <p:nvPr/>
+        </p:nvSpPr>
+        <p:spPr>
+          <a:xfrm>
+            <a:off x="10020001" y="549000"/>
+            <a:ext cx="659155" cy="369332"/>
+          </a:xfrm>
+          <a:prstGeom prst="rect">
+            <a:avLst/>
+          </a:prstGeom>
+          <a:noFill/>
+        </p:spPr>
+        <p:txBody>
+          <a:bodyPr wrap="none" rtlCol="0">
+            <a:spAutoFit/>
+          </a:bodyPr>
+          <a:lstStyle/>
+          <a:p>
+            <a:r>
+              <a:rPr lang="en-GB" b="1" dirty="0">
+                <a:solidFill>
+                  <a:srgbClr val="FF0000"/>
+                </a:solidFill>
+              </a:rPr>
+              <a:t>n: </a:t>
+            </a:r>
+            <a:r>
+              <a:rPr lang="pt-BR" b="1" dirty="0">
+                <a:solidFill>
+                  <a:srgbClr val="FF0000"/>
+                </a:solidFill>
+              </a:rPr>
+              <a:t>21</a:t>
+            </a:r>
+          </a:p>
+        </p:txBody>
+      </p:sp>
+      <p:sp>
+        <p:nvSpPr>
+          <p:cNvPr id="7" name="CaixaDeTexto 6">
+            <a:extLst>
+              <a:ext uri="{FF2B5EF4-FFF2-40B4-BE49-F238E27FC236}">
+                <a16:creationId xmlns:a16="http://schemas.microsoft.com/office/drawing/2014/main" id="{7A78780E-539F-4123-988B-4BB039026F7C}"/>
+              </a:ext>
+            </a:extLst>
+          </p:cNvPr>
+          <p:cNvSpPr txBox="1"/>
+          <p:nvPr/>
+        </p:nvSpPr>
+        <p:spPr>
+          <a:xfrm>
+            <a:off x="10021246" y="1287664"/>
+            <a:ext cx="1949060" cy="369332"/>
+          </a:xfrm>
+          <a:prstGeom prst="rect">
+            <a:avLst/>
+          </a:prstGeom>
+          <a:noFill/>
+        </p:spPr>
+        <p:txBody>
+          <a:bodyPr wrap="none" rtlCol="0">
+            <a:spAutoFit/>
+          </a:bodyPr>
+          <a:lstStyle/>
+          <a:p>
+            <a:r>
+              <a:rPr lang="en-GB" b="1" dirty="0" err="1"/>
+              <a:t>positiveTrend</a:t>
+            </a:r>
+            <a:r>
+              <a:rPr lang="en-GB" b="1" dirty="0"/>
+              <a:t>: </a:t>
+            </a:r>
+            <a:r>
+              <a:rPr lang="pt-BR" b="1" dirty="0"/>
+              <a:t>196</a:t>
+            </a:r>
+          </a:p>
+        </p:txBody>
+      </p:sp>
+      <p:sp>
+        <p:nvSpPr>
+          <p:cNvPr id="8" name="CaixaDeTexto 7">
+            <a:extLst>
+              <a:ext uri="{FF2B5EF4-FFF2-40B4-BE49-F238E27FC236}">
+                <a16:creationId xmlns:a16="http://schemas.microsoft.com/office/drawing/2014/main" id="{A8791CD8-F86F-4F90-BAA4-C758EA1418B1}"/>
+              </a:ext>
+            </a:extLst>
+          </p:cNvPr>
+          <p:cNvSpPr txBox="1"/>
+          <p:nvPr/>
+        </p:nvSpPr>
+        <p:spPr>
+          <a:xfrm>
+            <a:off x="10020001" y="2014115"/>
+            <a:ext cx="1021433" cy="369332"/>
+          </a:xfrm>
+          <a:prstGeom prst="rect">
+            <a:avLst/>
+          </a:prstGeom>
+          <a:noFill/>
+        </p:spPr>
+        <p:txBody>
+          <a:bodyPr wrap="none" rtlCol="0">
+            <a:spAutoFit/>
+          </a:bodyPr>
+          <a:lstStyle/>
+          <a:p>
+            <a:r>
+              <a:rPr lang="en-GB" b="1" dirty="0"/>
+              <a:t>none: </a:t>
+            </a:r>
+            <a:r>
+              <a:rPr lang="pt-BR" b="1" dirty="0"/>
+              <a:t>30</a:t>
+            </a:r>
+          </a:p>
+        </p:txBody>
+      </p:sp>
+      <p:sp>
+        <p:nvSpPr>
+          <p:cNvPr id="9" name="CaixaDeTexto 8">
+            <a:extLst>
+              <a:ext uri="{FF2B5EF4-FFF2-40B4-BE49-F238E27FC236}">
+                <a16:creationId xmlns:a16="http://schemas.microsoft.com/office/drawing/2014/main" id="{55CA44F4-11F9-4E1C-ACFC-A8CAA45AE13E}"/>
+              </a:ext>
+            </a:extLst>
+          </p:cNvPr>
+          <p:cNvSpPr txBox="1"/>
+          <p:nvPr/>
+        </p:nvSpPr>
+        <p:spPr>
+          <a:xfrm>
+            <a:off x="10020001" y="1644783"/>
+            <a:ext cx="2010294" cy="369332"/>
+          </a:xfrm>
+          <a:prstGeom prst="rect">
+            <a:avLst/>
+          </a:prstGeom>
+          <a:noFill/>
+        </p:spPr>
+        <p:txBody>
+          <a:bodyPr wrap="none" rtlCol="0">
+            <a:spAutoFit/>
+          </a:bodyPr>
+          <a:lstStyle/>
+          <a:p>
+            <a:r>
+              <a:rPr lang="en-GB" b="1" dirty="0" err="1"/>
+              <a:t>negativeTrend</a:t>
+            </a:r>
+            <a:r>
+              <a:rPr lang="en-GB" b="1" dirty="0"/>
+              <a:t>: </a:t>
+            </a:r>
+            <a:r>
+              <a:rPr lang="pt-BR" b="1" dirty="0"/>
+              <a:t>161</a:t>
+            </a:r>
+          </a:p>
+        </p:txBody>
+      </p:sp>
+      <p:sp>
+        <p:nvSpPr>
+          <p:cNvPr id="10" name="CaixaDeTexto 9">
+            <a:extLst>
+              <a:ext uri="{FF2B5EF4-FFF2-40B4-BE49-F238E27FC236}">
+                <a16:creationId xmlns:a16="http://schemas.microsoft.com/office/drawing/2014/main" id="{9E207239-AEE0-40A8-B035-9CF8465E4156}"/>
+              </a:ext>
+            </a:extLst>
+          </p:cNvPr>
+          <p:cNvSpPr txBox="1"/>
+          <p:nvPr/>
+        </p:nvSpPr>
+        <p:spPr>
+          <a:xfrm>
+            <a:off x="10020001" y="918332"/>
+            <a:ext cx="1244251" cy="369332"/>
+          </a:xfrm>
+          <a:prstGeom prst="rect">
+            <a:avLst/>
+          </a:prstGeom>
+          <a:noFill/>
+        </p:spPr>
+        <p:txBody>
+          <a:bodyPr wrap="none" rtlCol="0">
+            <a:spAutoFit/>
+          </a:bodyPr>
+          <a:lstStyle/>
+          <a:p>
+            <a:r>
+              <a:rPr lang="en-GB" b="1" dirty="0">
+                <a:solidFill>
+                  <a:srgbClr val="FF0000"/>
+                </a:solidFill>
+              </a:rPr>
+              <a:t>alpha: </a:t>
+            </a:r>
+            <a:r>
+              <a:rPr lang="pt-BR" b="1" dirty="0">
+                <a:solidFill>
+                  <a:srgbClr val="FF0000"/>
+                </a:solidFill>
+              </a:rPr>
+              <a:t>0.01</a:t>
+            </a:r>
+          </a:p>
+        </p:txBody>
+      </p:sp>
+    </p:spTree>
+    <p:extLst>
+      <p:ext uri="{BB962C8B-B14F-4D97-AF65-F5344CB8AC3E}">
+        <p14:creationId xmlns:p14="http://schemas.microsoft.com/office/powerpoint/2010/main" val="3428207171"/>
+      </p:ext>
+    </p:extLst>
+  </p:cSld>
+  <p:clrMapOvr>
+    <a:masterClrMapping/>
+  </p:clrMapOvr>
+</p:sld>
+</file>
+
+<file path=ppt/slides/slide27.xml><?xml version="1.0" encoding="utf-8"?>
+<p:sld xmlns:a="http://schemas.openxmlformats.org/drawingml/2006/main" xmlns:r="http://schemas.openxmlformats.org/officeDocument/2006/relationships" xmlns:p="http://schemas.openxmlformats.org/presentationml/2006/main">
+  <p:cSld>
+    <p:spTree>
+      <p:nvGrpSpPr>
+        <p:cNvPr id="1" name=""/>
+        <p:cNvGrpSpPr/>
+        <p:nvPr/>
+      </p:nvGrpSpPr>
+      <p:grpSpPr>
+        <a:xfrm>
+          <a:off x="0" y="0"/>
+          <a:ext cx="0" cy="0"/>
+          <a:chOff x="0" y="0"/>
+          <a:chExt cx="0" cy="0"/>
+        </a:xfrm>
+      </p:grpSpPr>
+      <p:sp>
+        <p:nvSpPr>
+          <p:cNvPr id="6" name="CaixaDeTexto 5">
+            <a:extLst>
+              <a:ext uri="{FF2B5EF4-FFF2-40B4-BE49-F238E27FC236}">
+                <a16:creationId xmlns:a16="http://schemas.microsoft.com/office/drawing/2014/main" id="{AB422E05-9384-4835-87AF-2BAC7AA644B5}"/>
+              </a:ext>
+            </a:extLst>
+          </p:cNvPr>
+          <p:cNvSpPr txBox="1"/>
+          <p:nvPr/>
+        </p:nvSpPr>
+        <p:spPr>
+          <a:xfrm>
+            <a:off x="10020001" y="549000"/>
+            <a:ext cx="659155" cy="369332"/>
+          </a:xfrm>
+          <a:prstGeom prst="rect">
+            <a:avLst/>
+          </a:prstGeom>
+          <a:noFill/>
+        </p:spPr>
+        <p:txBody>
+          <a:bodyPr wrap="none" rtlCol="0">
+            <a:spAutoFit/>
+          </a:bodyPr>
+          <a:lstStyle/>
+          <a:p>
+            <a:r>
+              <a:rPr lang="en-GB" b="1" dirty="0"/>
+              <a:t>n: </a:t>
+            </a:r>
+            <a:r>
+              <a:rPr lang="pt-BR" b="1" dirty="0"/>
+              <a:t>21</a:t>
+            </a:r>
+          </a:p>
+        </p:txBody>
+      </p:sp>
+      <p:sp>
+        <p:nvSpPr>
+          <p:cNvPr id="7" name="CaixaDeTexto 6">
+            <a:extLst>
+              <a:ext uri="{FF2B5EF4-FFF2-40B4-BE49-F238E27FC236}">
+                <a16:creationId xmlns:a16="http://schemas.microsoft.com/office/drawing/2014/main" id="{73F2D7C8-86DA-446D-B632-2546D0019586}"/>
+              </a:ext>
+            </a:extLst>
+          </p:cNvPr>
+          <p:cNvSpPr txBox="1"/>
+          <p:nvPr/>
+        </p:nvSpPr>
+        <p:spPr>
+          <a:xfrm>
+            <a:off x="10021246" y="1287664"/>
+            <a:ext cx="1949060" cy="369332"/>
+          </a:xfrm>
+          <a:prstGeom prst="rect">
+            <a:avLst/>
+          </a:prstGeom>
+          <a:noFill/>
+        </p:spPr>
+        <p:txBody>
+          <a:bodyPr wrap="none" rtlCol="0">
+            <a:spAutoFit/>
+          </a:bodyPr>
+          <a:lstStyle/>
+          <a:p>
+            <a:r>
+              <a:rPr lang="en-GB" b="1" dirty="0" err="1"/>
+              <a:t>positiveTrend</a:t>
+            </a:r>
+            <a:r>
+              <a:rPr lang="en-GB" b="1" dirty="0"/>
+              <a:t>: </a:t>
+            </a:r>
+            <a:r>
+              <a:rPr lang="pt-BR" b="1" dirty="0"/>
+              <a:t>189</a:t>
+            </a:r>
+          </a:p>
+        </p:txBody>
+      </p:sp>
+      <p:sp>
+        <p:nvSpPr>
+          <p:cNvPr id="8" name="CaixaDeTexto 7">
+            <a:extLst>
+              <a:ext uri="{FF2B5EF4-FFF2-40B4-BE49-F238E27FC236}">
+                <a16:creationId xmlns:a16="http://schemas.microsoft.com/office/drawing/2014/main" id="{670951F4-D08C-4AAF-9315-816DFD134737}"/>
+              </a:ext>
+            </a:extLst>
+          </p:cNvPr>
+          <p:cNvSpPr txBox="1"/>
+          <p:nvPr/>
+        </p:nvSpPr>
+        <p:spPr>
+          <a:xfrm>
+            <a:off x="10020001" y="2014115"/>
+            <a:ext cx="1021433" cy="369332"/>
+          </a:xfrm>
+          <a:prstGeom prst="rect">
+            <a:avLst/>
+          </a:prstGeom>
+          <a:noFill/>
+        </p:spPr>
+        <p:txBody>
+          <a:bodyPr wrap="none" rtlCol="0">
+            <a:spAutoFit/>
+          </a:bodyPr>
+          <a:lstStyle/>
+          <a:p>
+            <a:r>
+              <a:rPr lang="en-GB" b="1" dirty="0"/>
+              <a:t>none: </a:t>
+            </a:r>
+            <a:r>
+              <a:rPr lang="pt-BR" b="1" dirty="0"/>
+              <a:t>42</a:t>
+            </a:r>
+          </a:p>
+        </p:txBody>
+      </p:sp>
+      <p:sp>
+        <p:nvSpPr>
+          <p:cNvPr id="9" name="CaixaDeTexto 8">
+            <a:extLst>
+              <a:ext uri="{FF2B5EF4-FFF2-40B4-BE49-F238E27FC236}">
+                <a16:creationId xmlns:a16="http://schemas.microsoft.com/office/drawing/2014/main" id="{7DC73432-89C6-4F4C-AEDD-1D001E46EF4E}"/>
+              </a:ext>
+            </a:extLst>
+          </p:cNvPr>
+          <p:cNvSpPr txBox="1"/>
+          <p:nvPr/>
+        </p:nvSpPr>
+        <p:spPr>
+          <a:xfrm>
+            <a:off x="10020001" y="1644783"/>
+            <a:ext cx="2010294" cy="369332"/>
+          </a:xfrm>
+          <a:prstGeom prst="rect">
+            <a:avLst/>
+          </a:prstGeom>
+          <a:noFill/>
+        </p:spPr>
+        <p:txBody>
+          <a:bodyPr wrap="none" rtlCol="0">
+            <a:spAutoFit/>
+          </a:bodyPr>
+          <a:lstStyle/>
+          <a:p>
+            <a:r>
+              <a:rPr lang="en-GB" b="1" dirty="0" err="1"/>
+              <a:t>negativeTrend</a:t>
+            </a:r>
+            <a:r>
+              <a:rPr lang="en-GB" b="1" dirty="0"/>
+              <a:t>: </a:t>
+            </a:r>
+            <a:r>
+              <a:rPr lang="pt-BR" b="1" dirty="0"/>
+              <a:t>156</a:t>
+            </a:r>
+          </a:p>
+        </p:txBody>
+      </p:sp>
+      <p:sp>
+        <p:nvSpPr>
+          <p:cNvPr id="10" name="CaixaDeTexto 9">
+            <a:extLst>
+              <a:ext uri="{FF2B5EF4-FFF2-40B4-BE49-F238E27FC236}">
+                <a16:creationId xmlns:a16="http://schemas.microsoft.com/office/drawing/2014/main" id="{0CBC98EC-C0E6-404D-8925-FAAAD4C42304}"/>
+              </a:ext>
+            </a:extLst>
+          </p:cNvPr>
+          <p:cNvSpPr txBox="1"/>
+          <p:nvPr/>
+        </p:nvSpPr>
+        <p:spPr>
+          <a:xfrm>
+            <a:off x="10020001" y="918332"/>
+            <a:ext cx="1244251" cy="369332"/>
+          </a:xfrm>
+          <a:prstGeom prst="rect">
+            <a:avLst/>
+          </a:prstGeom>
+          <a:noFill/>
+        </p:spPr>
+        <p:txBody>
+          <a:bodyPr wrap="none" rtlCol="0">
+            <a:spAutoFit/>
+          </a:bodyPr>
+          <a:lstStyle/>
+          <a:p>
+            <a:r>
+              <a:rPr lang="en-GB" b="1" dirty="0">
+                <a:solidFill>
+                  <a:srgbClr val="FF0000"/>
+                </a:solidFill>
+              </a:rPr>
+              <a:t>alpha: </a:t>
+            </a:r>
+            <a:r>
+              <a:rPr lang="pt-BR" b="1" dirty="0">
+                <a:solidFill>
+                  <a:srgbClr val="FF0000"/>
+                </a:solidFill>
+              </a:rPr>
+              <a:t>0.05</a:t>
+            </a:r>
+          </a:p>
+        </p:txBody>
+      </p:sp>
+      <p:pic>
+        <p:nvPicPr>
+          <p:cNvPr id="12" name="Imagem 11" descr="Gráfico, Histograma&#10;&#10;Descrição gerada automaticamente">
+            <a:extLst>
+              <a:ext uri="{FF2B5EF4-FFF2-40B4-BE49-F238E27FC236}">
+                <a16:creationId xmlns:a16="http://schemas.microsoft.com/office/drawing/2014/main" id="{0F5303FF-6012-4DE0-B0DB-7A837D58E7B6}"/>
+              </a:ext>
+            </a:extLst>
+          </p:cNvPr>
+          <p:cNvPicPr>
+            <a:picLocks noChangeAspect="1"/>
+          </p:cNvPicPr>
+          <p:nvPr/>
+        </p:nvPicPr>
+        <p:blipFill>
+          <a:blip r:embed="rId2"/>
+          <a:stretch>
+            <a:fillRect/>
+          </a:stretch>
+        </p:blipFill>
+        <p:spPr>
+          <a:xfrm>
+            <a:off x="131466" y="733666"/>
+            <a:ext cx="9889158" cy="5760000"/>
+          </a:xfrm>
+          <a:prstGeom prst="rect">
+            <a:avLst/>
+          </a:prstGeom>
+        </p:spPr>
+      </p:pic>
+    </p:spTree>
+    <p:extLst>
+      <p:ext uri="{BB962C8B-B14F-4D97-AF65-F5344CB8AC3E}">
+        <p14:creationId xmlns:p14="http://schemas.microsoft.com/office/powerpoint/2010/main" val="453518802"/>
+      </p:ext>
+    </p:extLst>
+  </p:cSld>
+  <p:clrMapOvr>
+    <a:masterClrMapping/>
+  </p:clrMapOvr>
+</p:sld>
+</file>
+
+<file path=ppt/slides/slide28.xml><?xml version="1.0" encoding="utf-8"?>
+<p:sld xmlns:a="http://schemas.openxmlformats.org/drawingml/2006/main" xmlns:r="http://schemas.openxmlformats.org/officeDocument/2006/relationships" xmlns:p="http://schemas.openxmlformats.org/presentationml/2006/main">
+  <p:cSld>
+    <p:spTree>
+      <p:nvGrpSpPr>
+        <p:cNvPr id="1" name=""/>
+        <p:cNvGrpSpPr/>
+        <p:nvPr/>
+      </p:nvGrpSpPr>
+      <p:grpSpPr>
+        <a:xfrm>
+          <a:off x="0" y="0"/>
+          <a:ext cx="0" cy="0"/>
+          <a:chOff x="0" y="0"/>
+          <a:chExt cx="0" cy="0"/>
+        </a:xfrm>
+      </p:grpSpPr>
+      <p:graphicFrame>
+        <p:nvGraphicFramePr>
+          <p:cNvPr id="4" name="Tabela 4">
+            <a:extLst>
+              <a:ext uri="{FF2B5EF4-FFF2-40B4-BE49-F238E27FC236}">
+                <a16:creationId xmlns:a16="http://schemas.microsoft.com/office/drawing/2014/main" id="{0BF755DB-6855-4C65-B88D-55E60794656A}"/>
+              </a:ext>
+            </a:extLst>
+          </p:cNvPr>
+          <p:cNvGraphicFramePr>
+            <a:graphicFrameLocks noGrp="1"/>
+          </p:cNvGraphicFramePr>
+          <p:nvPr>
+            <p:ph idx="1"/>
+            <p:extLst>
+              <p:ext uri="{D42A27DB-BD31-4B8C-83A1-F6EECF244321}">
+                <p14:modId xmlns:p14="http://schemas.microsoft.com/office/powerpoint/2010/main" val="1872224173"/>
+              </p:ext>
+            </p:extLst>
+          </p:nvPr>
+        </p:nvGraphicFramePr>
+        <p:xfrm>
+          <a:off x="1341120" y="484505"/>
+          <a:ext cx="4246245" cy="2219960"/>
+        </p:xfrm>
+        <a:graphic>
+          <a:graphicData uri="http://schemas.openxmlformats.org/drawingml/2006/table">
+            <a:tbl>
+              <a:tblPr firstRow="1" bandRow="1">
+                <a:tableStyleId>{5940675A-B579-460E-94D1-54222C63F5DA}</a:tableStyleId>
+              </a:tblPr>
+              <a:tblGrid>
+                <a:gridCol w="1066800">
+                  <a:extLst>
+                    <a:ext uri="{9D8B030D-6E8A-4147-A177-3AD203B41FA5}">
+                      <a16:colId xmlns:a16="http://schemas.microsoft.com/office/drawing/2014/main" val="1701201561"/>
+                    </a:ext>
+                  </a:extLst>
+                </a:gridCol>
+                <a:gridCol w="762000">
+                  <a:extLst>
+                    <a:ext uri="{9D8B030D-6E8A-4147-A177-3AD203B41FA5}">
+                      <a16:colId xmlns:a16="http://schemas.microsoft.com/office/drawing/2014/main" val="4167930595"/>
+                    </a:ext>
+                  </a:extLst>
+                </a:gridCol>
+                <a:gridCol w="807720">
+                  <a:extLst>
+                    <a:ext uri="{9D8B030D-6E8A-4147-A177-3AD203B41FA5}">
+                      <a16:colId xmlns:a16="http://schemas.microsoft.com/office/drawing/2014/main" val="492848237"/>
+                    </a:ext>
+                  </a:extLst>
+                </a:gridCol>
+                <a:gridCol w="746760">
+                  <a:extLst>
+                    <a:ext uri="{9D8B030D-6E8A-4147-A177-3AD203B41FA5}">
+                      <a16:colId xmlns:a16="http://schemas.microsoft.com/office/drawing/2014/main" val="3736126804"/>
+                    </a:ext>
+                  </a:extLst>
+                </a:gridCol>
+                <a:gridCol w="862965">
+                  <a:extLst>
+                    <a:ext uri="{9D8B030D-6E8A-4147-A177-3AD203B41FA5}">
+                      <a16:colId xmlns:a16="http://schemas.microsoft.com/office/drawing/2014/main" val="1008030012"/>
+                    </a:ext>
+                  </a:extLst>
+                </a:gridCol>
+              </a:tblGrid>
+              <a:tr h="370840">
+                <a:tc>
+                  <a:txBody>
+                    <a:bodyPr/>
+                    <a:lstStyle/>
+                    <a:p>
+                      <a:pPr algn="ctr"/>
+                      <a:r>
+                        <a:rPr lang="en-GB" b="1" dirty="0"/>
+                        <a:t>TS (US)</a:t>
+                      </a:r>
+                    </a:p>
+                  </a:txBody>
+                  <a:tcPr anchor="ctr">
+                    <a:lnB w="12700" cap="flat" cmpd="sng" algn="ctr">
+                      <a:solidFill>
+                        <a:schemeClr val="tx1"/>
+                      </a:solidFill>
+                      <a:prstDash val="solid"/>
+                      <a:round/>
+                      <a:headEnd type="none" w="med" len="med"/>
+                      <a:tailEnd type="none" w="med" len="med"/>
+                    </a:lnB>
+                  </a:tcPr>
+                </a:tc>
+                <a:tc>
+                  <a:txBody>
+                    <a:bodyPr/>
+                    <a:lstStyle/>
+                    <a:p>
+                      <a:pPr algn="ctr"/>
+                      <a:r>
+                        <a:rPr lang="en-GB" b="1" dirty="0"/>
+                        <a:t>ID</a:t>
+                      </a:r>
+                    </a:p>
+                  </a:txBody>
+                  <a:tcPr anchor="ctr">
+                    <a:lnB w="12700" cap="flat" cmpd="sng" algn="ctr">
+                      <a:solidFill>
+                        <a:schemeClr val="tx1"/>
+                      </a:solidFill>
+                      <a:prstDash val="solid"/>
+                      <a:round/>
+                      <a:headEnd type="none" w="med" len="med"/>
+                      <a:tailEnd type="none" w="med" len="med"/>
+                    </a:lnB>
+                  </a:tcPr>
+                </a:tc>
+                <a:tc>
+                  <a:txBody>
+                    <a:bodyPr/>
+                    <a:lstStyle/>
+                    <a:p>
+                      <a:pPr algn="ctr"/>
+                      <a:r>
+                        <a:rPr lang="en-GB" b="1" dirty="0"/>
+                        <a:t>ID</a:t>
+                      </a:r>
+                    </a:p>
+                  </a:txBody>
+                  <a:tcPr anchor="ctr">
+                    <a:lnB w="12700" cap="flat" cmpd="sng" algn="ctr">
+                      <a:solidFill>
+                        <a:schemeClr val="tx1"/>
+                      </a:solidFill>
+                      <a:prstDash val="solid"/>
+                      <a:round/>
+                      <a:headEnd type="none" w="med" len="med"/>
+                      <a:tailEnd type="none" w="med" len="med"/>
+                    </a:lnB>
+                  </a:tcPr>
+                </a:tc>
+                <a:tc>
+                  <a:txBody>
+                    <a:bodyPr/>
+                    <a:lstStyle/>
+                    <a:p>
+                      <a:pPr algn="ctr"/>
+                      <a:r>
+                        <a:rPr lang="en-GB" b="1" dirty="0"/>
+                        <a:t>ID</a:t>
+                      </a:r>
+                    </a:p>
+                  </a:txBody>
+                  <a:tcPr anchor="ctr">
+                    <a:lnB w="12700" cap="flat" cmpd="sng" algn="ctr">
+                      <a:solidFill>
+                        <a:schemeClr val="tx1"/>
+                      </a:solidFill>
+                      <a:prstDash val="solid"/>
+                      <a:round/>
+                      <a:headEnd type="none" w="med" len="med"/>
+                      <a:tailEnd type="none" w="med" len="med"/>
+                    </a:lnB>
+                  </a:tcPr>
+                </a:tc>
+                <a:tc>
+                  <a:txBody>
+                    <a:bodyPr/>
+                    <a:lstStyle/>
+                    <a:p>
+                      <a:pPr algn="ctr"/>
+                      <a:r>
+                        <a:rPr lang="en-GB" b="1" dirty="0"/>
+                        <a:t>ID</a:t>
+                      </a:r>
+                    </a:p>
+                  </a:txBody>
+                  <a:tcPr anchor="ctr">
+                    <a:lnB w="12700" cap="flat" cmpd="sng" algn="ctr">
+                      <a:solidFill>
+                        <a:schemeClr val="tx1"/>
+                      </a:solidFill>
+                      <a:prstDash val="solid"/>
+                      <a:round/>
+                      <a:headEnd type="none" w="med" len="med"/>
+                      <a:tailEnd type="none" w="med" len="med"/>
+                    </a:lnB>
+                  </a:tcPr>
+                </a:tc>
+                <a:extLst>
+                  <a:ext uri="{0D108BD9-81ED-4DB2-BD59-A6C34878D82A}">
+                    <a16:rowId xmlns:a16="http://schemas.microsoft.com/office/drawing/2014/main" val="1346804736"/>
+                  </a:ext>
+                </a:extLst>
+              </a:tr>
+              <a:tr h="370840">
+                <a:tc>
+                  <a:txBody>
+                    <a:bodyPr/>
+                    <a:lstStyle/>
+                    <a:p>
+                      <a:pPr algn="ctr"/>
+                      <a:r>
+                        <a:rPr lang="en-GB" b="1" dirty="0"/>
+                        <a:t>w</a:t>
+                      </a:r>
+                    </a:p>
+                  </a:txBody>
+                  <a:tcPr anchor="ctr">
+                    <a:lnL w="12700" cap="flat" cmpd="sng" algn="ctr">
+                      <a:solidFill>
+                        <a:schemeClr val="tx1"/>
+                      </a:solidFill>
+                      <a:prstDash val="solid"/>
+                      <a:round/>
+                      <a:headEnd type="none" w="med" len="med"/>
+                      <a:tailEnd type="none" w="med" len="med"/>
+                    </a:lnL>
+                    <a:lnT w="12700" cap="flat" cmpd="sng" algn="ctr">
+                      <a:solidFill>
+                        <a:schemeClr val="tx1"/>
+                      </a:solidFill>
+                      <a:prstDash val="solid"/>
+                      <a:round/>
+                      <a:headEnd type="none" w="med" len="med"/>
+                      <a:tailEnd type="none" w="med" len="med"/>
+                    </a:lnT>
+                  </a:tcPr>
+                </a:tc>
+                <a:tc>
+                  <a:txBody>
+                    <a:bodyPr/>
+                    <a:lstStyle/>
+                    <a:p>
+                      <a:pPr algn="ctr"/>
+                      <a:r>
+                        <a:rPr lang="en-GB" dirty="0"/>
+                        <a:t>14</a:t>
+                      </a:r>
+                    </a:p>
+                  </a:txBody>
+                  <a:tcPr anchor="ctr">
+                    <a:lnT w="12700" cap="flat" cmpd="sng" algn="ctr">
+                      <a:solidFill>
+                        <a:schemeClr val="tx1"/>
+                      </a:solidFill>
+                      <a:prstDash val="solid"/>
+                      <a:round/>
+                      <a:headEnd type="none" w="med" len="med"/>
+                      <a:tailEnd type="none" w="med" len="med"/>
+                    </a:lnT>
+                  </a:tcPr>
+                </a:tc>
+                <a:tc>
+                  <a:txBody>
+                    <a:bodyPr/>
+                    <a:lstStyle/>
+                    <a:p>
+                      <a:pPr algn="ctr"/>
+                      <a:r>
+                        <a:rPr lang="en-GB" dirty="0"/>
+                        <a:t>14</a:t>
+                      </a:r>
+                    </a:p>
+                  </a:txBody>
+                  <a:tcPr anchor="ctr">
+                    <a:lnT w="12700" cap="flat" cmpd="sng" algn="ctr">
+                      <a:solidFill>
+                        <a:schemeClr val="tx1"/>
+                      </a:solidFill>
+                      <a:prstDash val="solid"/>
+                      <a:round/>
+                      <a:headEnd type="none" w="med" len="med"/>
+                      <a:tailEnd type="none" w="med" len="med"/>
+                    </a:lnT>
+                  </a:tcPr>
+                </a:tc>
+                <a:tc>
+                  <a:txBody>
+                    <a:bodyPr/>
+                    <a:lstStyle/>
+                    <a:p>
+                      <a:pPr algn="ctr"/>
+                      <a:r>
+                        <a:rPr lang="en-GB" dirty="0"/>
+                        <a:t>21</a:t>
+                      </a:r>
+                    </a:p>
+                  </a:txBody>
+                  <a:tcPr anchor="ctr">
+                    <a:lnT w="12700" cap="flat" cmpd="sng" algn="ctr">
+                      <a:solidFill>
+                        <a:schemeClr val="tx1"/>
+                      </a:solidFill>
+                      <a:prstDash val="solid"/>
+                      <a:round/>
+                      <a:headEnd type="none" w="med" len="med"/>
+                      <a:tailEnd type="none" w="med" len="med"/>
+                    </a:lnT>
+                  </a:tcPr>
+                </a:tc>
+                <a:tc>
+                  <a:txBody>
+                    <a:bodyPr/>
+                    <a:lstStyle/>
+                    <a:p>
+                      <a:pPr algn="ctr"/>
+                      <a:r>
+                        <a:rPr lang="en-GB" dirty="0"/>
+                        <a:t>21</a:t>
+                      </a:r>
+                    </a:p>
+                  </a:txBody>
+                  <a:tcPr anchor="ctr">
+                    <a:lnR w="12700" cap="flat" cmpd="sng" algn="ctr">
+                      <a:solidFill>
+                        <a:schemeClr val="tx1"/>
+                      </a:solidFill>
+                      <a:prstDash val="solid"/>
+                      <a:round/>
+                      <a:headEnd type="none" w="med" len="med"/>
+                      <a:tailEnd type="none" w="med" len="med"/>
+                    </a:lnR>
+                    <a:lnT w="12700" cap="flat" cmpd="sng" algn="ctr">
+                      <a:solidFill>
+                        <a:schemeClr val="tx1"/>
+                      </a:solidFill>
+                      <a:prstDash val="solid"/>
+                      <a:round/>
+                      <a:headEnd type="none" w="med" len="med"/>
+                      <a:tailEnd type="none" w="med" len="med"/>
+                    </a:lnT>
+                  </a:tcPr>
+                </a:tc>
+                <a:extLst>
+                  <a:ext uri="{0D108BD9-81ED-4DB2-BD59-A6C34878D82A}">
+                    <a16:rowId xmlns:a16="http://schemas.microsoft.com/office/drawing/2014/main" val="1147047115"/>
+                  </a:ext>
+                </a:extLst>
+              </a:tr>
+              <a:tr h="370840">
+                <a:tc>
+                  <a:txBody>
+                    <a:bodyPr/>
+                    <a:lstStyle/>
+                    <a:p>
+                      <a:pPr algn="ctr"/>
+                      <a:r>
+                        <a:rPr lang="en-GB" b="1" dirty="0"/>
+                        <a:t>alpha</a:t>
+                      </a:r>
+                    </a:p>
+                  </a:txBody>
+                  <a:tcPr anchor="ctr">
+                    <a:lnL w="12700" cap="flat" cmpd="sng" algn="ctr">
+                      <a:solidFill>
+                        <a:schemeClr val="tx1"/>
+                      </a:solidFill>
+                      <a:prstDash val="solid"/>
+                      <a:round/>
+                      <a:headEnd type="none" w="med" len="med"/>
+                      <a:tailEnd type="none" w="med" len="med"/>
+                    </a:lnL>
+                    <a:lnB w="12700" cap="flat" cmpd="sng" algn="ctr">
+                      <a:solidFill>
+                        <a:schemeClr val="tx1"/>
+                      </a:solidFill>
+                      <a:prstDash val="solid"/>
+                      <a:round/>
+                      <a:headEnd type="none" w="med" len="med"/>
+                      <a:tailEnd type="none" w="med" len="med"/>
+                    </a:lnB>
+                  </a:tcPr>
+                </a:tc>
+                <a:tc>
+                  <a:txBody>
+                    <a:bodyPr/>
+                    <a:lstStyle/>
+                    <a:p>
+                      <a:pPr algn="ctr"/>
+                      <a:r>
+                        <a:rPr lang="en-GB" dirty="0"/>
+                        <a:t>05</a:t>
+                      </a:r>
+                    </a:p>
+                  </a:txBody>
+                  <a:tcPr anchor="ctr">
+                    <a:lnB w="12700" cap="flat" cmpd="sng" algn="ctr">
+                      <a:solidFill>
+                        <a:schemeClr val="tx1"/>
+                      </a:solidFill>
+                      <a:prstDash val="solid"/>
+                      <a:round/>
+                      <a:headEnd type="none" w="med" len="med"/>
+                      <a:tailEnd type="none" w="med" len="med"/>
+                    </a:lnB>
+                  </a:tcPr>
+                </a:tc>
+                <a:tc>
+                  <a:txBody>
+                    <a:bodyPr/>
+                    <a:lstStyle/>
+                    <a:p>
+                      <a:pPr algn="ctr"/>
+                      <a:r>
+                        <a:rPr lang="en-GB" dirty="0"/>
+                        <a:t>01</a:t>
+                      </a:r>
+                    </a:p>
+                  </a:txBody>
+                  <a:tcPr anchor="ctr">
+                    <a:lnB w="12700" cap="flat" cmpd="sng" algn="ctr">
+                      <a:solidFill>
+                        <a:schemeClr val="tx1"/>
+                      </a:solidFill>
+                      <a:prstDash val="solid"/>
+                      <a:round/>
+                      <a:headEnd type="none" w="med" len="med"/>
+                      <a:tailEnd type="none" w="med" len="med"/>
+                    </a:lnB>
+                  </a:tcPr>
+                </a:tc>
+                <a:tc>
+                  <a:txBody>
+                    <a:bodyPr/>
+                    <a:lstStyle/>
+                    <a:p>
+                      <a:pPr algn="ctr"/>
+                      <a:r>
+                        <a:rPr lang="en-GB" dirty="0"/>
+                        <a:t>05</a:t>
+                      </a:r>
+                    </a:p>
+                  </a:txBody>
+                  <a:tcPr anchor="ctr">
+                    <a:lnB w="12700" cap="flat" cmpd="sng" algn="ctr">
+                      <a:solidFill>
+                        <a:schemeClr val="tx1"/>
+                      </a:solidFill>
+                      <a:prstDash val="solid"/>
+                      <a:round/>
+                      <a:headEnd type="none" w="med" len="med"/>
+                      <a:tailEnd type="none" w="med" len="med"/>
+                    </a:lnB>
+                  </a:tcPr>
+                </a:tc>
+                <a:tc>
+                  <a:txBody>
+                    <a:bodyPr/>
+                    <a:lstStyle/>
+                    <a:p>
+                      <a:pPr algn="ctr"/>
+                      <a:r>
+                        <a:rPr lang="en-GB" dirty="0"/>
+                        <a:t>01</a:t>
+                      </a:r>
+                    </a:p>
+                  </a:txBody>
+                  <a:tcPr anchor="ctr">
+                    <a:lnR w="12700" cap="flat" cmpd="sng" algn="ctr">
+                      <a:solidFill>
+                        <a:schemeClr val="tx1"/>
+                      </a:solidFill>
+                      <a:prstDash val="solid"/>
+                      <a:round/>
+                      <a:headEnd type="none" w="med" len="med"/>
+                      <a:tailEnd type="none" w="med" len="med"/>
+                    </a:lnR>
+                    <a:lnB w="12700" cap="flat" cmpd="sng" algn="ctr">
+                      <a:solidFill>
+                        <a:schemeClr val="tx1"/>
+                      </a:solidFill>
+                      <a:prstDash val="solid"/>
+                      <a:round/>
+                      <a:headEnd type="none" w="med" len="med"/>
+                      <a:tailEnd type="none" w="med" len="med"/>
+                    </a:lnB>
+                  </a:tcPr>
+                </a:tc>
+                <a:extLst>
+                  <a:ext uri="{0D108BD9-81ED-4DB2-BD59-A6C34878D82A}">
+                    <a16:rowId xmlns:a16="http://schemas.microsoft.com/office/drawing/2014/main" val="1617935995"/>
+                  </a:ext>
+                </a:extLst>
+              </a:tr>
+              <a:tr h="370840">
+                <a:tc>
+                  <a:txBody>
+                    <a:bodyPr/>
+                    <a:lstStyle/>
+                    <a:p>
+                      <a:pPr algn="ctr"/>
+                      <a:r>
+                        <a:rPr lang="en-GB" b="1" dirty="0" err="1"/>
+                        <a:t>posTrend</a:t>
+                      </a:r>
+                      <a:endParaRPr lang="en-GB" b="1" dirty="0"/>
+                    </a:p>
+                  </a:txBody>
+                  <a:tcPr anchor="ctr">
+                    <a:lnT w="12700" cap="flat" cmpd="sng" algn="ctr">
+                      <a:solidFill>
+                        <a:schemeClr val="tx1"/>
+                      </a:solidFill>
+                      <a:prstDash val="solid"/>
+                      <a:round/>
+                      <a:headEnd type="none" w="med" len="med"/>
+                      <a:tailEnd type="none" w="med" len="med"/>
+                    </a:lnT>
+                  </a:tcPr>
+                </a:tc>
+                <a:tc>
+                  <a:txBody>
+                    <a:bodyPr/>
+                    <a:lstStyle/>
+                    <a:p>
+                      <a:pPr algn="ctr"/>
+                      <a:r>
+                        <a:rPr lang="en-GB" dirty="0"/>
+                        <a:t>121</a:t>
+                      </a:r>
+                    </a:p>
+                  </a:txBody>
+                  <a:tcPr anchor="ctr">
+                    <a:lnT w="12700" cap="flat" cmpd="sng" algn="ctr">
+                      <a:solidFill>
+                        <a:schemeClr val="tx1"/>
+                      </a:solidFill>
+                      <a:prstDash val="solid"/>
+                      <a:round/>
+                      <a:headEnd type="none" w="med" len="med"/>
+                      <a:tailEnd type="none" w="med" len="med"/>
+                    </a:lnT>
+                    <a:solidFill>
+                      <a:schemeClr val="tx2">
+                        <a:lumMod val="20000"/>
+                        <a:lumOff val="80000"/>
+                      </a:schemeClr>
+                    </a:solidFill>
+                  </a:tcPr>
+                </a:tc>
+                <a:tc>
+                  <a:txBody>
+                    <a:bodyPr/>
+                    <a:lstStyle/>
+                    <a:p>
+                      <a:pPr algn="ctr"/>
+                      <a:r>
+                        <a:rPr lang="en-GB" dirty="0"/>
+                        <a:t>89</a:t>
+                      </a:r>
+                    </a:p>
+                  </a:txBody>
+                  <a:tcPr anchor="ctr">
+                    <a:lnT w="12700" cap="flat" cmpd="sng" algn="ctr">
+                      <a:solidFill>
+                        <a:schemeClr val="tx1"/>
+                      </a:solidFill>
+                      <a:prstDash val="solid"/>
+                      <a:round/>
+                      <a:headEnd type="none" w="med" len="med"/>
+                      <a:tailEnd type="none" w="med" len="med"/>
+                    </a:lnT>
+                    <a:solidFill>
+                      <a:schemeClr val="tx2">
+                        <a:lumMod val="20000"/>
+                        <a:lumOff val="80000"/>
+                      </a:schemeClr>
+                    </a:solidFill>
+                  </a:tcPr>
+                </a:tc>
+                <a:tc>
+                  <a:txBody>
+                    <a:bodyPr/>
+                    <a:lstStyle/>
+                    <a:p>
+                      <a:pPr algn="ctr"/>
+                      <a:r>
+                        <a:rPr lang="en-GB" dirty="0"/>
+                        <a:t>155</a:t>
+                      </a:r>
+                    </a:p>
+                  </a:txBody>
+                  <a:tcPr anchor="ctr">
+                    <a:lnT w="12700" cap="flat" cmpd="sng" algn="ctr">
+                      <a:solidFill>
+                        <a:schemeClr val="tx1"/>
+                      </a:solidFill>
+                      <a:prstDash val="solid"/>
+                      <a:round/>
+                      <a:headEnd type="none" w="med" len="med"/>
+                      <a:tailEnd type="none" w="med" len="med"/>
+                    </a:lnT>
+                    <a:solidFill>
+                      <a:schemeClr val="tx2">
+                        <a:lumMod val="20000"/>
+                        <a:lumOff val="80000"/>
+                      </a:schemeClr>
+                    </a:solidFill>
+                  </a:tcPr>
+                </a:tc>
+                <a:tc>
+                  <a:txBody>
+                    <a:bodyPr/>
+                    <a:lstStyle/>
+                    <a:p>
+                      <a:pPr algn="ctr"/>
+                      <a:r>
+                        <a:rPr lang="en-GB" dirty="0"/>
+                        <a:t>131</a:t>
+                      </a:r>
+                    </a:p>
+                  </a:txBody>
+                  <a:tcPr anchor="ctr">
+                    <a:lnT w="12700" cap="flat" cmpd="sng" algn="ctr">
+                      <a:solidFill>
+                        <a:schemeClr val="tx1"/>
+                      </a:solidFill>
+                      <a:prstDash val="solid"/>
+                      <a:round/>
+                      <a:headEnd type="none" w="med" len="med"/>
+                      <a:tailEnd type="none" w="med" len="med"/>
+                    </a:lnT>
+                    <a:solidFill>
+                      <a:schemeClr val="tx2">
+                        <a:lumMod val="20000"/>
+                        <a:lumOff val="80000"/>
+                      </a:schemeClr>
+                    </a:solidFill>
+                  </a:tcPr>
+                </a:tc>
+                <a:extLst>
+                  <a:ext uri="{0D108BD9-81ED-4DB2-BD59-A6C34878D82A}">
+                    <a16:rowId xmlns:a16="http://schemas.microsoft.com/office/drawing/2014/main" val="2198470664"/>
+                  </a:ext>
+                </a:extLst>
+              </a:tr>
+              <a:tr h="370840">
+                <a:tc>
+                  <a:txBody>
+                    <a:bodyPr/>
+                    <a:lstStyle/>
+                    <a:p>
+                      <a:pPr algn="ctr"/>
+                      <a:r>
+                        <a:rPr lang="en-GB" b="1" dirty="0" err="1"/>
+                        <a:t>negTrend</a:t>
+                      </a:r>
+                      <a:endParaRPr lang="en-GB" b="1" dirty="0"/>
+                    </a:p>
+                  </a:txBody>
+                  <a:tcPr anchor="ctr"/>
+                </a:tc>
+                <a:tc>
+                  <a:txBody>
+                    <a:bodyPr/>
+                    <a:lstStyle/>
+                    <a:p>
+                      <a:pPr algn="ctr"/>
+                      <a:r>
+                        <a:rPr lang="en-GB" dirty="0"/>
+                        <a:t>53</a:t>
+                      </a:r>
+                    </a:p>
+                  </a:txBody>
+                  <a:tcPr anchor="ctr">
+                    <a:solidFill>
+                      <a:schemeClr val="tx2">
+                        <a:lumMod val="20000"/>
+                        <a:lumOff val="80000"/>
+                      </a:schemeClr>
+                    </a:solidFill>
+                  </a:tcPr>
+                </a:tc>
+                <a:tc>
+                  <a:txBody>
+                    <a:bodyPr/>
+                    <a:lstStyle/>
+                    <a:p>
+                      <a:pPr algn="ctr"/>
+                      <a:r>
+                        <a:rPr lang="en-GB" dirty="0"/>
+                        <a:t>17</a:t>
+                      </a:r>
+                    </a:p>
+                  </a:txBody>
+                  <a:tcPr anchor="ctr">
+                    <a:solidFill>
+                      <a:schemeClr val="tx2">
+                        <a:lumMod val="20000"/>
+                        <a:lumOff val="80000"/>
+                      </a:schemeClr>
+                    </a:solidFill>
+                  </a:tcPr>
+                </a:tc>
+                <a:tc>
+                  <a:txBody>
+                    <a:bodyPr/>
+                    <a:lstStyle/>
+                    <a:p>
+                      <a:pPr algn="ctr"/>
+                      <a:r>
+                        <a:rPr lang="en-GB" dirty="0"/>
+                        <a:t>84</a:t>
+                      </a:r>
+                    </a:p>
+                  </a:txBody>
+                  <a:tcPr anchor="ctr">
+                    <a:solidFill>
+                      <a:schemeClr val="tx2">
+                        <a:lumMod val="20000"/>
+                        <a:lumOff val="80000"/>
+                      </a:schemeClr>
+                    </a:solidFill>
+                  </a:tcPr>
+                </a:tc>
+                <a:tc>
+                  <a:txBody>
+                    <a:bodyPr/>
+                    <a:lstStyle/>
+                    <a:p>
+                      <a:pPr algn="ctr"/>
+                      <a:r>
+                        <a:rPr lang="en-GB" dirty="0"/>
+                        <a:t>51</a:t>
+                      </a:r>
+                    </a:p>
+                  </a:txBody>
+                  <a:tcPr anchor="ctr">
+                    <a:solidFill>
+                      <a:schemeClr val="tx2">
+                        <a:lumMod val="20000"/>
+                        <a:lumOff val="80000"/>
+                      </a:schemeClr>
+                    </a:solidFill>
+                  </a:tcPr>
+                </a:tc>
+                <a:extLst>
+                  <a:ext uri="{0D108BD9-81ED-4DB2-BD59-A6C34878D82A}">
+                    <a16:rowId xmlns:a16="http://schemas.microsoft.com/office/drawing/2014/main" val="2824278408"/>
+                  </a:ext>
+                </a:extLst>
+              </a:tr>
+              <a:tr h="0">
+                <a:tc>
+                  <a:txBody>
+                    <a:bodyPr/>
+                    <a:lstStyle/>
+                    <a:p>
+                      <a:pPr algn="ctr"/>
+                      <a:r>
+                        <a:rPr lang="en-GB" b="1" dirty="0">
+                          <a:solidFill>
+                            <a:srgbClr val="FF0000"/>
+                          </a:solidFill>
+                        </a:rPr>
+                        <a:t>none</a:t>
+                      </a:r>
+                    </a:p>
+                  </a:txBody>
+                  <a:tcPr anchor="ctr"/>
+                </a:tc>
+                <a:tc>
+                  <a:txBody>
+                    <a:bodyPr/>
+                    <a:lstStyle/>
+                    <a:p>
+                      <a:pPr algn="ctr"/>
+                      <a:r>
+                        <a:rPr lang="en-GB" dirty="0">
+                          <a:solidFill>
+                            <a:srgbClr val="0070C0"/>
+                          </a:solidFill>
+                        </a:rPr>
+                        <a:t>234</a:t>
+                      </a:r>
+                    </a:p>
+                  </a:txBody>
+                  <a:tcPr anchor="ctr">
+                    <a:solidFill>
+                      <a:schemeClr val="tx2">
+                        <a:lumMod val="20000"/>
+                        <a:lumOff val="80000"/>
+                      </a:schemeClr>
+                    </a:solidFill>
+                  </a:tcPr>
+                </a:tc>
+                <a:tc>
+                  <a:txBody>
+                    <a:bodyPr/>
+                    <a:lstStyle/>
+                    <a:p>
+                      <a:pPr algn="ctr"/>
+                      <a:r>
+                        <a:rPr lang="en-GB" dirty="0">
+                          <a:solidFill>
+                            <a:srgbClr val="FF0000"/>
+                          </a:solidFill>
+                        </a:rPr>
+                        <a:t>302</a:t>
+                      </a:r>
+                    </a:p>
+                  </a:txBody>
+                  <a:tcPr anchor="ctr">
+                    <a:solidFill>
+                      <a:schemeClr val="tx2">
+                        <a:lumMod val="20000"/>
+                        <a:lumOff val="80000"/>
+                      </a:schemeClr>
+                    </a:solidFill>
+                  </a:tcPr>
+                </a:tc>
+                <a:tc>
+                  <a:txBody>
+                    <a:bodyPr/>
+                    <a:lstStyle/>
+                    <a:p>
+                      <a:pPr algn="ctr"/>
+                      <a:r>
+                        <a:rPr lang="en-GB" dirty="0">
+                          <a:solidFill>
+                            <a:srgbClr val="0070C0"/>
+                          </a:solidFill>
+                        </a:rPr>
+                        <a:t>162</a:t>
+                      </a:r>
+                    </a:p>
+                  </a:txBody>
+                  <a:tcPr anchor="ctr">
+                    <a:solidFill>
+                      <a:schemeClr val="tx2">
+                        <a:lumMod val="20000"/>
+                        <a:lumOff val="80000"/>
+                      </a:schemeClr>
+                    </a:solidFill>
+                  </a:tcPr>
+                </a:tc>
+                <a:tc>
+                  <a:txBody>
+                    <a:bodyPr/>
+                    <a:lstStyle/>
+                    <a:p>
+                      <a:pPr algn="ctr"/>
+                      <a:r>
+                        <a:rPr lang="en-GB" dirty="0">
+                          <a:solidFill>
+                            <a:srgbClr val="FF0000"/>
+                          </a:solidFill>
+                        </a:rPr>
+                        <a:t>219</a:t>
+                      </a:r>
+                    </a:p>
+                  </a:txBody>
+                  <a:tcPr anchor="ctr">
+                    <a:solidFill>
+                      <a:schemeClr val="tx2">
+                        <a:lumMod val="20000"/>
+                        <a:lumOff val="80000"/>
+                      </a:schemeClr>
+                    </a:solidFill>
+                  </a:tcPr>
+                </a:tc>
+                <a:extLst>
+                  <a:ext uri="{0D108BD9-81ED-4DB2-BD59-A6C34878D82A}">
+                    <a16:rowId xmlns:a16="http://schemas.microsoft.com/office/drawing/2014/main" val="736393307"/>
+                  </a:ext>
+                </a:extLst>
+              </a:tr>
+            </a:tbl>
+          </a:graphicData>
+        </a:graphic>
+      </p:graphicFrame>
+      <p:graphicFrame>
+        <p:nvGraphicFramePr>
+          <p:cNvPr id="5" name="Tabela 4">
+            <a:extLst>
+              <a:ext uri="{FF2B5EF4-FFF2-40B4-BE49-F238E27FC236}">
+                <a16:creationId xmlns:a16="http://schemas.microsoft.com/office/drawing/2014/main" id="{92989178-6C6D-4BF4-B4DA-12023A2CCDF9}"/>
+              </a:ext>
+            </a:extLst>
+          </p:cNvPr>
+          <p:cNvGraphicFramePr>
+            <a:graphicFrameLocks/>
+          </p:cNvGraphicFramePr>
+          <p:nvPr>
+            <p:extLst>
+              <p:ext uri="{D42A27DB-BD31-4B8C-83A1-F6EECF244321}">
+                <p14:modId xmlns:p14="http://schemas.microsoft.com/office/powerpoint/2010/main" val="2635617495"/>
+              </p:ext>
+            </p:extLst>
+          </p:nvPr>
+        </p:nvGraphicFramePr>
+        <p:xfrm>
+          <a:off x="6604637" y="484505"/>
+          <a:ext cx="4246245" cy="2219960"/>
+        </p:xfrm>
+        <a:graphic>
+          <a:graphicData uri="http://schemas.openxmlformats.org/drawingml/2006/table">
+            <a:tbl>
+              <a:tblPr firstRow="1" bandRow="1">
+                <a:tableStyleId>{5940675A-B579-460E-94D1-54222C63F5DA}</a:tableStyleId>
+              </a:tblPr>
+              <a:tblGrid>
+                <a:gridCol w="1066800">
+                  <a:extLst>
+                    <a:ext uri="{9D8B030D-6E8A-4147-A177-3AD203B41FA5}">
+                      <a16:colId xmlns:a16="http://schemas.microsoft.com/office/drawing/2014/main" val="1701201561"/>
+                    </a:ext>
+                  </a:extLst>
+                </a:gridCol>
+                <a:gridCol w="762000">
+                  <a:extLst>
+                    <a:ext uri="{9D8B030D-6E8A-4147-A177-3AD203B41FA5}">
+                      <a16:colId xmlns:a16="http://schemas.microsoft.com/office/drawing/2014/main" val="4167930595"/>
+                    </a:ext>
+                  </a:extLst>
+                </a:gridCol>
+                <a:gridCol w="807720">
+                  <a:extLst>
+                    <a:ext uri="{9D8B030D-6E8A-4147-A177-3AD203B41FA5}">
+                      <a16:colId xmlns:a16="http://schemas.microsoft.com/office/drawing/2014/main" val="492848237"/>
+                    </a:ext>
+                  </a:extLst>
+                </a:gridCol>
+                <a:gridCol w="746760">
+                  <a:extLst>
+                    <a:ext uri="{9D8B030D-6E8A-4147-A177-3AD203B41FA5}">
+                      <a16:colId xmlns:a16="http://schemas.microsoft.com/office/drawing/2014/main" val="3736126804"/>
+                    </a:ext>
+                  </a:extLst>
+                </a:gridCol>
+                <a:gridCol w="862965">
+                  <a:extLst>
+                    <a:ext uri="{9D8B030D-6E8A-4147-A177-3AD203B41FA5}">
+                      <a16:colId xmlns:a16="http://schemas.microsoft.com/office/drawing/2014/main" val="1008030012"/>
+                    </a:ext>
+                  </a:extLst>
+                </a:gridCol>
+              </a:tblGrid>
+              <a:tr h="370840">
+                <a:tc>
+                  <a:txBody>
+                    <a:bodyPr/>
+                    <a:lstStyle/>
+                    <a:p>
+                      <a:pPr algn="ctr"/>
+                      <a:r>
+                        <a:rPr lang="en-GB" b="1" dirty="0"/>
+                        <a:t>TS (US)</a:t>
+                      </a:r>
+                    </a:p>
+                  </a:txBody>
+                  <a:tcPr anchor="ctr"/>
+                </a:tc>
+                <a:tc>
+                  <a:txBody>
+                    <a:bodyPr/>
+                    <a:lstStyle/>
+                    <a:p>
+                      <a:pPr algn="ctr"/>
+                      <a:r>
+                        <a:rPr lang="en-GB" b="1" dirty="0"/>
+                        <a:t>LID</a:t>
+                      </a:r>
+                    </a:p>
+                  </a:txBody>
+                  <a:tcPr anchor="ctr"/>
+                </a:tc>
+                <a:tc>
+                  <a:txBody>
+                    <a:bodyPr/>
+                    <a:lstStyle/>
+                    <a:p>
+                      <a:pPr algn="ctr"/>
+                      <a:r>
+                        <a:rPr lang="en-GB" b="1" dirty="0"/>
+                        <a:t>LID</a:t>
+                      </a:r>
+                    </a:p>
+                  </a:txBody>
+                  <a:tcPr anchor="ctr"/>
+                </a:tc>
+                <a:tc>
+                  <a:txBody>
+                    <a:bodyPr/>
+                    <a:lstStyle/>
+                    <a:p>
+                      <a:pPr algn="ctr"/>
+                      <a:r>
+                        <a:rPr lang="en-GB" b="1" dirty="0"/>
+                        <a:t>LID</a:t>
+                      </a:r>
+                    </a:p>
+                  </a:txBody>
+                  <a:tcPr anchor="ctr"/>
+                </a:tc>
+                <a:tc>
+                  <a:txBody>
+                    <a:bodyPr/>
+                    <a:lstStyle/>
+                    <a:p>
+                      <a:pPr algn="ctr"/>
+                      <a:r>
+                        <a:rPr lang="en-GB" b="1" dirty="0"/>
+                        <a:t>LID</a:t>
+                      </a:r>
+                    </a:p>
+                  </a:txBody>
+                  <a:tcPr anchor="ctr"/>
+                </a:tc>
+                <a:extLst>
+                  <a:ext uri="{0D108BD9-81ED-4DB2-BD59-A6C34878D82A}">
+                    <a16:rowId xmlns:a16="http://schemas.microsoft.com/office/drawing/2014/main" val="1346804736"/>
+                  </a:ext>
+                </a:extLst>
+              </a:tr>
+              <a:tr h="370840">
+                <a:tc>
+                  <a:txBody>
+                    <a:bodyPr/>
+                    <a:lstStyle/>
+                    <a:p>
+                      <a:pPr algn="ctr"/>
+                      <a:r>
+                        <a:rPr lang="en-GB" b="1" dirty="0"/>
+                        <a:t>w</a:t>
+                      </a:r>
+                    </a:p>
+                  </a:txBody>
+                  <a:tcPr anchor="ctr"/>
+                </a:tc>
+                <a:tc>
+                  <a:txBody>
+                    <a:bodyPr/>
+                    <a:lstStyle/>
+                    <a:p>
+                      <a:pPr algn="ctr"/>
+                      <a:r>
+                        <a:rPr lang="en-GB" dirty="0"/>
+                        <a:t>14</a:t>
+                      </a:r>
+                    </a:p>
+                  </a:txBody>
+                  <a:tcPr anchor="ctr"/>
+                </a:tc>
+                <a:tc>
+                  <a:txBody>
+                    <a:bodyPr/>
+                    <a:lstStyle/>
+                    <a:p>
+                      <a:pPr algn="ctr"/>
+                      <a:r>
+                        <a:rPr lang="en-GB" dirty="0"/>
+                        <a:t>14</a:t>
+                      </a:r>
+                    </a:p>
+                  </a:txBody>
+                  <a:tcPr anchor="ctr"/>
+                </a:tc>
+                <a:tc>
+                  <a:txBody>
+                    <a:bodyPr/>
+                    <a:lstStyle/>
+                    <a:p>
+                      <a:pPr algn="ctr"/>
+                      <a:r>
+                        <a:rPr lang="en-GB" dirty="0"/>
+                        <a:t>21</a:t>
+                      </a:r>
+                    </a:p>
+                  </a:txBody>
+                  <a:tcPr anchor="ctr"/>
+                </a:tc>
+                <a:tc>
+                  <a:txBody>
+                    <a:bodyPr/>
+                    <a:lstStyle/>
+                    <a:p>
+                      <a:pPr algn="ctr"/>
+                      <a:r>
+                        <a:rPr lang="en-GB" dirty="0"/>
+                        <a:t>21</a:t>
+                      </a:r>
+                    </a:p>
+                  </a:txBody>
+                  <a:tcPr anchor="ctr"/>
+                </a:tc>
+                <a:extLst>
+                  <a:ext uri="{0D108BD9-81ED-4DB2-BD59-A6C34878D82A}">
+                    <a16:rowId xmlns:a16="http://schemas.microsoft.com/office/drawing/2014/main" val="1147047115"/>
+                  </a:ext>
+                </a:extLst>
+              </a:tr>
+              <a:tr h="370840">
+                <a:tc>
+                  <a:txBody>
+                    <a:bodyPr/>
+                    <a:lstStyle/>
+                    <a:p>
+                      <a:pPr algn="ctr"/>
+                      <a:r>
+                        <a:rPr lang="en-GB" b="1" dirty="0"/>
+                        <a:t>alpha</a:t>
+                      </a:r>
+                    </a:p>
+                  </a:txBody>
+                  <a:tcPr anchor="ctr"/>
+                </a:tc>
+                <a:tc>
+                  <a:txBody>
+                    <a:bodyPr/>
+                    <a:lstStyle/>
+                    <a:p>
+                      <a:pPr algn="ctr"/>
+                      <a:r>
+                        <a:rPr lang="en-GB" dirty="0"/>
+                        <a:t>05</a:t>
+                      </a:r>
+                    </a:p>
+                  </a:txBody>
+                  <a:tcPr anchor="ctr"/>
+                </a:tc>
+                <a:tc>
+                  <a:txBody>
+                    <a:bodyPr/>
+                    <a:lstStyle/>
+                    <a:p>
+                      <a:pPr algn="ctr"/>
+                      <a:r>
+                        <a:rPr lang="en-GB" dirty="0"/>
+                        <a:t>01</a:t>
+                      </a:r>
+                    </a:p>
+                  </a:txBody>
+                  <a:tcPr anchor="ctr"/>
+                </a:tc>
+                <a:tc>
+                  <a:txBody>
+                    <a:bodyPr/>
+                    <a:lstStyle/>
+                    <a:p>
+                      <a:pPr algn="ctr"/>
+                      <a:r>
+                        <a:rPr lang="en-GB" dirty="0"/>
+                        <a:t>05</a:t>
+                      </a:r>
+                    </a:p>
+                  </a:txBody>
+                  <a:tcPr anchor="ctr"/>
+                </a:tc>
+                <a:tc>
+                  <a:txBody>
+                    <a:bodyPr/>
+                    <a:lstStyle/>
+                    <a:p>
+                      <a:pPr algn="ctr"/>
+                      <a:r>
+                        <a:rPr lang="en-GB" dirty="0"/>
+                        <a:t>01</a:t>
+                      </a:r>
+                    </a:p>
+                  </a:txBody>
+                  <a:tcPr anchor="ctr"/>
+                </a:tc>
+                <a:extLst>
+                  <a:ext uri="{0D108BD9-81ED-4DB2-BD59-A6C34878D82A}">
+                    <a16:rowId xmlns:a16="http://schemas.microsoft.com/office/drawing/2014/main" val="1617935995"/>
+                  </a:ext>
+                </a:extLst>
+              </a:tr>
+              <a:tr h="370840">
+                <a:tc>
+                  <a:txBody>
+                    <a:bodyPr/>
+                    <a:lstStyle/>
+                    <a:p>
+                      <a:pPr algn="ctr"/>
+                      <a:r>
+                        <a:rPr lang="en-GB" b="1" dirty="0" err="1"/>
+                        <a:t>posTrend</a:t>
+                      </a:r>
+                      <a:endParaRPr lang="en-GB" b="1" dirty="0"/>
+                    </a:p>
+                  </a:txBody>
+                  <a:tcPr anchor="ctr"/>
+                </a:tc>
+                <a:tc>
+                  <a:txBody>
+                    <a:bodyPr/>
+                    <a:lstStyle/>
+                    <a:p>
+                      <a:pPr algn="ctr"/>
+                      <a:r>
+                        <a:rPr lang="en-GB" dirty="0"/>
+                        <a:t>121</a:t>
+                      </a:r>
+                    </a:p>
+                  </a:txBody>
+                  <a:tcPr anchor="ctr">
+                    <a:solidFill>
+                      <a:schemeClr val="tx2">
+                        <a:lumMod val="20000"/>
+                        <a:lumOff val="80000"/>
+                      </a:schemeClr>
+                    </a:solidFill>
+                  </a:tcPr>
+                </a:tc>
+                <a:tc>
+                  <a:txBody>
+                    <a:bodyPr/>
+                    <a:lstStyle/>
+                    <a:p>
+                      <a:pPr algn="ctr"/>
+                      <a:r>
+                        <a:rPr lang="en-GB" dirty="0"/>
+                        <a:t>89</a:t>
+                      </a:r>
+                    </a:p>
+                  </a:txBody>
+                  <a:tcPr anchor="ctr">
+                    <a:solidFill>
+                      <a:schemeClr val="tx2">
+                        <a:lumMod val="20000"/>
+                        <a:lumOff val="80000"/>
+                      </a:schemeClr>
+                    </a:solidFill>
+                  </a:tcPr>
+                </a:tc>
+                <a:tc>
+                  <a:txBody>
+                    <a:bodyPr/>
+                    <a:lstStyle/>
+                    <a:p>
+                      <a:pPr algn="ctr"/>
+                      <a:r>
+                        <a:rPr lang="en-GB" dirty="0"/>
+                        <a:t>155</a:t>
+                      </a:r>
+                    </a:p>
+                  </a:txBody>
+                  <a:tcPr anchor="ctr">
+                    <a:solidFill>
+                      <a:schemeClr val="tx2">
+                        <a:lumMod val="20000"/>
+                        <a:lumOff val="80000"/>
+                      </a:schemeClr>
+                    </a:solidFill>
+                  </a:tcPr>
+                </a:tc>
+                <a:tc>
+                  <a:txBody>
+                    <a:bodyPr/>
+                    <a:lstStyle/>
+                    <a:p>
+                      <a:pPr algn="ctr"/>
+                      <a:r>
+                        <a:rPr lang="en-GB" dirty="0"/>
+                        <a:t>131</a:t>
+                      </a:r>
+                    </a:p>
+                  </a:txBody>
+                  <a:tcPr anchor="ctr">
+                    <a:solidFill>
+                      <a:schemeClr val="tx2">
+                        <a:lumMod val="20000"/>
+                        <a:lumOff val="80000"/>
+                      </a:schemeClr>
+                    </a:solidFill>
+                  </a:tcPr>
+                </a:tc>
+                <a:extLst>
+                  <a:ext uri="{0D108BD9-81ED-4DB2-BD59-A6C34878D82A}">
+                    <a16:rowId xmlns:a16="http://schemas.microsoft.com/office/drawing/2014/main" val="2198470664"/>
+                  </a:ext>
+                </a:extLst>
+              </a:tr>
+              <a:tr h="370840">
+                <a:tc>
+                  <a:txBody>
+                    <a:bodyPr/>
+                    <a:lstStyle/>
+                    <a:p>
+                      <a:pPr algn="ctr"/>
+                      <a:r>
+                        <a:rPr lang="en-GB" b="1" dirty="0" err="1"/>
+                        <a:t>negTrend</a:t>
+                      </a:r>
+                      <a:endParaRPr lang="en-GB" b="1" dirty="0"/>
+                    </a:p>
+                  </a:txBody>
+                  <a:tcPr anchor="ctr"/>
+                </a:tc>
+                <a:tc>
+                  <a:txBody>
+                    <a:bodyPr/>
+                    <a:lstStyle/>
+                    <a:p>
+                      <a:pPr algn="ctr"/>
+                      <a:r>
+                        <a:rPr lang="en-GB" dirty="0"/>
+                        <a:t>53</a:t>
+                      </a:r>
+                    </a:p>
+                  </a:txBody>
+                  <a:tcPr anchor="ctr">
+                    <a:solidFill>
+                      <a:schemeClr val="tx2">
+                        <a:lumMod val="20000"/>
+                        <a:lumOff val="80000"/>
+                      </a:schemeClr>
+                    </a:solidFill>
+                  </a:tcPr>
+                </a:tc>
+                <a:tc>
+                  <a:txBody>
+                    <a:bodyPr/>
+                    <a:lstStyle/>
+                    <a:p>
+                      <a:pPr algn="ctr"/>
+                      <a:r>
+                        <a:rPr lang="en-GB" dirty="0"/>
+                        <a:t>17</a:t>
+                      </a:r>
+                    </a:p>
+                  </a:txBody>
+                  <a:tcPr anchor="ctr">
+                    <a:solidFill>
+                      <a:schemeClr val="tx2">
+                        <a:lumMod val="20000"/>
+                        <a:lumOff val="80000"/>
+                      </a:schemeClr>
+                    </a:solidFill>
+                  </a:tcPr>
+                </a:tc>
+                <a:tc>
+                  <a:txBody>
+                    <a:bodyPr/>
+                    <a:lstStyle/>
+                    <a:p>
+                      <a:pPr algn="ctr"/>
+                      <a:r>
+                        <a:rPr lang="en-GB" dirty="0"/>
+                        <a:t>84</a:t>
+                      </a:r>
+                    </a:p>
+                  </a:txBody>
+                  <a:tcPr anchor="ctr">
+                    <a:solidFill>
+                      <a:schemeClr val="tx2">
+                        <a:lumMod val="20000"/>
+                        <a:lumOff val="80000"/>
+                      </a:schemeClr>
+                    </a:solidFill>
+                  </a:tcPr>
+                </a:tc>
+                <a:tc>
+                  <a:txBody>
+                    <a:bodyPr/>
+                    <a:lstStyle/>
+                    <a:p>
+                      <a:pPr algn="ctr"/>
+                      <a:r>
+                        <a:rPr lang="en-GB" dirty="0"/>
+                        <a:t>51</a:t>
+                      </a:r>
+                    </a:p>
+                  </a:txBody>
+                  <a:tcPr anchor="ctr">
+                    <a:solidFill>
+                      <a:schemeClr val="tx2">
+                        <a:lumMod val="20000"/>
+                        <a:lumOff val="80000"/>
+                      </a:schemeClr>
+                    </a:solidFill>
+                  </a:tcPr>
+                </a:tc>
+                <a:extLst>
+                  <a:ext uri="{0D108BD9-81ED-4DB2-BD59-A6C34878D82A}">
+                    <a16:rowId xmlns:a16="http://schemas.microsoft.com/office/drawing/2014/main" val="2824278408"/>
+                  </a:ext>
+                </a:extLst>
+              </a:tr>
+              <a:tr h="0">
+                <a:tc>
+                  <a:txBody>
+                    <a:bodyPr/>
+                    <a:lstStyle/>
+                    <a:p>
+                      <a:pPr algn="ctr"/>
+                      <a:r>
+                        <a:rPr lang="en-GB" b="1" dirty="0"/>
+                        <a:t>none</a:t>
+                      </a:r>
+                    </a:p>
+                  </a:txBody>
+                  <a:tcPr anchor="ctr"/>
+                </a:tc>
+                <a:tc>
+                  <a:txBody>
+                    <a:bodyPr/>
+                    <a:lstStyle/>
+                    <a:p>
+                      <a:pPr algn="ctr"/>
+                      <a:r>
+                        <a:rPr lang="en-GB" dirty="0">
+                          <a:solidFill>
+                            <a:srgbClr val="0070C0"/>
+                          </a:solidFill>
+                        </a:rPr>
+                        <a:t>234</a:t>
+                      </a:r>
+                    </a:p>
+                  </a:txBody>
+                  <a:tcPr anchor="ctr">
+                    <a:solidFill>
+                      <a:schemeClr val="tx2">
+                        <a:lumMod val="20000"/>
+                        <a:lumOff val="80000"/>
+                      </a:schemeClr>
+                    </a:solidFill>
+                  </a:tcPr>
+                </a:tc>
+                <a:tc>
+                  <a:txBody>
+                    <a:bodyPr/>
+                    <a:lstStyle/>
+                    <a:p>
+                      <a:pPr algn="ctr"/>
+                      <a:r>
+                        <a:rPr lang="en-GB" dirty="0">
+                          <a:solidFill>
+                            <a:srgbClr val="FF0000"/>
+                          </a:solidFill>
+                        </a:rPr>
+                        <a:t>302</a:t>
+                      </a:r>
+                    </a:p>
+                  </a:txBody>
+                  <a:tcPr anchor="ctr">
+                    <a:solidFill>
+                      <a:schemeClr val="tx2">
+                        <a:lumMod val="20000"/>
+                        <a:lumOff val="80000"/>
+                      </a:schemeClr>
+                    </a:solidFill>
+                  </a:tcPr>
+                </a:tc>
+                <a:tc>
+                  <a:txBody>
+                    <a:bodyPr/>
+                    <a:lstStyle/>
+                    <a:p>
+                      <a:pPr algn="ctr"/>
+                      <a:r>
+                        <a:rPr lang="en-GB" dirty="0">
+                          <a:solidFill>
+                            <a:srgbClr val="0070C0"/>
+                          </a:solidFill>
+                        </a:rPr>
+                        <a:t>162</a:t>
+                      </a:r>
+                    </a:p>
+                  </a:txBody>
+                  <a:tcPr anchor="ctr">
+                    <a:solidFill>
+                      <a:schemeClr val="tx2">
+                        <a:lumMod val="20000"/>
+                        <a:lumOff val="80000"/>
+                      </a:schemeClr>
+                    </a:solidFill>
+                  </a:tcPr>
+                </a:tc>
+                <a:tc>
+                  <a:txBody>
+                    <a:bodyPr/>
+                    <a:lstStyle/>
+                    <a:p>
+                      <a:pPr algn="ctr"/>
+                      <a:r>
+                        <a:rPr lang="en-GB" dirty="0">
+                          <a:solidFill>
+                            <a:srgbClr val="FF0000"/>
+                          </a:solidFill>
+                        </a:rPr>
+                        <a:t>219</a:t>
+                      </a:r>
+                    </a:p>
+                  </a:txBody>
+                  <a:tcPr anchor="ctr">
+                    <a:solidFill>
+                      <a:schemeClr val="tx2">
+                        <a:lumMod val="20000"/>
+                        <a:lumOff val="80000"/>
+                      </a:schemeClr>
+                    </a:solidFill>
+                  </a:tcPr>
+                </a:tc>
+                <a:extLst>
+                  <a:ext uri="{0D108BD9-81ED-4DB2-BD59-A6C34878D82A}">
+                    <a16:rowId xmlns:a16="http://schemas.microsoft.com/office/drawing/2014/main" val="736393307"/>
+                  </a:ext>
+                </a:extLst>
+              </a:tr>
+            </a:tbl>
+          </a:graphicData>
+        </a:graphic>
+      </p:graphicFrame>
+      <p:graphicFrame>
+        <p:nvGraphicFramePr>
+          <p:cNvPr id="6" name="Tabela 4">
+            <a:extLst>
+              <a:ext uri="{FF2B5EF4-FFF2-40B4-BE49-F238E27FC236}">
+                <a16:creationId xmlns:a16="http://schemas.microsoft.com/office/drawing/2014/main" id="{9C9A3DC4-9DA2-44DD-9C94-9144650F7E82}"/>
+              </a:ext>
+            </a:extLst>
+          </p:cNvPr>
+          <p:cNvGraphicFramePr>
+            <a:graphicFrameLocks/>
+          </p:cNvGraphicFramePr>
+          <p:nvPr>
+            <p:extLst>
+              <p:ext uri="{D42A27DB-BD31-4B8C-83A1-F6EECF244321}">
+                <p14:modId xmlns:p14="http://schemas.microsoft.com/office/powerpoint/2010/main" val="240957373"/>
+              </p:ext>
+            </p:extLst>
+          </p:nvPr>
+        </p:nvGraphicFramePr>
+        <p:xfrm>
+          <a:off x="1341120" y="3429000"/>
+          <a:ext cx="4246245" cy="2219960"/>
+        </p:xfrm>
+        <a:graphic>
+          <a:graphicData uri="http://schemas.openxmlformats.org/drawingml/2006/table">
+            <a:tbl>
+              <a:tblPr firstRow="1" bandRow="1">
+                <a:tableStyleId>{5940675A-B579-460E-94D1-54222C63F5DA}</a:tableStyleId>
+              </a:tblPr>
+              <a:tblGrid>
+                <a:gridCol w="1066800">
+                  <a:extLst>
+                    <a:ext uri="{9D8B030D-6E8A-4147-A177-3AD203B41FA5}">
+                      <a16:colId xmlns:a16="http://schemas.microsoft.com/office/drawing/2014/main" val="1701201561"/>
+                    </a:ext>
+                  </a:extLst>
+                </a:gridCol>
+                <a:gridCol w="762000">
+                  <a:extLst>
+                    <a:ext uri="{9D8B030D-6E8A-4147-A177-3AD203B41FA5}">
+                      <a16:colId xmlns:a16="http://schemas.microsoft.com/office/drawing/2014/main" val="4167930595"/>
+                    </a:ext>
+                  </a:extLst>
+                </a:gridCol>
+                <a:gridCol w="807720">
+                  <a:extLst>
+                    <a:ext uri="{9D8B030D-6E8A-4147-A177-3AD203B41FA5}">
+                      <a16:colId xmlns:a16="http://schemas.microsoft.com/office/drawing/2014/main" val="492848237"/>
+                    </a:ext>
+                  </a:extLst>
+                </a:gridCol>
+                <a:gridCol w="746760">
+                  <a:extLst>
+                    <a:ext uri="{9D8B030D-6E8A-4147-A177-3AD203B41FA5}">
+                      <a16:colId xmlns:a16="http://schemas.microsoft.com/office/drawing/2014/main" val="3736126804"/>
+                    </a:ext>
+                  </a:extLst>
+                </a:gridCol>
+                <a:gridCol w="862965">
+                  <a:extLst>
+                    <a:ext uri="{9D8B030D-6E8A-4147-A177-3AD203B41FA5}">
+                      <a16:colId xmlns:a16="http://schemas.microsoft.com/office/drawing/2014/main" val="1008030012"/>
+                    </a:ext>
+                  </a:extLst>
+                </a:gridCol>
+              </a:tblGrid>
+              <a:tr h="370840">
+                <a:tc>
+                  <a:txBody>
+                    <a:bodyPr/>
+                    <a:lstStyle/>
+                    <a:p>
+                      <a:pPr algn="ctr"/>
+                      <a:r>
+                        <a:rPr lang="en-GB" b="1" dirty="0"/>
+                        <a:t>TS (US)</a:t>
+                      </a:r>
+                    </a:p>
+                  </a:txBody>
+                  <a:tcPr anchor="ctr"/>
+                </a:tc>
+                <a:tc>
+                  <a:txBody>
+                    <a:bodyPr/>
+                    <a:lstStyle/>
+                    <a:p>
+                      <a:pPr algn="ctr"/>
+                      <a:r>
+                        <a:rPr lang="en-GB" b="1" dirty="0"/>
+                        <a:t>M14</a:t>
+                      </a:r>
+                    </a:p>
+                  </a:txBody>
+                  <a:tcPr anchor="ctr"/>
+                </a:tc>
+                <a:tc>
+                  <a:txBody>
+                    <a:bodyPr/>
+                    <a:lstStyle/>
+                    <a:p>
+                      <a:pPr algn="ctr"/>
+                      <a:r>
+                        <a:rPr lang="en-GB" b="1" dirty="0"/>
+                        <a:t>M14</a:t>
+                      </a:r>
+                    </a:p>
+                  </a:txBody>
+                  <a:tcPr anchor="ctr"/>
+                </a:tc>
+                <a:tc>
+                  <a:txBody>
+                    <a:bodyPr/>
+                    <a:lstStyle/>
+                    <a:p>
+                      <a:pPr algn="ctr"/>
+                      <a:r>
+                        <a:rPr lang="en-GB" b="1" dirty="0"/>
+                        <a:t>M14</a:t>
+                      </a:r>
+                    </a:p>
+                  </a:txBody>
+                  <a:tcPr anchor="ctr"/>
+                </a:tc>
+                <a:tc>
+                  <a:txBody>
+                    <a:bodyPr/>
+                    <a:lstStyle/>
+                    <a:p>
+                      <a:pPr algn="ctr"/>
+                      <a:r>
+                        <a:rPr lang="en-GB" b="1" dirty="0"/>
+                        <a:t>M14</a:t>
+                      </a:r>
+                    </a:p>
+                  </a:txBody>
+                  <a:tcPr anchor="ctr"/>
+                </a:tc>
+                <a:extLst>
+                  <a:ext uri="{0D108BD9-81ED-4DB2-BD59-A6C34878D82A}">
+                    <a16:rowId xmlns:a16="http://schemas.microsoft.com/office/drawing/2014/main" val="1346804736"/>
+                  </a:ext>
+                </a:extLst>
+              </a:tr>
+              <a:tr h="370840">
+                <a:tc>
+                  <a:txBody>
+                    <a:bodyPr/>
+                    <a:lstStyle/>
+                    <a:p>
+                      <a:pPr algn="ctr"/>
+                      <a:r>
+                        <a:rPr lang="en-GB" b="1" dirty="0"/>
+                        <a:t>w</a:t>
+                      </a:r>
+                    </a:p>
+                  </a:txBody>
+                  <a:tcPr anchor="ctr"/>
+                </a:tc>
+                <a:tc>
+                  <a:txBody>
+                    <a:bodyPr/>
+                    <a:lstStyle/>
+                    <a:p>
+                      <a:pPr algn="ctr"/>
+                      <a:r>
+                        <a:rPr lang="en-GB" dirty="0"/>
+                        <a:t>14</a:t>
+                      </a:r>
+                    </a:p>
+                  </a:txBody>
+                  <a:tcPr anchor="ctr"/>
+                </a:tc>
+                <a:tc>
+                  <a:txBody>
+                    <a:bodyPr/>
+                    <a:lstStyle/>
+                    <a:p>
+                      <a:pPr algn="ctr"/>
+                      <a:r>
+                        <a:rPr lang="en-GB" dirty="0"/>
+                        <a:t>14</a:t>
+                      </a:r>
+                    </a:p>
+                  </a:txBody>
+                  <a:tcPr anchor="ctr"/>
+                </a:tc>
+                <a:tc>
+                  <a:txBody>
+                    <a:bodyPr/>
+                    <a:lstStyle/>
+                    <a:p>
+                      <a:pPr algn="ctr"/>
+                      <a:r>
+                        <a:rPr lang="en-GB" dirty="0"/>
+                        <a:t>21</a:t>
+                      </a:r>
+                    </a:p>
+                  </a:txBody>
+                  <a:tcPr anchor="ctr"/>
+                </a:tc>
+                <a:tc>
+                  <a:txBody>
+                    <a:bodyPr/>
+                    <a:lstStyle/>
+                    <a:p>
+                      <a:pPr algn="ctr"/>
+                      <a:r>
+                        <a:rPr lang="en-GB" dirty="0"/>
+                        <a:t>21</a:t>
+                      </a:r>
+                    </a:p>
+                  </a:txBody>
+                  <a:tcPr anchor="ctr"/>
+                </a:tc>
+                <a:extLst>
+                  <a:ext uri="{0D108BD9-81ED-4DB2-BD59-A6C34878D82A}">
+                    <a16:rowId xmlns:a16="http://schemas.microsoft.com/office/drawing/2014/main" val="1147047115"/>
+                  </a:ext>
+                </a:extLst>
+              </a:tr>
+              <a:tr h="370840">
+                <a:tc>
+                  <a:txBody>
+                    <a:bodyPr/>
+                    <a:lstStyle/>
+                    <a:p>
+                      <a:pPr algn="ctr"/>
+                      <a:r>
+                        <a:rPr lang="en-GB" b="1" dirty="0"/>
+                        <a:t>alpha</a:t>
+                      </a:r>
+                    </a:p>
+                  </a:txBody>
+                  <a:tcPr anchor="ctr"/>
+                </a:tc>
+                <a:tc>
+                  <a:txBody>
+                    <a:bodyPr/>
+                    <a:lstStyle/>
+                    <a:p>
+                      <a:pPr algn="ctr"/>
+                      <a:r>
+                        <a:rPr lang="en-GB" dirty="0"/>
+                        <a:t>05</a:t>
+                      </a:r>
+                    </a:p>
+                  </a:txBody>
+                  <a:tcPr anchor="ctr"/>
+                </a:tc>
+                <a:tc>
+                  <a:txBody>
+                    <a:bodyPr/>
+                    <a:lstStyle/>
+                    <a:p>
+                      <a:pPr algn="ctr"/>
+                      <a:r>
+                        <a:rPr lang="en-GB" dirty="0"/>
+                        <a:t>01</a:t>
+                      </a:r>
+                    </a:p>
+                  </a:txBody>
+                  <a:tcPr anchor="ctr"/>
+                </a:tc>
+                <a:tc>
+                  <a:txBody>
+                    <a:bodyPr/>
+                    <a:lstStyle/>
+                    <a:p>
+                      <a:pPr algn="ctr"/>
+                      <a:r>
+                        <a:rPr lang="en-GB" dirty="0"/>
+                        <a:t>05</a:t>
+                      </a:r>
+                    </a:p>
+                  </a:txBody>
+                  <a:tcPr anchor="ctr"/>
+                </a:tc>
+                <a:tc>
+                  <a:txBody>
+                    <a:bodyPr/>
+                    <a:lstStyle/>
+                    <a:p>
+                      <a:pPr algn="ctr"/>
+                      <a:r>
+                        <a:rPr lang="en-GB" dirty="0"/>
+                        <a:t>01</a:t>
+                      </a:r>
+                    </a:p>
+                  </a:txBody>
+                  <a:tcPr anchor="ctr"/>
+                </a:tc>
+                <a:extLst>
+                  <a:ext uri="{0D108BD9-81ED-4DB2-BD59-A6C34878D82A}">
+                    <a16:rowId xmlns:a16="http://schemas.microsoft.com/office/drawing/2014/main" val="1617935995"/>
+                  </a:ext>
+                </a:extLst>
+              </a:tr>
+              <a:tr h="370840">
+                <a:tc>
+                  <a:txBody>
+                    <a:bodyPr/>
+                    <a:lstStyle/>
+                    <a:p>
+                      <a:pPr algn="ctr"/>
+                      <a:r>
+                        <a:rPr lang="en-GB" b="1" dirty="0" err="1"/>
+                        <a:t>posTrend</a:t>
+                      </a:r>
+                      <a:endParaRPr lang="en-GB" b="1" dirty="0"/>
+                    </a:p>
+                  </a:txBody>
+                  <a:tcPr anchor="ctr"/>
+                </a:tc>
+                <a:tc>
+                  <a:txBody>
+                    <a:bodyPr/>
+                    <a:lstStyle/>
+                    <a:p>
+                      <a:pPr algn="ctr"/>
+                      <a:r>
+                        <a:rPr lang="en-GB" dirty="0"/>
+                        <a:t>194</a:t>
+                      </a:r>
+                    </a:p>
+                  </a:txBody>
+                  <a:tcPr anchor="ctr">
+                    <a:solidFill>
+                      <a:schemeClr val="tx2">
+                        <a:lumMod val="20000"/>
+                        <a:lumOff val="80000"/>
+                      </a:schemeClr>
+                    </a:solidFill>
+                  </a:tcPr>
+                </a:tc>
+                <a:tc>
+                  <a:txBody>
+                    <a:bodyPr/>
+                    <a:lstStyle/>
+                    <a:p>
+                      <a:pPr algn="ctr"/>
+                      <a:r>
+                        <a:rPr lang="en-GB" dirty="0"/>
+                        <a:t>188</a:t>
+                      </a:r>
+                    </a:p>
+                  </a:txBody>
+                  <a:tcPr anchor="ctr">
+                    <a:solidFill>
+                      <a:schemeClr val="tx2">
+                        <a:lumMod val="20000"/>
+                        <a:lumOff val="80000"/>
+                      </a:schemeClr>
+                    </a:solidFill>
+                  </a:tcPr>
+                </a:tc>
+                <a:tc>
+                  <a:txBody>
+                    <a:bodyPr/>
+                    <a:lstStyle/>
+                    <a:p>
+                      <a:pPr algn="ctr"/>
+                      <a:r>
+                        <a:rPr lang="en-GB" dirty="0"/>
+                        <a:t>196</a:t>
+                      </a:r>
+                    </a:p>
+                  </a:txBody>
+                  <a:tcPr anchor="ctr">
+                    <a:solidFill>
+                      <a:schemeClr val="tx2">
+                        <a:lumMod val="20000"/>
+                        <a:lumOff val="80000"/>
+                      </a:schemeClr>
+                    </a:solidFill>
+                  </a:tcPr>
+                </a:tc>
+                <a:tc>
+                  <a:txBody>
+                    <a:bodyPr/>
+                    <a:lstStyle/>
+                    <a:p>
+                      <a:pPr algn="ctr"/>
+                      <a:r>
+                        <a:rPr lang="en-GB" dirty="0"/>
+                        <a:t>189</a:t>
+                      </a:r>
+                    </a:p>
+                  </a:txBody>
+                  <a:tcPr anchor="ctr">
+                    <a:solidFill>
+                      <a:schemeClr val="tx2">
+                        <a:lumMod val="20000"/>
+                        <a:lumOff val="80000"/>
+                      </a:schemeClr>
+                    </a:solidFill>
+                  </a:tcPr>
+                </a:tc>
+                <a:extLst>
+                  <a:ext uri="{0D108BD9-81ED-4DB2-BD59-A6C34878D82A}">
+                    <a16:rowId xmlns:a16="http://schemas.microsoft.com/office/drawing/2014/main" val="2198470664"/>
+                  </a:ext>
+                </a:extLst>
+              </a:tr>
+              <a:tr h="370840">
+                <a:tc>
+                  <a:txBody>
+                    <a:bodyPr/>
+                    <a:lstStyle/>
+                    <a:p>
+                      <a:pPr algn="ctr"/>
+                      <a:r>
+                        <a:rPr lang="en-GB" b="1" dirty="0" err="1"/>
+                        <a:t>negTrend</a:t>
+                      </a:r>
+                      <a:endParaRPr lang="en-GB" b="1" dirty="0"/>
+                    </a:p>
+                  </a:txBody>
+                  <a:tcPr anchor="ctr"/>
+                </a:tc>
+                <a:tc>
+                  <a:txBody>
+                    <a:bodyPr/>
+                    <a:lstStyle/>
+                    <a:p>
+                      <a:pPr algn="ctr"/>
+                      <a:r>
+                        <a:rPr lang="en-GB" dirty="0"/>
+                        <a:t>174</a:t>
+                      </a:r>
+                    </a:p>
+                  </a:txBody>
+                  <a:tcPr anchor="ctr">
+                    <a:solidFill>
+                      <a:schemeClr val="tx2">
+                        <a:lumMod val="20000"/>
+                        <a:lumOff val="80000"/>
+                      </a:schemeClr>
+                    </a:solidFill>
+                  </a:tcPr>
+                </a:tc>
+                <a:tc>
+                  <a:txBody>
+                    <a:bodyPr/>
+                    <a:lstStyle/>
+                    <a:p>
+                      <a:pPr algn="ctr"/>
+                      <a:r>
+                        <a:rPr lang="en-GB" dirty="0"/>
+                        <a:t>165</a:t>
+                      </a:r>
+                    </a:p>
+                  </a:txBody>
+                  <a:tcPr anchor="ctr">
+                    <a:solidFill>
+                      <a:schemeClr val="tx2">
+                        <a:lumMod val="20000"/>
+                        <a:lumOff val="80000"/>
+                      </a:schemeClr>
+                    </a:solidFill>
+                  </a:tcPr>
+                </a:tc>
+                <a:tc>
+                  <a:txBody>
+                    <a:bodyPr/>
+                    <a:lstStyle/>
+                    <a:p>
+                      <a:pPr algn="ctr"/>
+                      <a:r>
+                        <a:rPr lang="en-GB" dirty="0"/>
+                        <a:t>162</a:t>
+                      </a:r>
+                    </a:p>
+                  </a:txBody>
+                  <a:tcPr anchor="ctr">
+                    <a:solidFill>
+                      <a:schemeClr val="tx2">
+                        <a:lumMod val="20000"/>
+                        <a:lumOff val="80000"/>
+                      </a:schemeClr>
+                    </a:solidFill>
+                  </a:tcPr>
+                </a:tc>
+                <a:tc>
+                  <a:txBody>
+                    <a:bodyPr/>
+                    <a:lstStyle/>
+                    <a:p>
+                      <a:pPr algn="ctr"/>
+                      <a:r>
+                        <a:rPr lang="en-GB" dirty="0"/>
+                        <a:t>157</a:t>
+                      </a:r>
+                    </a:p>
+                  </a:txBody>
+                  <a:tcPr anchor="ctr">
+                    <a:solidFill>
+                      <a:schemeClr val="tx2">
+                        <a:lumMod val="20000"/>
+                        <a:lumOff val="80000"/>
+                      </a:schemeClr>
+                    </a:solidFill>
+                  </a:tcPr>
+                </a:tc>
+                <a:extLst>
+                  <a:ext uri="{0D108BD9-81ED-4DB2-BD59-A6C34878D82A}">
+                    <a16:rowId xmlns:a16="http://schemas.microsoft.com/office/drawing/2014/main" val="2824278408"/>
+                  </a:ext>
+                </a:extLst>
+              </a:tr>
+              <a:tr h="0">
+                <a:tc>
+                  <a:txBody>
+                    <a:bodyPr/>
+                    <a:lstStyle/>
+                    <a:p>
+                      <a:pPr algn="ctr"/>
+                      <a:r>
+                        <a:rPr lang="en-GB" b="1" dirty="0">
+                          <a:solidFill>
+                            <a:srgbClr val="0070C0"/>
+                          </a:solidFill>
+                        </a:rPr>
+                        <a:t>none</a:t>
+                      </a:r>
+                    </a:p>
+                  </a:txBody>
+                  <a:tcPr anchor="ctr"/>
+                </a:tc>
+                <a:tc>
+                  <a:txBody>
+                    <a:bodyPr/>
+                    <a:lstStyle/>
+                    <a:p>
+                      <a:pPr algn="ctr"/>
+                      <a:r>
+                        <a:rPr lang="en-GB" dirty="0">
+                          <a:solidFill>
+                            <a:srgbClr val="0070C0"/>
+                          </a:solidFill>
+                        </a:rPr>
+                        <a:t>26</a:t>
+                      </a:r>
+                    </a:p>
+                  </a:txBody>
+                  <a:tcPr anchor="ctr">
+                    <a:solidFill>
+                      <a:schemeClr val="tx2">
+                        <a:lumMod val="20000"/>
+                        <a:lumOff val="80000"/>
+                      </a:schemeClr>
+                    </a:solidFill>
+                  </a:tcPr>
+                </a:tc>
+                <a:tc>
+                  <a:txBody>
+                    <a:bodyPr/>
+                    <a:lstStyle/>
+                    <a:p>
+                      <a:pPr algn="ctr"/>
+                      <a:r>
+                        <a:rPr lang="en-GB" dirty="0">
+                          <a:solidFill>
+                            <a:srgbClr val="FF0000"/>
+                          </a:solidFill>
+                        </a:rPr>
+                        <a:t>41</a:t>
+                      </a:r>
+                    </a:p>
+                  </a:txBody>
+                  <a:tcPr anchor="ctr">
+                    <a:solidFill>
+                      <a:schemeClr val="tx2">
+                        <a:lumMod val="20000"/>
+                        <a:lumOff val="80000"/>
+                      </a:schemeClr>
+                    </a:solidFill>
+                  </a:tcPr>
+                </a:tc>
+                <a:tc>
+                  <a:txBody>
+                    <a:bodyPr/>
+                    <a:lstStyle/>
+                    <a:p>
+                      <a:pPr algn="ctr"/>
+                      <a:r>
+                        <a:rPr lang="en-GB" dirty="0">
+                          <a:solidFill>
+                            <a:srgbClr val="0070C0"/>
+                          </a:solidFill>
+                        </a:rPr>
+                        <a:t>29</a:t>
+                      </a:r>
+                    </a:p>
+                  </a:txBody>
+                  <a:tcPr anchor="ctr">
+                    <a:solidFill>
+                      <a:schemeClr val="tx2">
+                        <a:lumMod val="20000"/>
+                        <a:lumOff val="80000"/>
+                      </a:schemeClr>
+                    </a:solidFill>
+                  </a:tcPr>
+                </a:tc>
+                <a:tc>
+                  <a:txBody>
+                    <a:bodyPr/>
+                    <a:lstStyle/>
+                    <a:p>
+                      <a:pPr algn="ctr"/>
+                      <a:r>
+                        <a:rPr lang="en-GB" dirty="0">
+                          <a:solidFill>
+                            <a:srgbClr val="FF0000"/>
+                          </a:solidFill>
+                        </a:rPr>
+                        <a:t>41</a:t>
+                      </a:r>
+                    </a:p>
+                  </a:txBody>
+                  <a:tcPr anchor="ctr">
+                    <a:solidFill>
+                      <a:schemeClr val="tx2">
+                        <a:lumMod val="20000"/>
+                        <a:lumOff val="80000"/>
+                      </a:schemeClr>
+                    </a:solidFill>
+                  </a:tcPr>
+                </a:tc>
+                <a:extLst>
+                  <a:ext uri="{0D108BD9-81ED-4DB2-BD59-A6C34878D82A}">
+                    <a16:rowId xmlns:a16="http://schemas.microsoft.com/office/drawing/2014/main" val="736393307"/>
+                  </a:ext>
+                </a:extLst>
+              </a:tr>
+            </a:tbl>
+          </a:graphicData>
+        </a:graphic>
+      </p:graphicFrame>
+      <p:graphicFrame>
+        <p:nvGraphicFramePr>
+          <p:cNvPr id="7" name="Tabela 6">
+            <a:extLst>
+              <a:ext uri="{FF2B5EF4-FFF2-40B4-BE49-F238E27FC236}">
+                <a16:creationId xmlns:a16="http://schemas.microsoft.com/office/drawing/2014/main" id="{CACA5B8F-DD79-43F0-9C43-FA27FBEB4B54}"/>
+              </a:ext>
+            </a:extLst>
+          </p:cNvPr>
+          <p:cNvGraphicFramePr>
+            <a:graphicFrameLocks/>
+          </p:cNvGraphicFramePr>
+          <p:nvPr>
+            <p:extLst>
+              <p:ext uri="{D42A27DB-BD31-4B8C-83A1-F6EECF244321}">
+                <p14:modId xmlns:p14="http://schemas.microsoft.com/office/powerpoint/2010/main" val="1934786652"/>
+              </p:ext>
+            </p:extLst>
+          </p:nvPr>
+        </p:nvGraphicFramePr>
+        <p:xfrm>
+          <a:off x="6604637" y="3429000"/>
+          <a:ext cx="4246245" cy="2219960"/>
+        </p:xfrm>
+        <a:graphic>
+          <a:graphicData uri="http://schemas.openxmlformats.org/drawingml/2006/table">
+            <a:tbl>
+              <a:tblPr firstRow="1" bandRow="1">
+                <a:tableStyleId>{5940675A-B579-460E-94D1-54222C63F5DA}</a:tableStyleId>
+              </a:tblPr>
+              <a:tblGrid>
+                <a:gridCol w="1066800">
+                  <a:extLst>
+                    <a:ext uri="{9D8B030D-6E8A-4147-A177-3AD203B41FA5}">
+                      <a16:colId xmlns:a16="http://schemas.microsoft.com/office/drawing/2014/main" val="1701201561"/>
+                    </a:ext>
+                  </a:extLst>
+                </a:gridCol>
+                <a:gridCol w="762000">
+                  <a:extLst>
+                    <a:ext uri="{9D8B030D-6E8A-4147-A177-3AD203B41FA5}">
+                      <a16:colId xmlns:a16="http://schemas.microsoft.com/office/drawing/2014/main" val="4167930595"/>
+                    </a:ext>
+                  </a:extLst>
+                </a:gridCol>
+                <a:gridCol w="807720">
+                  <a:extLst>
+                    <a:ext uri="{9D8B030D-6E8A-4147-A177-3AD203B41FA5}">
+                      <a16:colId xmlns:a16="http://schemas.microsoft.com/office/drawing/2014/main" val="492848237"/>
+                    </a:ext>
+                  </a:extLst>
+                </a:gridCol>
+                <a:gridCol w="756283">
+                  <a:extLst>
+                    <a:ext uri="{9D8B030D-6E8A-4147-A177-3AD203B41FA5}">
+                      <a16:colId xmlns:a16="http://schemas.microsoft.com/office/drawing/2014/main" val="3736126804"/>
+                    </a:ext>
+                  </a:extLst>
+                </a:gridCol>
+                <a:gridCol w="853442">
+                  <a:extLst>
+                    <a:ext uri="{9D8B030D-6E8A-4147-A177-3AD203B41FA5}">
+                      <a16:colId xmlns:a16="http://schemas.microsoft.com/office/drawing/2014/main" val="1008030012"/>
+                    </a:ext>
+                  </a:extLst>
+                </a:gridCol>
+              </a:tblGrid>
+              <a:tr h="370840">
+                <a:tc>
+                  <a:txBody>
+                    <a:bodyPr/>
+                    <a:lstStyle/>
+                    <a:p>
+                      <a:pPr algn="ctr"/>
+                      <a:r>
+                        <a:rPr lang="en-GB" b="1" dirty="0"/>
+                        <a:t>TS (US)</a:t>
+                      </a:r>
+                    </a:p>
+                  </a:txBody>
+                  <a:tcPr anchor="ctr"/>
+                </a:tc>
+                <a:tc>
+                  <a:txBody>
+                    <a:bodyPr/>
+                    <a:lstStyle/>
+                    <a:p>
+                      <a:pPr algn="ctr"/>
+                      <a:r>
+                        <a:rPr lang="en-GB" b="1" dirty="0"/>
+                        <a:t>LM14</a:t>
+                      </a:r>
+                    </a:p>
+                  </a:txBody>
+                  <a:tcPr anchor="ctr"/>
+                </a:tc>
+                <a:tc>
+                  <a:txBody>
+                    <a:bodyPr/>
+                    <a:lstStyle/>
+                    <a:p>
+                      <a:pPr algn="ctr"/>
+                      <a:r>
+                        <a:rPr lang="en-GB" b="1" dirty="0"/>
+                        <a:t>LM14</a:t>
+                      </a:r>
+                    </a:p>
+                  </a:txBody>
+                  <a:tcPr anchor="ctr"/>
+                </a:tc>
+                <a:tc>
+                  <a:txBody>
+                    <a:bodyPr/>
+                    <a:lstStyle/>
+                    <a:p>
+                      <a:pPr algn="ctr"/>
+                      <a:r>
+                        <a:rPr lang="en-GB" b="1" dirty="0"/>
+                        <a:t>LM14</a:t>
+                      </a:r>
+                    </a:p>
+                  </a:txBody>
+                  <a:tcPr anchor="ctr"/>
+                </a:tc>
+                <a:tc>
+                  <a:txBody>
+                    <a:bodyPr/>
+                    <a:lstStyle/>
+                    <a:p>
+                      <a:pPr algn="ctr"/>
+                      <a:r>
+                        <a:rPr lang="en-GB" b="1" dirty="0"/>
+                        <a:t>LM14</a:t>
+                      </a:r>
+                    </a:p>
+                  </a:txBody>
+                  <a:tcPr anchor="ctr"/>
+                </a:tc>
+                <a:extLst>
+                  <a:ext uri="{0D108BD9-81ED-4DB2-BD59-A6C34878D82A}">
+                    <a16:rowId xmlns:a16="http://schemas.microsoft.com/office/drawing/2014/main" val="1346804736"/>
+                  </a:ext>
+                </a:extLst>
+              </a:tr>
+              <a:tr h="370840">
+                <a:tc>
+                  <a:txBody>
+                    <a:bodyPr/>
+                    <a:lstStyle/>
+                    <a:p>
+                      <a:pPr algn="ctr"/>
+                      <a:r>
+                        <a:rPr lang="en-GB" b="1" dirty="0"/>
+                        <a:t>w</a:t>
+                      </a:r>
+                    </a:p>
+                  </a:txBody>
+                  <a:tcPr anchor="ctr"/>
+                </a:tc>
+                <a:tc>
+                  <a:txBody>
+                    <a:bodyPr/>
+                    <a:lstStyle/>
+                    <a:p>
+                      <a:pPr algn="ctr"/>
+                      <a:r>
+                        <a:rPr lang="en-GB" dirty="0"/>
+                        <a:t>14</a:t>
+                      </a:r>
+                    </a:p>
+                  </a:txBody>
+                  <a:tcPr anchor="ctr"/>
+                </a:tc>
+                <a:tc>
+                  <a:txBody>
+                    <a:bodyPr/>
+                    <a:lstStyle/>
+                    <a:p>
+                      <a:pPr algn="ctr"/>
+                      <a:r>
+                        <a:rPr lang="en-GB" dirty="0"/>
+                        <a:t>14</a:t>
+                      </a:r>
+                    </a:p>
+                  </a:txBody>
+                  <a:tcPr anchor="ctr"/>
+                </a:tc>
+                <a:tc>
+                  <a:txBody>
+                    <a:bodyPr/>
+                    <a:lstStyle/>
+                    <a:p>
+                      <a:pPr algn="ctr"/>
+                      <a:r>
+                        <a:rPr lang="en-GB" dirty="0"/>
+                        <a:t>21</a:t>
+                      </a:r>
+                    </a:p>
+                  </a:txBody>
+                  <a:tcPr anchor="ctr"/>
+                </a:tc>
+                <a:tc>
+                  <a:txBody>
+                    <a:bodyPr/>
+                    <a:lstStyle/>
+                    <a:p>
+                      <a:pPr algn="ctr"/>
+                      <a:r>
+                        <a:rPr lang="en-GB" dirty="0"/>
+                        <a:t>21</a:t>
+                      </a:r>
+                    </a:p>
+                  </a:txBody>
+                  <a:tcPr anchor="ctr"/>
+                </a:tc>
+                <a:extLst>
+                  <a:ext uri="{0D108BD9-81ED-4DB2-BD59-A6C34878D82A}">
+                    <a16:rowId xmlns:a16="http://schemas.microsoft.com/office/drawing/2014/main" val="1147047115"/>
+                  </a:ext>
+                </a:extLst>
+              </a:tr>
+              <a:tr h="370840">
+                <a:tc>
+                  <a:txBody>
+                    <a:bodyPr/>
+                    <a:lstStyle/>
+                    <a:p>
+                      <a:pPr algn="ctr"/>
+                      <a:r>
+                        <a:rPr lang="en-GB" b="1" dirty="0"/>
+                        <a:t>alpha</a:t>
+                      </a:r>
+                    </a:p>
+                  </a:txBody>
+                  <a:tcPr anchor="ctr"/>
+                </a:tc>
+                <a:tc>
+                  <a:txBody>
+                    <a:bodyPr/>
+                    <a:lstStyle/>
+                    <a:p>
+                      <a:pPr algn="ctr"/>
+                      <a:r>
+                        <a:rPr lang="en-GB" dirty="0"/>
+                        <a:t>05</a:t>
+                      </a:r>
+                    </a:p>
+                  </a:txBody>
+                  <a:tcPr anchor="ctr"/>
+                </a:tc>
+                <a:tc>
+                  <a:txBody>
+                    <a:bodyPr/>
+                    <a:lstStyle/>
+                    <a:p>
+                      <a:pPr algn="ctr"/>
+                      <a:r>
+                        <a:rPr lang="en-GB" dirty="0"/>
+                        <a:t>01</a:t>
+                      </a:r>
+                    </a:p>
+                  </a:txBody>
+                  <a:tcPr anchor="ctr"/>
+                </a:tc>
+                <a:tc>
+                  <a:txBody>
+                    <a:bodyPr/>
+                    <a:lstStyle/>
+                    <a:p>
+                      <a:pPr algn="ctr"/>
+                      <a:r>
+                        <a:rPr lang="en-GB" dirty="0"/>
+                        <a:t>05</a:t>
+                      </a:r>
+                    </a:p>
+                  </a:txBody>
+                  <a:tcPr anchor="ctr"/>
+                </a:tc>
+                <a:tc>
+                  <a:txBody>
+                    <a:bodyPr/>
+                    <a:lstStyle/>
+                    <a:p>
+                      <a:pPr algn="ctr"/>
+                      <a:r>
+                        <a:rPr lang="en-GB" dirty="0"/>
+                        <a:t>01</a:t>
+                      </a:r>
+                    </a:p>
+                  </a:txBody>
+                  <a:tcPr anchor="ctr"/>
+                </a:tc>
+                <a:extLst>
+                  <a:ext uri="{0D108BD9-81ED-4DB2-BD59-A6C34878D82A}">
+                    <a16:rowId xmlns:a16="http://schemas.microsoft.com/office/drawing/2014/main" val="1617935995"/>
+                  </a:ext>
+                </a:extLst>
+              </a:tr>
+              <a:tr h="370840">
+                <a:tc>
+                  <a:txBody>
+                    <a:bodyPr/>
+                    <a:lstStyle/>
+                    <a:p>
+                      <a:pPr algn="ctr"/>
+                      <a:r>
+                        <a:rPr lang="en-GB" b="1" dirty="0" err="1"/>
+                        <a:t>posTrend</a:t>
+                      </a:r>
+                      <a:endParaRPr lang="en-GB" b="1" dirty="0"/>
+                    </a:p>
+                  </a:txBody>
+                  <a:tcPr anchor="ctr"/>
+                </a:tc>
+                <a:tc>
+                  <a:txBody>
+                    <a:bodyPr/>
+                    <a:lstStyle/>
+                    <a:p>
+                      <a:pPr algn="ctr"/>
+                      <a:r>
+                        <a:rPr lang="en-GB" dirty="0"/>
+                        <a:t>197</a:t>
+                      </a:r>
+                    </a:p>
+                  </a:txBody>
+                  <a:tcPr anchor="ctr">
+                    <a:solidFill>
+                      <a:schemeClr val="tx2">
+                        <a:lumMod val="20000"/>
+                        <a:lumOff val="80000"/>
+                      </a:schemeClr>
+                    </a:solidFill>
+                  </a:tcPr>
+                </a:tc>
+                <a:tc>
+                  <a:txBody>
+                    <a:bodyPr/>
+                    <a:lstStyle/>
+                    <a:p>
+                      <a:pPr algn="ctr"/>
+                      <a:r>
+                        <a:rPr lang="en-GB" dirty="0"/>
+                        <a:t>196</a:t>
+                      </a:r>
+                    </a:p>
+                  </a:txBody>
+                  <a:tcPr anchor="ctr">
+                    <a:solidFill>
+                      <a:schemeClr val="tx2">
+                        <a:lumMod val="20000"/>
+                        <a:lumOff val="80000"/>
+                      </a:schemeClr>
+                    </a:solidFill>
+                  </a:tcPr>
+                </a:tc>
+                <a:tc>
+                  <a:txBody>
+                    <a:bodyPr/>
+                    <a:lstStyle/>
+                    <a:p>
+                      <a:pPr algn="ctr"/>
+                      <a:r>
+                        <a:rPr lang="en-GB" dirty="0"/>
+                        <a:t>196</a:t>
+                      </a:r>
+                    </a:p>
+                  </a:txBody>
+                  <a:tcPr anchor="ctr">
+                    <a:solidFill>
+                      <a:schemeClr val="tx2">
+                        <a:lumMod val="20000"/>
+                        <a:lumOff val="80000"/>
+                      </a:schemeClr>
+                    </a:solidFill>
+                  </a:tcPr>
+                </a:tc>
+                <a:tc>
+                  <a:txBody>
+                    <a:bodyPr/>
+                    <a:lstStyle/>
+                    <a:p>
+                      <a:pPr algn="ctr"/>
+                      <a:r>
+                        <a:rPr lang="en-GB" dirty="0"/>
+                        <a:t>189</a:t>
+                      </a:r>
+                    </a:p>
+                  </a:txBody>
+                  <a:tcPr anchor="ctr">
+                    <a:solidFill>
+                      <a:schemeClr val="tx2">
+                        <a:lumMod val="20000"/>
+                        <a:lumOff val="80000"/>
+                      </a:schemeClr>
+                    </a:solidFill>
+                  </a:tcPr>
+                </a:tc>
+                <a:extLst>
+                  <a:ext uri="{0D108BD9-81ED-4DB2-BD59-A6C34878D82A}">
+                    <a16:rowId xmlns:a16="http://schemas.microsoft.com/office/drawing/2014/main" val="2198470664"/>
+                  </a:ext>
+                </a:extLst>
+              </a:tr>
+              <a:tr h="370840">
+                <a:tc>
+                  <a:txBody>
+                    <a:bodyPr/>
+                    <a:lstStyle/>
+                    <a:p>
+                      <a:pPr algn="ctr"/>
+                      <a:r>
+                        <a:rPr lang="en-GB" b="1" dirty="0" err="1"/>
+                        <a:t>negTrend</a:t>
+                      </a:r>
+                      <a:endParaRPr lang="en-GB" b="1" dirty="0"/>
+                    </a:p>
+                  </a:txBody>
+                  <a:tcPr anchor="ctr"/>
+                </a:tc>
+                <a:tc>
+                  <a:txBody>
+                    <a:bodyPr/>
+                    <a:lstStyle/>
+                    <a:p>
+                      <a:pPr algn="ctr"/>
+                      <a:r>
+                        <a:rPr lang="en-GB" dirty="0"/>
+                        <a:t>171</a:t>
+                      </a:r>
+                    </a:p>
+                  </a:txBody>
+                  <a:tcPr anchor="ctr">
+                    <a:solidFill>
+                      <a:schemeClr val="tx2">
+                        <a:lumMod val="20000"/>
+                        <a:lumOff val="80000"/>
+                      </a:schemeClr>
+                    </a:solidFill>
+                  </a:tcPr>
+                </a:tc>
+                <a:tc>
+                  <a:txBody>
+                    <a:bodyPr/>
+                    <a:lstStyle/>
+                    <a:p>
+                      <a:pPr algn="ctr"/>
+                      <a:r>
+                        <a:rPr lang="en-GB" dirty="0"/>
+                        <a:t>167</a:t>
+                      </a:r>
+                    </a:p>
+                  </a:txBody>
+                  <a:tcPr anchor="ctr">
+                    <a:solidFill>
+                      <a:schemeClr val="tx2">
+                        <a:lumMod val="20000"/>
+                        <a:lumOff val="80000"/>
+                      </a:schemeClr>
+                    </a:solidFill>
+                  </a:tcPr>
+                </a:tc>
+                <a:tc>
+                  <a:txBody>
+                    <a:bodyPr/>
+                    <a:lstStyle/>
+                    <a:p>
+                      <a:pPr algn="ctr"/>
+                      <a:r>
+                        <a:rPr lang="en-GB" dirty="0"/>
+                        <a:t>161</a:t>
+                      </a:r>
+                    </a:p>
+                  </a:txBody>
+                  <a:tcPr anchor="ctr">
+                    <a:solidFill>
+                      <a:schemeClr val="tx2">
+                        <a:lumMod val="20000"/>
+                        <a:lumOff val="80000"/>
+                      </a:schemeClr>
+                    </a:solidFill>
+                  </a:tcPr>
+                </a:tc>
+                <a:tc>
+                  <a:txBody>
+                    <a:bodyPr/>
+                    <a:lstStyle/>
+                    <a:p>
+                      <a:pPr algn="ctr"/>
+                      <a:r>
+                        <a:rPr lang="en-GB" dirty="0"/>
+                        <a:t>156</a:t>
+                      </a:r>
+                    </a:p>
+                  </a:txBody>
+                  <a:tcPr anchor="ctr">
+                    <a:solidFill>
+                      <a:schemeClr val="tx2">
+                        <a:lumMod val="20000"/>
+                        <a:lumOff val="80000"/>
+                      </a:schemeClr>
+                    </a:solidFill>
+                  </a:tcPr>
+                </a:tc>
+                <a:extLst>
+                  <a:ext uri="{0D108BD9-81ED-4DB2-BD59-A6C34878D82A}">
+                    <a16:rowId xmlns:a16="http://schemas.microsoft.com/office/drawing/2014/main" val="2824278408"/>
+                  </a:ext>
+                </a:extLst>
+              </a:tr>
+              <a:tr h="0">
+                <a:tc>
+                  <a:txBody>
+                    <a:bodyPr/>
+                    <a:lstStyle/>
+                    <a:p>
+                      <a:pPr algn="ctr"/>
+                      <a:r>
+                        <a:rPr lang="en-GB" b="1" dirty="0"/>
+                        <a:t>none</a:t>
+                      </a:r>
+                    </a:p>
+                  </a:txBody>
+                  <a:tcPr anchor="ctr"/>
+                </a:tc>
+                <a:tc>
+                  <a:txBody>
+                    <a:bodyPr/>
+                    <a:lstStyle/>
+                    <a:p>
+                      <a:pPr algn="ctr"/>
+                      <a:r>
+                        <a:rPr lang="en-GB" dirty="0">
+                          <a:solidFill>
+                            <a:srgbClr val="0070C0"/>
+                          </a:solidFill>
+                        </a:rPr>
+                        <a:t>26</a:t>
+                      </a:r>
+                    </a:p>
+                  </a:txBody>
+                  <a:tcPr anchor="ctr">
+                    <a:solidFill>
+                      <a:schemeClr val="tx2">
+                        <a:lumMod val="20000"/>
+                        <a:lumOff val="80000"/>
+                      </a:schemeClr>
+                    </a:solidFill>
+                  </a:tcPr>
+                </a:tc>
+                <a:tc>
+                  <a:txBody>
+                    <a:bodyPr/>
+                    <a:lstStyle/>
+                    <a:p>
+                      <a:pPr algn="ctr"/>
+                      <a:r>
+                        <a:rPr lang="en-GB" dirty="0">
+                          <a:solidFill>
+                            <a:srgbClr val="FF0000"/>
+                          </a:solidFill>
+                        </a:rPr>
+                        <a:t>36</a:t>
+                      </a:r>
+                    </a:p>
+                  </a:txBody>
+                  <a:tcPr anchor="ctr">
+                    <a:solidFill>
+                      <a:schemeClr val="tx2">
+                        <a:lumMod val="20000"/>
+                        <a:lumOff val="80000"/>
+                      </a:schemeClr>
+                    </a:solidFill>
+                  </a:tcPr>
+                </a:tc>
+                <a:tc>
+                  <a:txBody>
+                    <a:bodyPr/>
+                    <a:lstStyle/>
+                    <a:p>
+                      <a:pPr algn="ctr"/>
+                      <a:r>
+                        <a:rPr lang="en-GB" dirty="0">
+                          <a:solidFill>
+                            <a:srgbClr val="0070C0"/>
+                          </a:solidFill>
+                        </a:rPr>
+                        <a:t>30</a:t>
+                      </a:r>
+                    </a:p>
+                  </a:txBody>
+                  <a:tcPr anchor="ctr">
+                    <a:solidFill>
+                      <a:schemeClr val="tx2">
+                        <a:lumMod val="20000"/>
+                        <a:lumOff val="80000"/>
+                      </a:schemeClr>
+                    </a:solidFill>
+                  </a:tcPr>
+                </a:tc>
+                <a:tc>
+                  <a:txBody>
+                    <a:bodyPr/>
+                    <a:lstStyle/>
+                    <a:p>
+                      <a:pPr algn="ctr"/>
+                      <a:r>
+                        <a:rPr lang="en-GB" dirty="0">
+                          <a:solidFill>
+                            <a:srgbClr val="FF0000"/>
+                          </a:solidFill>
+                        </a:rPr>
+                        <a:t>42</a:t>
+                      </a:r>
+                    </a:p>
+                  </a:txBody>
+                  <a:tcPr anchor="ctr">
+                    <a:solidFill>
+                      <a:schemeClr val="tx2">
+                        <a:lumMod val="20000"/>
+                        <a:lumOff val="80000"/>
+                      </a:schemeClr>
+                    </a:solidFill>
+                  </a:tcPr>
+                </a:tc>
+                <a:extLst>
+                  <a:ext uri="{0D108BD9-81ED-4DB2-BD59-A6C34878D82A}">
+                    <a16:rowId xmlns:a16="http://schemas.microsoft.com/office/drawing/2014/main" val="736393307"/>
+                  </a:ext>
+                </a:extLst>
+              </a:tr>
+            </a:tbl>
+          </a:graphicData>
+        </a:graphic>
+      </p:graphicFrame>
+    </p:spTree>
+    <p:extLst>
+      <p:ext uri="{BB962C8B-B14F-4D97-AF65-F5344CB8AC3E}">
+        <p14:creationId xmlns:p14="http://schemas.microsoft.com/office/powerpoint/2010/main" val="3850871041"/>
       </p:ext>
     </p:extLst>
   </p:cSld>
@@ -6398,8 +14042,8 @@
           </a:fontRef>
         </p:style>
       </p:cxnSp>
-      <mc:AlternateContent xmlns:mc="http://schemas.openxmlformats.org/markup-compatibility/2006">
-        <mc:Choice xmlns:a14="http://schemas.microsoft.com/office/drawing/2010/main" Requires="a14">
+      <mc:AlternateContent xmlns:mc="http://schemas.openxmlformats.org/markup-compatibility/2006" xmlns:a14="http://schemas.microsoft.com/office/drawing/2010/main">
+        <mc:Choice Requires="a14">
           <p:sp>
             <p:nvSpPr>
               <p:cNvPr id="49" name="CaixaDeTexto 48">
@@ -6463,7 +14107,7 @@
             </p:txBody>
           </p:sp>
         </mc:Choice>
-        <mc:Fallback>
+        <mc:Fallback xmlns="">
           <p:sp>
             <p:nvSpPr>
               <p:cNvPr id="49" name="CaixaDeTexto 48">
@@ -6552,8 +14196,8 @@
           </a:p>
         </p:txBody>
       </p:sp>
-      <mc:AlternateContent xmlns:mc="http://schemas.openxmlformats.org/markup-compatibility/2006">
-        <mc:Choice xmlns:a14="http://schemas.microsoft.com/office/drawing/2010/main" Requires="a14">
+      <mc:AlternateContent xmlns:mc="http://schemas.openxmlformats.org/markup-compatibility/2006" xmlns:a14="http://schemas.microsoft.com/office/drawing/2010/main">
+        <mc:Choice Requires="a14">
           <p:sp>
             <p:nvSpPr>
               <p:cNvPr id="51" name="CaixaDeTexto 50">
@@ -6617,7 +14261,7 @@
             </p:txBody>
           </p:sp>
         </mc:Choice>
-        <mc:Fallback>
+        <mc:Fallback xmlns="">
           <p:sp>
             <p:nvSpPr>
               <p:cNvPr id="51" name="CaixaDeTexto 50">
@@ -7110,8 +14754,8 @@
           </p:sp>
         </mc:Fallback>
       </mc:AlternateContent>
-      <mc:AlternateContent xmlns:mc="http://schemas.openxmlformats.org/markup-compatibility/2006">
-        <mc:Choice xmlns:a14="http://schemas.microsoft.com/office/drawing/2010/main" Requires="a14">
+      <mc:AlternateContent xmlns:mc="http://schemas.openxmlformats.org/markup-compatibility/2006" xmlns:a14="http://schemas.microsoft.com/office/drawing/2010/main">
+        <mc:Choice Requires="a14">
           <p:sp>
             <p:nvSpPr>
               <p:cNvPr id="62" name="CaixaDeTexto 61">
@@ -7191,7 +14835,7 @@
             </p:txBody>
           </p:sp>
         </mc:Choice>
-        <mc:Fallback>
+        <mc:Fallback xmlns="">
           <p:sp>
             <p:nvSpPr>
               <p:cNvPr id="62" name="CaixaDeTexto 61">
@@ -7299,8 +14943,8 @@
           </a:p>
         </p:txBody>
       </p:sp>
-      <mc:AlternateContent xmlns:mc="http://schemas.openxmlformats.org/markup-compatibility/2006">
-        <mc:Choice xmlns:a14="http://schemas.microsoft.com/office/drawing/2010/main" Requires="a14">
+      <mc:AlternateContent xmlns:mc="http://schemas.openxmlformats.org/markup-compatibility/2006" xmlns:a14="http://schemas.microsoft.com/office/drawing/2010/main">
+        <mc:Choice Requires="a14">
           <p:sp>
             <p:nvSpPr>
               <p:cNvPr id="3" name="Espaço Reservado para Conteúdo 2">
@@ -7505,7 +15149,7 @@
             </p:txBody>
           </p:sp>
         </mc:Choice>
-        <mc:Fallback>
+        <mc:Fallback xmlns="">
           <p:sp>
             <p:nvSpPr>
               <p:cNvPr id="3" name="Espaço Reservado para Conteúdo 2">
@@ -7615,8 +15259,8 @@
           </a:prstGeom>
         </p:spPr>
       </p:pic>
-      <mc:AlternateContent xmlns:mc="http://schemas.openxmlformats.org/markup-compatibility/2006">
-        <mc:Choice xmlns:a14="http://schemas.microsoft.com/office/drawing/2010/main" Requires="a14">
+      <mc:AlternateContent xmlns:mc="http://schemas.openxmlformats.org/markup-compatibility/2006" xmlns:a14="http://schemas.microsoft.com/office/drawing/2010/main">
+        <mc:Choice Requires="a14">
           <p:sp>
             <p:nvSpPr>
               <p:cNvPr id="6" name="CaixaDeTexto 5">
@@ -7678,7 +15322,7 @@
             </p:txBody>
           </p:sp>
         </mc:Choice>
-        <mc:Fallback>
+        <mc:Fallback xmlns="">
           <p:sp>
             <p:nvSpPr>
               <p:cNvPr id="6" name="CaixaDeTexto 5">
@@ -7723,8 +15367,8 @@
           </p:sp>
         </mc:Fallback>
       </mc:AlternateContent>
-      <mc:AlternateContent xmlns:mc="http://schemas.openxmlformats.org/markup-compatibility/2006">
-        <mc:Choice xmlns:a14="http://schemas.microsoft.com/office/drawing/2010/main" Requires="a14">
+      <mc:AlternateContent xmlns:mc="http://schemas.openxmlformats.org/markup-compatibility/2006" xmlns:a14="http://schemas.microsoft.com/office/drawing/2010/main">
+        <mc:Choice Requires="a14">
           <p:sp>
             <p:nvSpPr>
               <p:cNvPr id="7" name="CaixaDeTexto 6">
@@ -7804,7 +15448,7 @@
             </p:txBody>
           </p:sp>
         </mc:Choice>
-        <mc:Fallback>
+        <mc:Fallback xmlns="">
           <p:sp>
             <p:nvSpPr>
               <p:cNvPr id="7" name="CaixaDeTexto 6">
@@ -7915,8 +15559,8 @@
           </a:prstGeom>
         </p:spPr>
       </p:pic>
-      <mc:AlternateContent xmlns:mc="http://schemas.openxmlformats.org/markup-compatibility/2006">
-        <mc:Choice xmlns:a14="http://schemas.microsoft.com/office/drawing/2010/main" Requires="a14">
+      <mc:AlternateContent xmlns:mc="http://schemas.openxmlformats.org/markup-compatibility/2006" xmlns:a14="http://schemas.microsoft.com/office/drawing/2010/main">
+        <mc:Choice Requires="a14">
           <p:sp>
             <p:nvSpPr>
               <p:cNvPr id="4" name="CaixaDeTexto 3">
@@ -7978,7 +15622,7 @@
             </p:txBody>
           </p:sp>
         </mc:Choice>
-        <mc:Fallback>
+        <mc:Fallback xmlns="">
           <p:sp>
             <p:nvSpPr>
               <p:cNvPr id="4" name="CaixaDeTexto 3">
@@ -8023,8 +15667,8 @@
           </p:sp>
         </mc:Fallback>
       </mc:AlternateContent>
-      <mc:AlternateContent xmlns:mc="http://schemas.openxmlformats.org/markup-compatibility/2006">
-        <mc:Choice xmlns:a14="http://schemas.microsoft.com/office/drawing/2010/main" Requires="a14">
+      <mc:AlternateContent xmlns:mc="http://schemas.openxmlformats.org/markup-compatibility/2006" xmlns:a14="http://schemas.microsoft.com/office/drawing/2010/main">
+        <mc:Choice Requires="a14">
           <p:sp>
             <p:nvSpPr>
               <p:cNvPr id="5" name="CaixaDeTexto 4">
@@ -8104,7 +15748,7 @@
             </p:txBody>
           </p:sp>
         </mc:Choice>
-        <mc:Fallback>
+        <mc:Fallback xmlns="">
           <p:sp>
             <p:nvSpPr>
               <p:cNvPr id="5" name="CaixaDeTexto 4">
@@ -8179,8 +15823,8 @@
           <a:chExt cx="0" cy="0"/>
         </a:xfrm>
       </p:grpSpPr>
-      <mc:AlternateContent xmlns:mc="http://schemas.openxmlformats.org/markup-compatibility/2006">
-        <mc:Choice xmlns:a14="http://schemas.microsoft.com/office/drawing/2010/main" Requires="a14">
+      <mc:AlternateContent xmlns:mc="http://schemas.openxmlformats.org/markup-compatibility/2006" xmlns:a14="http://schemas.microsoft.com/office/drawing/2010/main">
+        <mc:Choice Requires="a14">
           <p:graphicFrame>
             <p:nvGraphicFramePr>
               <p:cNvPr id="4" name="Tabela 4">
@@ -12471,7 +20115,7 @@
             </a:graphic>
           </p:graphicFrame>
         </mc:Choice>
-        <mc:Fallback>
+        <mc:Fallback xmlns="">
           <p:graphicFrame>
             <p:nvGraphicFramePr>
               <p:cNvPr id="4" name="Tabela 4">
@@ -16757,6 +24401,513 @@
     <p:extLst>
       <p:ext uri="{BB962C8B-B14F-4D97-AF65-F5344CB8AC3E}">
         <p14:creationId xmlns:p14="http://schemas.microsoft.com/office/powerpoint/2010/main" val="4161055456"/>
+      </p:ext>
+    </p:extLst>
+  </p:cSld>
+  <p:clrMapOvr>
+    <a:masterClrMapping/>
+  </p:clrMapOvr>
+</p:sld>
+</file>
+
+<file path=ppt/slides/slide8.xml><?xml version="1.0" encoding="utf-8"?>
+<p:sld xmlns:a="http://schemas.openxmlformats.org/drawingml/2006/main" xmlns:r="http://schemas.openxmlformats.org/officeDocument/2006/relationships" xmlns:p="http://schemas.openxmlformats.org/presentationml/2006/main">
+  <p:cSld>
+    <p:spTree>
+      <p:nvGrpSpPr>
+        <p:cNvPr id="1" name=""/>
+        <p:cNvGrpSpPr/>
+        <p:nvPr/>
+      </p:nvGrpSpPr>
+      <p:grpSpPr>
+        <a:xfrm>
+          <a:off x="0" y="0"/>
+          <a:ext cx="0" cy="0"/>
+          <a:chOff x="0" y="0"/>
+          <a:chExt cx="0" cy="0"/>
+        </a:xfrm>
+      </p:grpSpPr>
+      <p:sp>
+        <p:nvSpPr>
+          <p:cNvPr id="2" name="Título 1">
+            <a:extLst>
+              <a:ext uri="{FF2B5EF4-FFF2-40B4-BE49-F238E27FC236}">
+                <a16:creationId xmlns:a16="http://schemas.microsoft.com/office/drawing/2014/main" id="{F8D04298-3736-44A6-AD37-2CB98F7C8665}"/>
+              </a:ext>
+            </a:extLst>
+          </p:cNvPr>
+          <p:cNvSpPr>
+            <a:spLocks noGrp="1"/>
+          </p:cNvSpPr>
+          <p:nvPr>
+            <p:ph type="title"/>
+          </p:nvPr>
+        </p:nvSpPr>
+        <p:spPr/>
+        <p:txBody>
+          <a:bodyPr/>
+          <a:lstStyle/>
+          <a:p>
+            <a:r>
+              <a:rPr lang="en-GB" dirty="0" err="1"/>
+              <a:t>Experimento</a:t>
+            </a:r>
+            <a:r>
+              <a:rPr lang="en-GB" dirty="0"/>
+              <a:t> 1</a:t>
+            </a:r>
+          </a:p>
+        </p:txBody>
+      </p:sp>
+      <p:pic>
+        <p:nvPicPr>
+          <p:cNvPr id="5" name="Imagem 4" descr="Gráfico, Histograma&#10;&#10;Descrição gerada automaticamente">
+            <a:extLst>
+              <a:ext uri="{FF2B5EF4-FFF2-40B4-BE49-F238E27FC236}">
+                <a16:creationId xmlns:a16="http://schemas.microsoft.com/office/drawing/2014/main" id="{679D9AD7-11CD-4C89-ADA8-0369D578F893}"/>
+              </a:ext>
+            </a:extLst>
+          </p:cNvPr>
+          <p:cNvPicPr>
+            <a:picLocks noChangeAspect="1"/>
+          </p:cNvPicPr>
+          <p:nvPr/>
+        </p:nvPicPr>
+        <p:blipFill>
+          <a:blip r:embed="rId2"/>
+          <a:stretch>
+            <a:fillRect/>
+          </a:stretch>
+        </p:blipFill>
+        <p:spPr>
+          <a:xfrm>
+            <a:off x="596871" y="1890423"/>
+            <a:ext cx="4963218" cy="4143953"/>
+          </a:xfrm>
+          <a:prstGeom prst="rect">
+            <a:avLst/>
+          </a:prstGeom>
+        </p:spPr>
+      </p:pic>
+      <p:sp>
+        <p:nvSpPr>
+          <p:cNvPr id="6" name="CaixaDeTexto 5">
+            <a:extLst>
+              <a:ext uri="{FF2B5EF4-FFF2-40B4-BE49-F238E27FC236}">
+                <a16:creationId xmlns:a16="http://schemas.microsoft.com/office/drawing/2014/main" id="{F81F298E-1204-4CD4-9706-FAAF3DD82FE4}"/>
+              </a:ext>
+            </a:extLst>
+          </p:cNvPr>
+          <p:cNvSpPr txBox="1"/>
+          <p:nvPr/>
+        </p:nvSpPr>
+        <p:spPr>
+          <a:xfrm>
+            <a:off x="5715000" y="2268140"/>
+            <a:ext cx="941604" cy="369332"/>
+          </a:xfrm>
+          <a:prstGeom prst="rect">
+            <a:avLst/>
+          </a:prstGeom>
+          <a:noFill/>
+        </p:spPr>
+        <p:txBody>
+          <a:bodyPr wrap="none" rtlCol="0">
+            <a:spAutoFit/>
+          </a:bodyPr>
+          <a:lstStyle/>
+          <a:p>
+            <a:r>
+              <a:rPr lang="en-GB" b="1" dirty="0"/>
+              <a:t>País: US</a:t>
+            </a:r>
+          </a:p>
+        </p:txBody>
+      </p:sp>
+      <p:sp>
+        <p:nvSpPr>
+          <p:cNvPr id="7" name="CaixaDeTexto 6">
+            <a:extLst>
+              <a:ext uri="{FF2B5EF4-FFF2-40B4-BE49-F238E27FC236}">
+                <a16:creationId xmlns:a16="http://schemas.microsoft.com/office/drawing/2014/main" id="{FCCFC216-0A81-4D76-A7A8-0CA7406A01E5}"/>
+              </a:ext>
+            </a:extLst>
+          </p:cNvPr>
+          <p:cNvSpPr txBox="1"/>
+          <p:nvPr/>
+        </p:nvSpPr>
+        <p:spPr>
+          <a:xfrm>
+            <a:off x="5715000" y="3429000"/>
+            <a:ext cx="2010037" cy="369332"/>
+          </a:xfrm>
+          <a:prstGeom prst="rect">
+            <a:avLst/>
+          </a:prstGeom>
+          <a:noFill/>
+        </p:spPr>
+        <p:txBody>
+          <a:bodyPr wrap="none" rtlCol="0">
+            <a:spAutoFit/>
+          </a:bodyPr>
+          <a:lstStyle/>
+          <a:p>
+            <a:r>
+              <a:rPr lang="en-GB" b="1" dirty="0"/>
+              <a:t>n: 422 </a:t>
+            </a:r>
+            <a:r>
+              <a:rPr lang="pt-BR" b="1" dirty="0"/>
+              <a:t>observações</a:t>
+            </a:r>
+          </a:p>
+        </p:txBody>
+      </p:sp>
+      <p:sp>
+        <p:nvSpPr>
+          <p:cNvPr id="8" name="CaixaDeTexto 7">
+            <a:extLst>
+              <a:ext uri="{FF2B5EF4-FFF2-40B4-BE49-F238E27FC236}">
+                <a16:creationId xmlns:a16="http://schemas.microsoft.com/office/drawing/2014/main" id="{C231DED5-7714-40DD-B21A-EAE339A7080E}"/>
+              </a:ext>
+            </a:extLst>
+          </p:cNvPr>
+          <p:cNvSpPr txBox="1"/>
+          <p:nvPr/>
+        </p:nvSpPr>
+        <p:spPr>
+          <a:xfrm>
+            <a:off x="5715000" y="3036214"/>
+            <a:ext cx="4240520" cy="369332"/>
+          </a:xfrm>
+          <a:prstGeom prst="rect">
+            <a:avLst/>
+          </a:prstGeom>
+          <a:noFill/>
+        </p:spPr>
+        <p:txBody>
+          <a:bodyPr wrap="none" rtlCol="0">
+            <a:spAutoFit/>
+          </a:bodyPr>
+          <a:lstStyle/>
+          <a:p>
+            <a:r>
+              <a:rPr lang="en-GB" b="1" dirty="0" err="1"/>
+              <a:t>Período</a:t>
+            </a:r>
+            <a:r>
+              <a:rPr lang="en-GB" b="1" dirty="0"/>
+              <a:t>: US – 23/Jan/2020 – 19/mar/2021</a:t>
+            </a:r>
+          </a:p>
+        </p:txBody>
+      </p:sp>
+      <p:sp>
+        <p:nvSpPr>
+          <p:cNvPr id="13" name="CaixaDeTexto 12">
+            <a:extLst>
+              <a:ext uri="{FF2B5EF4-FFF2-40B4-BE49-F238E27FC236}">
+                <a16:creationId xmlns:a16="http://schemas.microsoft.com/office/drawing/2014/main" id="{51C21DEF-2B8D-469C-8FBE-C768F6EC13FE}"/>
+              </a:ext>
+            </a:extLst>
+          </p:cNvPr>
+          <p:cNvSpPr txBox="1"/>
+          <p:nvPr/>
+        </p:nvSpPr>
+        <p:spPr>
+          <a:xfrm>
+            <a:off x="5715000" y="2652177"/>
+            <a:ext cx="2086277" cy="369332"/>
+          </a:xfrm>
+          <a:prstGeom prst="rect">
+            <a:avLst/>
+          </a:prstGeom>
+          <a:noFill/>
+        </p:spPr>
+        <p:txBody>
+          <a:bodyPr wrap="none" rtlCol="0">
+            <a:spAutoFit/>
+          </a:bodyPr>
+          <a:lstStyle/>
+          <a:p>
+            <a:r>
+              <a:rPr lang="en-GB" b="1" dirty="0"/>
+              <a:t>TS: </a:t>
+            </a:r>
+            <a:r>
+              <a:rPr lang="pt-BR" b="1" dirty="0"/>
+              <a:t>Incidência diária</a:t>
+            </a:r>
+          </a:p>
+        </p:txBody>
+      </p:sp>
+    </p:spTree>
+    <p:extLst>
+      <p:ext uri="{BB962C8B-B14F-4D97-AF65-F5344CB8AC3E}">
+        <p14:creationId xmlns:p14="http://schemas.microsoft.com/office/powerpoint/2010/main" val="3170694864"/>
+      </p:ext>
+    </p:extLst>
+  </p:cSld>
+  <p:clrMapOvr>
+    <a:masterClrMapping/>
+  </p:clrMapOvr>
+</p:sld>
+</file>
+
+<file path=ppt/slides/slide9.xml><?xml version="1.0" encoding="utf-8"?>
+<p:sld xmlns:a="http://schemas.openxmlformats.org/drawingml/2006/main" xmlns:r="http://schemas.openxmlformats.org/officeDocument/2006/relationships" xmlns:p="http://schemas.openxmlformats.org/presentationml/2006/main">
+  <p:cSld>
+    <p:spTree>
+      <p:nvGrpSpPr>
+        <p:cNvPr id="1" name=""/>
+        <p:cNvGrpSpPr/>
+        <p:nvPr/>
+      </p:nvGrpSpPr>
+      <p:grpSpPr>
+        <a:xfrm>
+          <a:off x="0" y="0"/>
+          <a:ext cx="0" cy="0"/>
+          <a:chOff x="0" y="0"/>
+          <a:chExt cx="0" cy="0"/>
+        </a:xfrm>
+      </p:grpSpPr>
+      <p:pic>
+        <p:nvPicPr>
+          <p:cNvPr id="5" name="Imagem 4" descr="Gráfico, Histograma&#10;&#10;Descrição gerada automaticamente">
+            <a:extLst>
+              <a:ext uri="{FF2B5EF4-FFF2-40B4-BE49-F238E27FC236}">
+                <a16:creationId xmlns:a16="http://schemas.microsoft.com/office/drawing/2014/main" id="{A49D6748-898E-411D-86A6-47D6FE1EDEE4}"/>
+              </a:ext>
+            </a:extLst>
+          </p:cNvPr>
+          <p:cNvPicPr>
+            <a:picLocks noChangeAspect="1"/>
+          </p:cNvPicPr>
+          <p:nvPr/>
+        </p:nvPicPr>
+        <p:blipFill>
+          <a:blip r:embed="rId2"/>
+          <a:stretch>
+            <a:fillRect/>
+          </a:stretch>
+        </p:blipFill>
+        <p:spPr>
+          <a:xfrm>
+            <a:off x="141307" y="138784"/>
+            <a:ext cx="9745306" cy="6580431"/>
+          </a:xfrm>
+          <a:prstGeom prst="rect">
+            <a:avLst/>
+          </a:prstGeom>
+        </p:spPr>
+      </p:pic>
+      <p:sp>
+        <p:nvSpPr>
+          <p:cNvPr id="6" name="CaixaDeTexto 5">
+            <a:extLst>
+              <a:ext uri="{FF2B5EF4-FFF2-40B4-BE49-F238E27FC236}">
+                <a16:creationId xmlns:a16="http://schemas.microsoft.com/office/drawing/2014/main" id="{CE2CBE03-81AE-4135-9499-97109A26762B}"/>
+              </a:ext>
+            </a:extLst>
+          </p:cNvPr>
+          <p:cNvSpPr txBox="1"/>
+          <p:nvPr/>
+        </p:nvSpPr>
+        <p:spPr>
+          <a:xfrm>
+            <a:off x="9886613" y="270922"/>
+            <a:ext cx="659155" cy="369332"/>
+          </a:xfrm>
+          <a:prstGeom prst="rect">
+            <a:avLst/>
+          </a:prstGeom>
+          <a:noFill/>
+        </p:spPr>
+        <p:txBody>
+          <a:bodyPr wrap="none" rtlCol="0">
+            <a:spAutoFit/>
+          </a:bodyPr>
+          <a:lstStyle/>
+          <a:p>
+            <a:r>
+              <a:rPr lang="en-GB" b="1" dirty="0"/>
+              <a:t>n: </a:t>
+            </a:r>
+            <a:r>
+              <a:rPr lang="pt-BR" b="1" dirty="0"/>
+              <a:t>14</a:t>
+            </a:r>
+          </a:p>
+        </p:txBody>
+      </p:sp>
+      <p:sp>
+        <p:nvSpPr>
+          <p:cNvPr id="7" name="CaixaDeTexto 6">
+            <a:extLst>
+              <a:ext uri="{FF2B5EF4-FFF2-40B4-BE49-F238E27FC236}">
+                <a16:creationId xmlns:a16="http://schemas.microsoft.com/office/drawing/2014/main" id="{18BEFCFF-4C48-4022-ADCF-601A1844B012}"/>
+              </a:ext>
+            </a:extLst>
+          </p:cNvPr>
+          <p:cNvSpPr txBox="1"/>
+          <p:nvPr/>
+        </p:nvSpPr>
+        <p:spPr>
+          <a:xfrm>
+            <a:off x="9887858" y="1009586"/>
+            <a:ext cx="1949060" cy="369332"/>
+          </a:xfrm>
+          <a:prstGeom prst="rect">
+            <a:avLst/>
+          </a:prstGeom>
+          <a:noFill/>
+        </p:spPr>
+        <p:txBody>
+          <a:bodyPr wrap="none" rtlCol="0">
+            <a:spAutoFit/>
+          </a:bodyPr>
+          <a:lstStyle/>
+          <a:p>
+            <a:r>
+              <a:rPr lang="en-GB" b="1" dirty="0" err="1"/>
+              <a:t>positiveTrend</a:t>
+            </a:r>
+            <a:r>
+              <a:rPr lang="en-GB" b="1" dirty="0"/>
+              <a:t>: </a:t>
+            </a:r>
+            <a:r>
+              <a:rPr lang="pt-BR" b="1" dirty="0"/>
+              <a:t>121</a:t>
+            </a:r>
+          </a:p>
+        </p:txBody>
+      </p:sp>
+      <p:sp>
+        <p:nvSpPr>
+          <p:cNvPr id="8" name="CaixaDeTexto 7">
+            <a:extLst>
+              <a:ext uri="{FF2B5EF4-FFF2-40B4-BE49-F238E27FC236}">
+                <a16:creationId xmlns:a16="http://schemas.microsoft.com/office/drawing/2014/main" id="{ECCFA099-7D2F-4823-BF8C-1A48EA4949D6}"/>
+              </a:ext>
+            </a:extLst>
+          </p:cNvPr>
+          <p:cNvSpPr txBox="1"/>
+          <p:nvPr/>
+        </p:nvSpPr>
+        <p:spPr>
+          <a:xfrm>
+            <a:off x="9886613" y="1736037"/>
+            <a:ext cx="1138453" cy="369332"/>
+          </a:xfrm>
+          <a:prstGeom prst="rect">
+            <a:avLst/>
+          </a:prstGeom>
+          <a:noFill/>
+        </p:spPr>
+        <p:txBody>
+          <a:bodyPr wrap="none" rtlCol="0">
+            <a:spAutoFit/>
+          </a:bodyPr>
+          <a:lstStyle/>
+          <a:p>
+            <a:r>
+              <a:rPr lang="en-GB" b="1" dirty="0"/>
+              <a:t>none: </a:t>
+            </a:r>
+            <a:r>
+              <a:rPr lang="pt-BR" b="1" dirty="0"/>
+              <a:t>234</a:t>
+            </a:r>
+          </a:p>
+        </p:txBody>
+      </p:sp>
+      <p:sp>
+        <p:nvSpPr>
+          <p:cNvPr id="9" name="CaixaDeTexto 8">
+            <a:extLst>
+              <a:ext uri="{FF2B5EF4-FFF2-40B4-BE49-F238E27FC236}">
+                <a16:creationId xmlns:a16="http://schemas.microsoft.com/office/drawing/2014/main" id="{C4525918-729D-4B2D-8D42-549D15090BB8}"/>
+              </a:ext>
+            </a:extLst>
+          </p:cNvPr>
+          <p:cNvSpPr txBox="1"/>
+          <p:nvPr/>
+        </p:nvSpPr>
+        <p:spPr>
+          <a:xfrm>
+            <a:off x="9886613" y="1366705"/>
+            <a:ext cx="1893275" cy="369332"/>
+          </a:xfrm>
+          <a:prstGeom prst="rect">
+            <a:avLst/>
+          </a:prstGeom>
+          <a:noFill/>
+        </p:spPr>
+        <p:txBody>
+          <a:bodyPr wrap="none" rtlCol="0">
+            <a:spAutoFit/>
+          </a:bodyPr>
+          <a:lstStyle/>
+          <a:p>
+            <a:r>
+              <a:rPr lang="en-GB" b="1" dirty="0" err="1"/>
+              <a:t>negativeTrend</a:t>
+            </a:r>
+            <a:r>
+              <a:rPr lang="en-GB" b="1" dirty="0"/>
+              <a:t>: </a:t>
+            </a:r>
+            <a:r>
+              <a:rPr lang="pt-BR" b="1" dirty="0"/>
+              <a:t>53</a:t>
+            </a:r>
+          </a:p>
+        </p:txBody>
+      </p:sp>
+      <p:sp>
+        <p:nvSpPr>
+          <p:cNvPr id="10" name="CaixaDeTexto 9">
+            <a:extLst>
+              <a:ext uri="{FF2B5EF4-FFF2-40B4-BE49-F238E27FC236}">
+                <a16:creationId xmlns:a16="http://schemas.microsoft.com/office/drawing/2014/main" id="{F2159BB6-0A9B-4643-822F-93A406FD687E}"/>
+              </a:ext>
+            </a:extLst>
+          </p:cNvPr>
+          <p:cNvSpPr txBox="1"/>
+          <p:nvPr/>
+        </p:nvSpPr>
+        <p:spPr>
+          <a:xfrm>
+            <a:off x="9886613" y="640254"/>
+            <a:ext cx="1244251" cy="369332"/>
+          </a:xfrm>
+          <a:prstGeom prst="rect">
+            <a:avLst/>
+          </a:prstGeom>
+          <a:noFill/>
+        </p:spPr>
+        <p:txBody>
+          <a:bodyPr wrap="none" rtlCol="0">
+            <a:spAutoFit/>
+          </a:bodyPr>
+          <a:lstStyle/>
+          <a:p>
+            <a:r>
+              <a:rPr lang="en-GB" b="1" dirty="0"/>
+              <a:t>alpha: </a:t>
+            </a:r>
+            <a:r>
+              <a:rPr lang="pt-BR" b="1" dirty="0"/>
+              <a:t>0.05</a:t>
+            </a:r>
+          </a:p>
+        </p:txBody>
+      </p:sp>
+    </p:spTree>
+    <p:extLst>
+      <p:ext uri="{BB962C8B-B14F-4D97-AF65-F5344CB8AC3E}">
+        <p14:creationId xmlns:p14="http://schemas.microsoft.com/office/powerpoint/2010/main" val="1922530442"/>
       </p:ext>
     </p:extLst>
   </p:cSld>

--- a/General.pptx
+++ b/General.pptx
@@ -288,7 +288,7 @@
           <a:p>
             <a:fld id="{4144BC5B-1C15-4ADE-8370-05354381271F}" type="datetimeFigureOut">
               <a:rPr lang="en-GB" smtClean="0"/>
-              <a:t>12/08/2021</a:t>
+              <a:t>01/09/2021</a:t>
             </a:fld>
             <a:endParaRPr lang="en-GB"/>
           </a:p>
@@ -488,7 +488,7 @@
           <a:p>
             <a:fld id="{4144BC5B-1C15-4ADE-8370-05354381271F}" type="datetimeFigureOut">
               <a:rPr lang="en-GB" smtClean="0"/>
-              <a:t>12/08/2021</a:t>
+              <a:t>01/09/2021</a:t>
             </a:fld>
             <a:endParaRPr lang="en-GB"/>
           </a:p>
@@ -698,7 +698,7 @@
           <a:p>
             <a:fld id="{4144BC5B-1C15-4ADE-8370-05354381271F}" type="datetimeFigureOut">
               <a:rPr lang="en-GB" smtClean="0"/>
-              <a:t>12/08/2021</a:t>
+              <a:t>01/09/2021</a:t>
             </a:fld>
             <a:endParaRPr lang="en-GB"/>
           </a:p>
@@ -898,7 +898,7 @@
           <a:p>
             <a:fld id="{4144BC5B-1C15-4ADE-8370-05354381271F}" type="datetimeFigureOut">
               <a:rPr lang="en-GB" smtClean="0"/>
-              <a:t>12/08/2021</a:t>
+              <a:t>01/09/2021</a:t>
             </a:fld>
             <a:endParaRPr lang="en-GB"/>
           </a:p>
@@ -1174,7 +1174,7 @@
           <a:p>
             <a:fld id="{4144BC5B-1C15-4ADE-8370-05354381271F}" type="datetimeFigureOut">
               <a:rPr lang="en-GB" smtClean="0"/>
-              <a:t>12/08/2021</a:t>
+              <a:t>01/09/2021</a:t>
             </a:fld>
             <a:endParaRPr lang="en-GB"/>
           </a:p>
@@ -1442,7 +1442,7 @@
           <a:p>
             <a:fld id="{4144BC5B-1C15-4ADE-8370-05354381271F}" type="datetimeFigureOut">
               <a:rPr lang="en-GB" smtClean="0"/>
-              <a:t>12/08/2021</a:t>
+              <a:t>01/09/2021</a:t>
             </a:fld>
             <a:endParaRPr lang="en-GB"/>
           </a:p>
@@ -1857,7 +1857,7 @@
           <a:p>
             <a:fld id="{4144BC5B-1C15-4ADE-8370-05354381271F}" type="datetimeFigureOut">
               <a:rPr lang="en-GB" smtClean="0"/>
-              <a:t>12/08/2021</a:t>
+              <a:t>01/09/2021</a:t>
             </a:fld>
             <a:endParaRPr lang="en-GB"/>
           </a:p>
@@ -1999,7 +1999,7 @@
           <a:p>
             <a:fld id="{4144BC5B-1C15-4ADE-8370-05354381271F}" type="datetimeFigureOut">
               <a:rPr lang="en-GB" smtClean="0"/>
-              <a:t>12/08/2021</a:t>
+              <a:t>01/09/2021</a:t>
             </a:fld>
             <a:endParaRPr lang="en-GB"/>
           </a:p>
@@ -2112,7 +2112,7 @@
           <a:p>
             <a:fld id="{4144BC5B-1C15-4ADE-8370-05354381271F}" type="datetimeFigureOut">
               <a:rPr lang="en-GB" smtClean="0"/>
-              <a:t>12/08/2021</a:t>
+              <a:t>01/09/2021</a:t>
             </a:fld>
             <a:endParaRPr lang="en-GB"/>
           </a:p>
@@ -2425,7 +2425,7 @@
           <a:p>
             <a:fld id="{4144BC5B-1C15-4ADE-8370-05354381271F}" type="datetimeFigureOut">
               <a:rPr lang="en-GB" smtClean="0"/>
-              <a:t>12/08/2021</a:t>
+              <a:t>01/09/2021</a:t>
             </a:fld>
             <a:endParaRPr lang="en-GB"/>
           </a:p>
@@ -2714,7 +2714,7 @@
           <a:p>
             <a:fld id="{4144BC5B-1C15-4ADE-8370-05354381271F}" type="datetimeFigureOut">
               <a:rPr lang="en-GB" smtClean="0"/>
-              <a:t>12/08/2021</a:t>
+              <a:t>01/09/2021</a:t>
             </a:fld>
             <a:endParaRPr lang="en-GB"/>
           </a:p>
@@ -2957,7 +2957,7 @@
           <a:p>
             <a:fld id="{4144BC5B-1C15-4ADE-8370-05354381271F}" type="datetimeFigureOut">
               <a:rPr lang="en-GB" smtClean="0"/>
-              <a:t>12/08/2021</a:t>
+              <a:t>01/09/2021</a:t>
             </a:fld>
             <a:endParaRPr lang="en-GB"/>
           </a:p>
@@ -11057,7 +11057,7 @@
           <p:nvPr>
             <p:extLst>
               <p:ext uri="{D42A27DB-BD31-4B8C-83A1-F6EECF244321}">
-                <p14:modId xmlns:p14="http://schemas.microsoft.com/office/powerpoint/2010/main" val="240957373"/>
+                <p14:modId xmlns:p14="http://schemas.microsoft.com/office/powerpoint/2010/main" val="1794774494"/>
               </p:ext>
             </p:extLst>
           </p:nvPr>
@@ -11696,7 +11696,7 @@
           <p:nvPr>
             <p:extLst>
               <p:ext uri="{D42A27DB-BD31-4B8C-83A1-F6EECF244321}">
-                <p14:modId xmlns:p14="http://schemas.microsoft.com/office/powerpoint/2010/main" val="1934786652"/>
+                <p14:modId xmlns:p14="http://schemas.microsoft.com/office/powerpoint/2010/main" val="1713244179"/>
               </p:ext>
             </p:extLst>
           </p:nvPr>
